--- a/slides/00-Intro-memory-function.pptx
+++ b/slides/00-Intro-memory-function.pptx
@@ -1123,7 +1123,7 @@
           <a:p>
             <a:fld id="{4ACACA87-7038-476A-85F0-03D6E0AD7D58}" type="datetimeFigureOut">
               <a:rPr lang="en-US" smtClean="0"/>
-              <a:t>7/29/2023</a:t>
+              <a:t>8/9/2023</a:t>
             </a:fld>
             <a:endParaRPr lang="en-US"/>
           </a:p>
@@ -1293,7 +1293,7 @@
           <a:p>
             <a:fld id="{4ACACA87-7038-476A-85F0-03D6E0AD7D58}" type="datetimeFigureOut">
               <a:rPr lang="en-US" smtClean="0"/>
-              <a:t>7/29/2023</a:t>
+              <a:t>8/9/2023</a:t>
             </a:fld>
             <a:endParaRPr lang="en-US"/>
           </a:p>
@@ -1473,7 +1473,7 @@
           <a:p>
             <a:fld id="{4ACACA87-7038-476A-85F0-03D6E0AD7D58}" type="datetimeFigureOut">
               <a:rPr lang="en-US" smtClean="0"/>
-              <a:t>7/29/2023</a:t>
+              <a:t>8/9/2023</a:t>
             </a:fld>
             <a:endParaRPr lang="en-US"/>
           </a:p>
@@ -1643,7 +1643,7 @@
           <a:p>
             <a:fld id="{4ACACA87-7038-476A-85F0-03D6E0AD7D58}" type="datetimeFigureOut">
               <a:rPr lang="en-US" smtClean="0"/>
-              <a:t>7/29/2023</a:t>
+              <a:t>8/9/2023</a:t>
             </a:fld>
             <a:endParaRPr lang="en-US"/>
           </a:p>
@@ -1889,7 +1889,7 @@
           <a:p>
             <a:fld id="{4ACACA87-7038-476A-85F0-03D6E0AD7D58}" type="datetimeFigureOut">
               <a:rPr lang="en-US" smtClean="0"/>
-              <a:t>7/29/2023</a:t>
+              <a:t>8/9/2023</a:t>
             </a:fld>
             <a:endParaRPr lang="en-US"/>
           </a:p>
@@ -2121,7 +2121,7 @@
           <a:p>
             <a:fld id="{4ACACA87-7038-476A-85F0-03D6E0AD7D58}" type="datetimeFigureOut">
               <a:rPr lang="en-US" smtClean="0"/>
-              <a:t>7/29/2023</a:t>
+              <a:t>8/9/2023</a:t>
             </a:fld>
             <a:endParaRPr lang="en-US"/>
           </a:p>
@@ -2488,7 +2488,7 @@
           <a:p>
             <a:fld id="{4ACACA87-7038-476A-85F0-03D6E0AD7D58}" type="datetimeFigureOut">
               <a:rPr lang="en-US" smtClean="0"/>
-              <a:t>7/29/2023</a:t>
+              <a:t>8/9/2023</a:t>
             </a:fld>
             <a:endParaRPr lang="en-US"/>
           </a:p>
@@ -2606,7 +2606,7 @@
           <a:p>
             <a:fld id="{4ACACA87-7038-476A-85F0-03D6E0AD7D58}" type="datetimeFigureOut">
               <a:rPr lang="en-US" smtClean="0"/>
-              <a:t>7/29/2023</a:t>
+              <a:t>8/9/2023</a:t>
             </a:fld>
             <a:endParaRPr lang="en-US"/>
           </a:p>
@@ -2701,7 +2701,7 @@
           <a:p>
             <a:fld id="{4ACACA87-7038-476A-85F0-03D6E0AD7D58}" type="datetimeFigureOut">
               <a:rPr lang="en-US" smtClean="0"/>
-              <a:t>7/29/2023</a:t>
+              <a:t>8/9/2023</a:t>
             </a:fld>
             <a:endParaRPr lang="en-US"/>
           </a:p>
@@ -2978,7 +2978,7 @@
           <a:p>
             <a:fld id="{4ACACA87-7038-476A-85F0-03D6E0AD7D58}" type="datetimeFigureOut">
               <a:rPr lang="en-US" smtClean="0"/>
-              <a:t>7/29/2023</a:t>
+              <a:t>8/9/2023</a:t>
             </a:fld>
             <a:endParaRPr lang="en-US"/>
           </a:p>
@@ -3231,7 +3231,7 @@
           <a:p>
             <a:fld id="{4ACACA87-7038-476A-85F0-03D6E0AD7D58}" type="datetimeFigureOut">
               <a:rPr lang="en-US" smtClean="0"/>
-              <a:t>7/29/2023</a:t>
+              <a:t>8/9/2023</a:t>
             </a:fld>
             <a:endParaRPr lang="en-US"/>
           </a:p>
@@ -3444,7 +3444,7 @@
           <a:p>
             <a:fld id="{4ACACA87-7038-476A-85F0-03D6E0AD7D58}" type="datetimeFigureOut">
               <a:rPr lang="en-US" smtClean="0"/>
-              <a:t>7/29/2023</a:t>
+              <a:t>8/9/2023</a:t>
             </a:fld>
             <a:endParaRPr lang="en-US"/>
           </a:p>
@@ -14866,15 +14866,7 @@
             </a:r>
             <a:r>
               <a:rPr lang="en-US" dirty="0" smtClean="0"/>
-              <a:t>with the C </a:t>
-            </a:r>
-            <a:r>
-              <a:rPr lang="en-US" dirty="0" smtClean="0"/>
-              <a:t>source program </a:t>
-            </a:r>
-            <a:r>
-              <a:rPr lang="en-US" dirty="0" smtClean="0"/>
-              <a:t>statements using an editor</a:t>
+              <a:t>with the C source program statements using an editor</a:t>
             </a:r>
           </a:p>
           <a:p>

--- a/slides/00-Intro-memory-function.pptx
+++ b/slides/00-Intro-memory-function.pptx
@@ -19,18 +19,19 @@
     <p:sldId id="264" r:id="rId13"/>
     <p:sldId id="265" r:id="rId14"/>
     <p:sldId id="277" r:id="rId15"/>
-    <p:sldId id="266" r:id="rId16"/>
-    <p:sldId id="267" r:id="rId17"/>
-    <p:sldId id="274" r:id="rId18"/>
-    <p:sldId id="268" r:id="rId19"/>
-    <p:sldId id="269" r:id="rId20"/>
-    <p:sldId id="273" r:id="rId21"/>
-    <p:sldId id="271" r:id="rId22"/>
-    <p:sldId id="275" r:id="rId23"/>
-    <p:sldId id="276" r:id="rId24"/>
-    <p:sldId id="270" r:id="rId25"/>
-    <p:sldId id="272" r:id="rId26"/>
-    <p:sldId id="281" r:id="rId27"/>
+    <p:sldId id="282" r:id="rId16"/>
+    <p:sldId id="266" r:id="rId17"/>
+    <p:sldId id="267" r:id="rId18"/>
+    <p:sldId id="274" r:id="rId19"/>
+    <p:sldId id="268" r:id="rId20"/>
+    <p:sldId id="269" r:id="rId21"/>
+    <p:sldId id="273" r:id="rId22"/>
+    <p:sldId id="271" r:id="rId23"/>
+    <p:sldId id="275" r:id="rId24"/>
+    <p:sldId id="276" r:id="rId25"/>
+    <p:sldId id="270" r:id="rId26"/>
+    <p:sldId id="272" r:id="rId27"/>
+    <p:sldId id="281" r:id="rId28"/>
   </p:sldIdLst>
   <p:sldSz cx="12192000" cy="6858000"/>
   <p:notesSz cx="6858000" cy="9144000"/>
@@ -137,6 +138,43 @@
 </p:presentation>
 </file>
 
+<file path=ppt/changesInfos/changesInfo1.xml><?xml version="1.0" encoding="utf-8"?>
+<pc:chgInfo xmlns:a="http://schemas.openxmlformats.org/drawingml/2006/main" xmlns:r="http://schemas.openxmlformats.org/officeDocument/2006/relationships" xmlns:ac="http://schemas.microsoft.com/office/drawing/2013/main/command" xmlns:pc="http://schemas.microsoft.com/office/powerpoint/2013/main/command">
+  <pc:docChgLst>
+    <pc:chgData name="Badrinath R" userId="155a43e7-1f5f-414f-9bca-c8a1af989a19" providerId="ADAL" clId="{B3415C0E-AC84-4EC3-BC04-72D0AF69EC24}"/>
+    <pc:docChg chg="custSel addSld modSld">
+      <pc:chgData name="Badrinath R" userId="155a43e7-1f5f-414f-9bca-c8a1af989a19" providerId="ADAL" clId="{B3415C0E-AC84-4EC3-BC04-72D0AF69EC24}" dt="2025-06-27T09:00:14.195" v="320" actId="20577"/>
+      <pc:docMkLst>
+        <pc:docMk/>
+      </pc:docMkLst>
+      <pc:sldChg chg="addSp modSp new mod modClrScheme chgLayout">
+        <pc:chgData name="Badrinath R" userId="155a43e7-1f5f-414f-9bca-c8a1af989a19" providerId="ADAL" clId="{B3415C0E-AC84-4EC3-BC04-72D0AF69EC24}" dt="2025-06-27T09:00:14.195" v="320" actId="20577"/>
+        <pc:sldMkLst>
+          <pc:docMk/>
+          <pc:sldMk cId="997026383" sldId="282"/>
+        </pc:sldMkLst>
+        <pc:spChg chg="mod ord">
+          <ac:chgData name="Badrinath R" userId="155a43e7-1f5f-414f-9bca-c8a1af989a19" providerId="ADAL" clId="{B3415C0E-AC84-4EC3-BC04-72D0AF69EC24}" dt="2025-06-27T08:58:23.087" v="11" actId="700"/>
+          <ac:spMkLst>
+            <pc:docMk/>
+            <pc:sldMk cId="997026383" sldId="282"/>
+            <ac:spMk id="2" creationId="{301C10C2-55D7-3539-DA05-ABBF4F5AAE27}"/>
+          </ac:spMkLst>
+        </pc:spChg>
+        <pc:spChg chg="add mod ord">
+          <ac:chgData name="Badrinath R" userId="155a43e7-1f5f-414f-9bca-c8a1af989a19" providerId="ADAL" clId="{B3415C0E-AC84-4EC3-BC04-72D0AF69EC24}" dt="2025-06-27T09:00:14.195" v="320" actId="20577"/>
+          <ac:spMkLst>
+            <pc:docMk/>
+            <pc:sldMk cId="997026383" sldId="282"/>
+            <ac:spMk id="3" creationId="{9002E9F8-15FE-CD0A-E617-4CEAC862B506}"/>
+          </ac:spMkLst>
+        </pc:spChg>
+      </pc:sldChg>
+    </pc:docChg>
+  </pc:docChgLst>
+</pc:chgInfo>
+</file>
+
 <file path=ppt/charts/chart1.xml><?xml version="1.0" encoding="utf-8"?>
 <c:chartSpace xmlns:c="http://schemas.openxmlformats.org/drawingml/2006/chart" xmlns:a="http://schemas.openxmlformats.org/drawingml/2006/main" xmlns:r="http://schemas.openxmlformats.org/officeDocument/2006/relationships" xmlns:c16r2="http://schemas.microsoft.com/office/drawing/2015/06/chart">
   <c:date1904 val="0"/>
@@ -171,14 +209,12 @@
               </a:defRPr>
             </a:pPr>
             <a:r>
-              <a:rPr lang="en-US" dirty="0" smtClean="0"/>
+              <a:rPr lang="en-US" dirty="0"/>
               <a:t>Learning</a:t>
             </a:r>
-            <a:endParaRPr lang="en-US" dirty="0"/>
           </a:p>
         </c:rich>
       </c:tx>
-      <c:layout/>
       <c:overlay val="0"/>
       <c:spPr>
         <a:noFill/>
@@ -376,7 +412,6 @@
     </c:plotArea>
     <c:legend>
       <c:legendPos val="b"/>
-      <c:layout/>
       <c:overlay val="0"/>
       <c:spPr>
         <a:noFill/>
@@ -1034,10 +1069,9 @@
           </a:lstStyle>
           <a:p>
             <a:r>
-              <a:rPr lang="en-US" smtClean="0"/>
+              <a:rPr lang="en-US"/>
               <a:t>Click to edit Master title style</a:t>
             </a:r>
-            <a:endParaRPr lang="en-US"/>
           </a:p>
         </p:txBody>
       </p:sp>
@@ -1099,10 +1133,9 @@
           </a:lstStyle>
           <a:p>
             <a:r>
-              <a:rPr lang="en-US" smtClean="0"/>
+              <a:rPr lang="en-US"/>
               <a:t>Click to edit Master subtitle style</a:t>
             </a:r>
-            <a:endParaRPr lang="en-US"/>
           </a:p>
         </p:txBody>
       </p:sp>
@@ -1123,7 +1156,7 @@
           <a:p>
             <a:fld id="{4ACACA87-7038-476A-85F0-03D6E0AD7D58}" type="datetimeFigureOut">
               <a:rPr lang="en-US" smtClean="0"/>
-              <a:t>8/9/2023</a:t>
+              <a:t>6/26/2025</a:t>
             </a:fld>
             <a:endParaRPr lang="en-US"/>
           </a:p>
@@ -1217,10 +1250,9 @@
           <a:lstStyle/>
           <a:p>
             <a:r>
-              <a:rPr lang="en-US" smtClean="0"/>
+              <a:rPr lang="en-US"/>
               <a:t>Click to edit Master title style</a:t>
             </a:r>
-            <a:endParaRPr lang="en-US"/>
           </a:p>
         </p:txBody>
       </p:sp>
@@ -1241,38 +1273,37 @@
           <a:p>
             <a:pPr lvl="0"/>
             <a:r>
-              <a:rPr lang="en-US" smtClean="0"/>
+              <a:rPr lang="en-US"/>
               <a:t>Edit Master text styles</a:t>
             </a:r>
           </a:p>
           <a:p>
             <a:pPr lvl="1"/>
             <a:r>
-              <a:rPr lang="en-US" smtClean="0"/>
+              <a:rPr lang="en-US"/>
               <a:t>Second level</a:t>
             </a:r>
           </a:p>
           <a:p>
             <a:pPr lvl="2"/>
             <a:r>
-              <a:rPr lang="en-US" smtClean="0"/>
+              <a:rPr lang="en-US"/>
               <a:t>Third level</a:t>
             </a:r>
           </a:p>
           <a:p>
             <a:pPr lvl="3"/>
             <a:r>
-              <a:rPr lang="en-US" smtClean="0"/>
+              <a:rPr lang="en-US"/>
               <a:t>Fourth level</a:t>
             </a:r>
           </a:p>
           <a:p>
             <a:pPr lvl="4"/>
             <a:r>
-              <a:rPr lang="en-US" smtClean="0"/>
+              <a:rPr lang="en-US"/>
               <a:t>Fifth level</a:t>
             </a:r>
-            <a:endParaRPr lang="en-US"/>
           </a:p>
         </p:txBody>
       </p:sp>
@@ -1293,7 +1324,7 @@
           <a:p>
             <a:fld id="{4ACACA87-7038-476A-85F0-03D6E0AD7D58}" type="datetimeFigureOut">
               <a:rPr lang="en-US" smtClean="0"/>
-              <a:t>8/9/2023</a:t>
+              <a:t>6/26/2025</a:t>
             </a:fld>
             <a:endParaRPr lang="en-US"/>
           </a:p>
@@ -1392,10 +1423,9 @@
           <a:lstStyle/>
           <a:p>
             <a:r>
-              <a:rPr lang="en-US" smtClean="0"/>
+              <a:rPr lang="en-US"/>
               <a:t>Click to edit Master title style</a:t>
             </a:r>
-            <a:endParaRPr lang="en-US"/>
           </a:p>
         </p:txBody>
       </p:sp>
@@ -1421,38 +1451,37 @@
           <a:p>
             <a:pPr lvl="0"/>
             <a:r>
-              <a:rPr lang="en-US" smtClean="0"/>
+              <a:rPr lang="en-US"/>
               <a:t>Edit Master text styles</a:t>
             </a:r>
           </a:p>
           <a:p>
             <a:pPr lvl="1"/>
             <a:r>
-              <a:rPr lang="en-US" smtClean="0"/>
+              <a:rPr lang="en-US"/>
               <a:t>Second level</a:t>
             </a:r>
           </a:p>
           <a:p>
             <a:pPr lvl="2"/>
             <a:r>
-              <a:rPr lang="en-US" smtClean="0"/>
+              <a:rPr lang="en-US"/>
               <a:t>Third level</a:t>
             </a:r>
           </a:p>
           <a:p>
             <a:pPr lvl="3"/>
             <a:r>
-              <a:rPr lang="en-US" smtClean="0"/>
+              <a:rPr lang="en-US"/>
               <a:t>Fourth level</a:t>
             </a:r>
           </a:p>
           <a:p>
             <a:pPr lvl="4"/>
             <a:r>
-              <a:rPr lang="en-US" smtClean="0"/>
+              <a:rPr lang="en-US"/>
               <a:t>Fifth level</a:t>
             </a:r>
-            <a:endParaRPr lang="en-US"/>
           </a:p>
         </p:txBody>
       </p:sp>
@@ -1473,7 +1502,7 @@
           <a:p>
             <a:fld id="{4ACACA87-7038-476A-85F0-03D6E0AD7D58}" type="datetimeFigureOut">
               <a:rPr lang="en-US" smtClean="0"/>
-              <a:t>8/9/2023</a:t>
+              <a:t>6/26/2025</a:t>
             </a:fld>
             <a:endParaRPr lang="en-US"/>
           </a:p>
@@ -1567,10 +1596,9 @@
           <a:lstStyle/>
           <a:p>
             <a:r>
-              <a:rPr lang="en-US" smtClean="0"/>
+              <a:rPr lang="en-US"/>
               <a:t>Click to edit Master title style</a:t>
             </a:r>
-            <a:endParaRPr lang="en-US"/>
           </a:p>
         </p:txBody>
       </p:sp>
@@ -1591,38 +1619,37 @@
           <a:p>
             <a:pPr lvl="0"/>
             <a:r>
-              <a:rPr lang="en-US" smtClean="0"/>
+              <a:rPr lang="en-US"/>
               <a:t>Edit Master text styles</a:t>
             </a:r>
           </a:p>
           <a:p>
             <a:pPr lvl="1"/>
             <a:r>
-              <a:rPr lang="en-US" smtClean="0"/>
+              <a:rPr lang="en-US"/>
               <a:t>Second level</a:t>
             </a:r>
           </a:p>
           <a:p>
             <a:pPr lvl="2"/>
             <a:r>
-              <a:rPr lang="en-US" smtClean="0"/>
+              <a:rPr lang="en-US"/>
               <a:t>Third level</a:t>
             </a:r>
           </a:p>
           <a:p>
             <a:pPr lvl="3"/>
             <a:r>
-              <a:rPr lang="en-US" smtClean="0"/>
+              <a:rPr lang="en-US"/>
               <a:t>Fourth level</a:t>
             </a:r>
           </a:p>
           <a:p>
             <a:pPr lvl="4"/>
             <a:r>
-              <a:rPr lang="en-US" smtClean="0"/>
+              <a:rPr lang="en-US"/>
               <a:t>Fifth level</a:t>
             </a:r>
-            <a:endParaRPr lang="en-US"/>
           </a:p>
         </p:txBody>
       </p:sp>
@@ -1643,7 +1670,7 @@
           <a:p>
             <a:fld id="{4ACACA87-7038-476A-85F0-03D6E0AD7D58}" type="datetimeFigureOut">
               <a:rPr lang="en-US" smtClean="0"/>
-              <a:t>8/9/2023</a:t>
+              <a:t>6/26/2025</a:t>
             </a:fld>
             <a:endParaRPr lang="en-US"/>
           </a:p>
@@ -1746,10 +1773,9 @@
           </a:lstStyle>
           <a:p>
             <a:r>
-              <a:rPr lang="en-US" smtClean="0"/>
+              <a:rPr lang="en-US"/>
               <a:t>Click to edit Master title style</a:t>
             </a:r>
-            <a:endParaRPr lang="en-US"/>
           </a:p>
         </p:txBody>
       </p:sp>
@@ -1866,7 +1892,7 @@
           <a:p>
             <a:pPr lvl="0"/>
             <a:r>
-              <a:rPr lang="en-US" smtClean="0"/>
+              <a:rPr lang="en-US"/>
               <a:t>Edit Master text styles</a:t>
             </a:r>
           </a:p>
@@ -1889,7 +1915,7 @@
           <a:p>
             <a:fld id="{4ACACA87-7038-476A-85F0-03D6E0AD7D58}" type="datetimeFigureOut">
               <a:rPr lang="en-US" smtClean="0"/>
-              <a:t>8/9/2023</a:t>
+              <a:t>6/26/2025</a:t>
             </a:fld>
             <a:endParaRPr lang="en-US"/>
           </a:p>
@@ -1983,10 +2009,9 @@
           <a:lstStyle/>
           <a:p>
             <a:r>
-              <a:rPr lang="en-US" smtClean="0"/>
+              <a:rPr lang="en-US"/>
               <a:t>Click to edit Master title style</a:t>
             </a:r>
-            <a:endParaRPr lang="en-US"/>
           </a:p>
         </p:txBody>
       </p:sp>
@@ -2012,38 +2037,37 @@
           <a:p>
             <a:pPr lvl="0"/>
             <a:r>
-              <a:rPr lang="en-US" smtClean="0"/>
+              <a:rPr lang="en-US"/>
               <a:t>Edit Master text styles</a:t>
             </a:r>
           </a:p>
           <a:p>
             <a:pPr lvl="1"/>
             <a:r>
-              <a:rPr lang="en-US" smtClean="0"/>
+              <a:rPr lang="en-US"/>
               <a:t>Second level</a:t>
             </a:r>
           </a:p>
           <a:p>
             <a:pPr lvl="2"/>
             <a:r>
-              <a:rPr lang="en-US" smtClean="0"/>
+              <a:rPr lang="en-US"/>
               <a:t>Third level</a:t>
             </a:r>
           </a:p>
           <a:p>
             <a:pPr lvl="3"/>
             <a:r>
-              <a:rPr lang="en-US" smtClean="0"/>
+              <a:rPr lang="en-US"/>
               <a:t>Fourth level</a:t>
             </a:r>
           </a:p>
           <a:p>
             <a:pPr lvl="4"/>
             <a:r>
-              <a:rPr lang="en-US" smtClean="0"/>
+              <a:rPr lang="en-US"/>
               <a:t>Fifth level</a:t>
             </a:r>
-            <a:endParaRPr lang="en-US"/>
           </a:p>
         </p:txBody>
       </p:sp>
@@ -2069,38 +2093,37 @@
           <a:p>
             <a:pPr lvl="0"/>
             <a:r>
-              <a:rPr lang="en-US" smtClean="0"/>
+              <a:rPr lang="en-US"/>
               <a:t>Edit Master text styles</a:t>
             </a:r>
           </a:p>
           <a:p>
             <a:pPr lvl="1"/>
             <a:r>
-              <a:rPr lang="en-US" smtClean="0"/>
+              <a:rPr lang="en-US"/>
               <a:t>Second level</a:t>
             </a:r>
           </a:p>
           <a:p>
             <a:pPr lvl="2"/>
             <a:r>
-              <a:rPr lang="en-US" smtClean="0"/>
+              <a:rPr lang="en-US"/>
               <a:t>Third level</a:t>
             </a:r>
           </a:p>
           <a:p>
             <a:pPr lvl="3"/>
             <a:r>
-              <a:rPr lang="en-US" smtClean="0"/>
+              <a:rPr lang="en-US"/>
               <a:t>Fourth level</a:t>
             </a:r>
           </a:p>
           <a:p>
             <a:pPr lvl="4"/>
             <a:r>
-              <a:rPr lang="en-US" smtClean="0"/>
+              <a:rPr lang="en-US"/>
               <a:t>Fifth level</a:t>
             </a:r>
-            <a:endParaRPr lang="en-US"/>
           </a:p>
         </p:txBody>
       </p:sp>
@@ -2121,7 +2144,7 @@
           <a:p>
             <a:fld id="{4ACACA87-7038-476A-85F0-03D6E0AD7D58}" type="datetimeFigureOut">
               <a:rPr lang="en-US" smtClean="0"/>
-              <a:t>8/9/2023</a:t>
+              <a:t>6/26/2025</a:t>
             </a:fld>
             <a:endParaRPr lang="en-US"/>
           </a:p>
@@ -2220,10 +2243,9 @@
           <a:lstStyle/>
           <a:p>
             <a:r>
-              <a:rPr lang="en-US" smtClean="0"/>
+              <a:rPr lang="en-US"/>
               <a:t>Click to edit Master title style</a:t>
             </a:r>
-            <a:endParaRPr lang="en-US"/>
           </a:p>
         </p:txBody>
       </p:sp>
@@ -2286,7 +2308,7 @@
           <a:p>
             <a:pPr lvl="0"/>
             <a:r>
-              <a:rPr lang="en-US" smtClean="0"/>
+              <a:rPr lang="en-US"/>
               <a:t>Edit Master text styles</a:t>
             </a:r>
           </a:p>
@@ -2314,38 +2336,37 @@
           <a:p>
             <a:pPr lvl="0"/>
             <a:r>
-              <a:rPr lang="en-US" smtClean="0"/>
+              <a:rPr lang="en-US"/>
               <a:t>Edit Master text styles</a:t>
             </a:r>
           </a:p>
           <a:p>
             <a:pPr lvl="1"/>
             <a:r>
-              <a:rPr lang="en-US" smtClean="0"/>
+              <a:rPr lang="en-US"/>
               <a:t>Second level</a:t>
             </a:r>
           </a:p>
           <a:p>
             <a:pPr lvl="2"/>
             <a:r>
-              <a:rPr lang="en-US" smtClean="0"/>
+              <a:rPr lang="en-US"/>
               <a:t>Third level</a:t>
             </a:r>
           </a:p>
           <a:p>
             <a:pPr lvl="3"/>
             <a:r>
-              <a:rPr lang="en-US" smtClean="0"/>
+              <a:rPr lang="en-US"/>
               <a:t>Fourth level</a:t>
             </a:r>
           </a:p>
           <a:p>
             <a:pPr lvl="4"/>
             <a:r>
-              <a:rPr lang="en-US" smtClean="0"/>
+              <a:rPr lang="en-US"/>
               <a:t>Fifth level</a:t>
             </a:r>
-            <a:endParaRPr lang="en-US"/>
           </a:p>
         </p:txBody>
       </p:sp>
@@ -2408,7 +2429,7 @@
           <a:p>
             <a:pPr lvl="0"/>
             <a:r>
-              <a:rPr lang="en-US" smtClean="0"/>
+              <a:rPr lang="en-US"/>
               <a:t>Edit Master text styles</a:t>
             </a:r>
           </a:p>
@@ -2436,38 +2457,37 @@
           <a:p>
             <a:pPr lvl="0"/>
             <a:r>
-              <a:rPr lang="en-US" smtClean="0"/>
+              <a:rPr lang="en-US"/>
               <a:t>Edit Master text styles</a:t>
             </a:r>
           </a:p>
           <a:p>
             <a:pPr lvl="1"/>
             <a:r>
-              <a:rPr lang="en-US" smtClean="0"/>
+              <a:rPr lang="en-US"/>
               <a:t>Second level</a:t>
             </a:r>
           </a:p>
           <a:p>
             <a:pPr lvl="2"/>
             <a:r>
-              <a:rPr lang="en-US" smtClean="0"/>
+              <a:rPr lang="en-US"/>
               <a:t>Third level</a:t>
             </a:r>
           </a:p>
           <a:p>
             <a:pPr lvl="3"/>
             <a:r>
-              <a:rPr lang="en-US" smtClean="0"/>
+              <a:rPr lang="en-US"/>
               <a:t>Fourth level</a:t>
             </a:r>
           </a:p>
           <a:p>
             <a:pPr lvl="4"/>
             <a:r>
-              <a:rPr lang="en-US" smtClean="0"/>
+              <a:rPr lang="en-US"/>
               <a:t>Fifth level</a:t>
             </a:r>
-            <a:endParaRPr lang="en-US"/>
           </a:p>
         </p:txBody>
       </p:sp>
@@ -2488,7 +2508,7 @@
           <a:p>
             <a:fld id="{4ACACA87-7038-476A-85F0-03D6E0AD7D58}" type="datetimeFigureOut">
               <a:rPr lang="en-US" smtClean="0"/>
-              <a:t>8/9/2023</a:t>
+              <a:t>6/26/2025</a:t>
             </a:fld>
             <a:endParaRPr lang="en-US"/>
           </a:p>
@@ -2582,10 +2602,9 @@
           <a:lstStyle/>
           <a:p>
             <a:r>
-              <a:rPr lang="en-US" smtClean="0"/>
+              <a:rPr lang="en-US"/>
               <a:t>Click to edit Master title style</a:t>
             </a:r>
-            <a:endParaRPr lang="en-US"/>
           </a:p>
         </p:txBody>
       </p:sp>
@@ -2606,7 +2625,7 @@
           <a:p>
             <a:fld id="{4ACACA87-7038-476A-85F0-03D6E0AD7D58}" type="datetimeFigureOut">
               <a:rPr lang="en-US" smtClean="0"/>
-              <a:t>8/9/2023</a:t>
+              <a:t>6/26/2025</a:t>
             </a:fld>
             <a:endParaRPr lang="en-US"/>
           </a:p>
@@ -2701,7 +2720,7 @@
           <a:p>
             <a:fld id="{4ACACA87-7038-476A-85F0-03D6E0AD7D58}" type="datetimeFigureOut">
               <a:rPr lang="en-US" smtClean="0"/>
-              <a:t>8/9/2023</a:t>
+              <a:t>6/26/2025</a:t>
             </a:fld>
             <a:endParaRPr lang="en-US"/>
           </a:p>
@@ -2804,10 +2823,9 @@
           </a:lstStyle>
           <a:p>
             <a:r>
-              <a:rPr lang="en-US" smtClean="0"/>
+              <a:rPr lang="en-US"/>
               <a:t>Click to edit Master title style</a:t>
             </a:r>
-            <a:endParaRPr lang="en-US"/>
           </a:p>
         </p:txBody>
       </p:sp>
@@ -2861,38 +2879,37 @@
           <a:p>
             <a:pPr lvl="0"/>
             <a:r>
-              <a:rPr lang="en-US" smtClean="0"/>
+              <a:rPr lang="en-US"/>
               <a:t>Edit Master text styles</a:t>
             </a:r>
           </a:p>
           <a:p>
             <a:pPr lvl="1"/>
             <a:r>
-              <a:rPr lang="en-US" smtClean="0"/>
+              <a:rPr lang="en-US"/>
               <a:t>Second level</a:t>
             </a:r>
           </a:p>
           <a:p>
             <a:pPr lvl="2"/>
             <a:r>
-              <a:rPr lang="en-US" smtClean="0"/>
+              <a:rPr lang="en-US"/>
               <a:t>Third level</a:t>
             </a:r>
           </a:p>
           <a:p>
             <a:pPr lvl="3"/>
             <a:r>
-              <a:rPr lang="en-US" smtClean="0"/>
+              <a:rPr lang="en-US"/>
               <a:t>Fourth level</a:t>
             </a:r>
           </a:p>
           <a:p>
             <a:pPr lvl="4"/>
             <a:r>
-              <a:rPr lang="en-US" smtClean="0"/>
+              <a:rPr lang="en-US"/>
               <a:t>Fifth level</a:t>
             </a:r>
-            <a:endParaRPr lang="en-US"/>
           </a:p>
         </p:txBody>
       </p:sp>
@@ -2955,7 +2972,7 @@
           <a:p>
             <a:pPr lvl="0"/>
             <a:r>
-              <a:rPr lang="en-US" smtClean="0"/>
+              <a:rPr lang="en-US"/>
               <a:t>Edit Master text styles</a:t>
             </a:r>
           </a:p>
@@ -2978,7 +2995,7 @@
           <a:p>
             <a:fld id="{4ACACA87-7038-476A-85F0-03D6E0AD7D58}" type="datetimeFigureOut">
               <a:rPr lang="en-US" smtClean="0"/>
-              <a:t>8/9/2023</a:t>
+              <a:t>6/26/2025</a:t>
             </a:fld>
             <a:endParaRPr lang="en-US"/>
           </a:p>
@@ -3081,10 +3098,9 @@
           </a:lstStyle>
           <a:p>
             <a:r>
-              <a:rPr lang="en-US" smtClean="0"/>
+              <a:rPr lang="en-US"/>
               <a:t>Click to edit Master title style</a:t>
             </a:r>
-            <a:endParaRPr lang="en-US"/>
           </a:p>
         </p:txBody>
       </p:sp>
@@ -3208,7 +3224,7 @@
           <a:p>
             <a:pPr lvl="0"/>
             <a:r>
-              <a:rPr lang="en-US" smtClean="0"/>
+              <a:rPr lang="en-US"/>
               <a:t>Edit Master text styles</a:t>
             </a:r>
           </a:p>
@@ -3231,7 +3247,7 @@
           <a:p>
             <a:fld id="{4ACACA87-7038-476A-85F0-03D6E0AD7D58}" type="datetimeFigureOut">
               <a:rPr lang="en-US" smtClean="0"/>
-              <a:t>8/9/2023</a:t>
+              <a:t>6/26/2025</a:t>
             </a:fld>
             <a:endParaRPr lang="en-US"/>
           </a:p>
@@ -3340,10 +3356,9 @@
           <a:lstStyle/>
           <a:p>
             <a:r>
-              <a:rPr lang="en-US" smtClean="0"/>
+              <a:rPr lang="en-US"/>
               <a:t>Click to edit Master title style</a:t>
             </a:r>
-            <a:endParaRPr lang="en-US"/>
           </a:p>
         </p:txBody>
       </p:sp>
@@ -3374,38 +3389,37 @@
           <a:p>
             <a:pPr lvl="0"/>
             <a:r>
-              <a:rPr lang="en-US" smtClean="0"/>
+              <a:rPr lang="en-US"/>
               <a:t>Edit Master text styles</a:t>
             </a:r>
           </a:p>
           <a:p>
             <a:pPr lvl="1"/>
             <a:r>
-              <a:rPr lang="en-US" smtClean="0"/>
+              <a:rPr lang="en-US"/>
               <a:t>Second level</a:t>
             </a:r>
           </a:p>
           <a:p>
             <a:pPr lvl="2"/>
             <a:r>
-              <a:rPr lang="en-US" smtClean="0"/>
+              <a:rPr lang="en-US"/>
               <a:t>Third level</a:t>
             </a:r>
           </a:p>
           <a:p>
             <a:pPr lvl="3"/>
             <a:r>
-              <a:rPr lang="en-US" smtClean="0"/>
+              <a:rPr lang="en-US"/>
               <a:t>Fourth level</a:t>
             </a:r>
           </a:p>
           <a:p>
             <a:pPr lvl="4"/>
             <a:r>
-              <a:rPr lang="en-US" smtClean="0"/>
+              <a:rPr lang="en-US"/>
               <a:t>Fifth level</a:t>
             </a:r>
-            <a:endParaRPr lang="en-US"/>
           </a:p>
         </p:txBody>
       </p:sp>
@@ -3444,7 +3458,7 @@
           <a:p>
             <a:fld id="{4ACACA87-7038-476A-85F0-03D6E0AD7D58}" type="datetimeFigureOut">
               <a:rPr lang="en-US" smtClean="0"/>
-              <a:t>8/9/2023</a:t>
+              <a:t>6/26/2025</a:t>
             </a:fld>
             <a:endParaRPr lang="en-US"/>
           </a:p>
@@ -3865,10 +3879,9 @@
           <a:lstStyle/>
           <a:p>
             <a:r>
-              <a:rPr lang="en-US" dirty="0" smtClean="0"/>
+              <a:rPr lang="en-US" dirty="0"/>
               <a:t>Programming in C </a:t>
             </a:r>
-            <a:endParaRPr lang="en-US" dirty="0"/>
           </a:p>
         </p:txBody>
       </p:sp>
@@ -3888,24 +3901,23 @@
           <a:lstStyle/>
           <a:p>
             <a:r>
-              <a:rPr lang="en-US" dirty="0" smtClean="0"/>
+              <a:rPr lang="en-US" dirty="0"/>
               <a:t>ESS 111</a:t>
             </a:r>
           </a:p>
           <a:p>
             <a:r>
-              <a:rPr lang="en-US" dirty="0" smtClean="0"/>
+              <a:rPr lang="en-US" dirty="0"/>
               <a:t>1</a:t>
             </a:r>
             <a:r>
-              <a:rPr lang="en-US" baseline="30000" dirty="0" smtClean="0"/>
+              <a:rPr lang="en-US" baseline="30000" dirty="0"/>
               <a:t>st</a:t>
             </a:r>
             <a:r>
-              <a:rPr lang="en-US" dirty="0" smtClean="0"/>
+              <a:rPr lang="en-US" dirty="0"/>
               <a:t> Semester Imtech IIIT-Bangalore</a:t>
             </a:r>
-            <a:endParaRPr lang="en-US" dirty="0"/>
           </a:p>
         </p:txBody>
       </p:sp>
@@ -3919,13 +3931,6 @@
   <p:clrMapOvr>
     <a:masterClrMapping/>
   </p:clrMapOvr>
-  <p:timing>
-    <p:tnLst>
-      <p:par>
-        <p:cTn id="1" dur="indefinite" restart="never" nodeType="tmRoot"/>
-      </p:par>
-    </p:tnLst>
-  </p:timing>
 </p:sld>
 </file>
 
@@ -3962,20 +3967,19 @@
           <a:lstStyle/>
           <a:p>
             <a:r>
-              <a:rPr lang="en-US" dirty="0" smtClean="0"/>
+              <a:rPr lang="en-US" dirty="0"/>
               <a:t>Why C for this course – The </a:t>
             </a:r>
             <a:r>
-              <a:rPr lang="en-US" i="1" dirty="0" smtClean="0">
+              <a:rPr lang="en-US" i="1" dirty="0">
                 <a:latin typeface="Garamond" panose="02020404030301010803" pitchFamily="18" charset="0"/>
               </a:rPr>
               <a:t>language hierarchy</a:t>
             </a:r>
             <a:r>
-              <a:rPr lang="en-US" dirty="0" smtClean="0"/>
+              <a:rPr lang="en-US" dirty="0"/>
               <a:t> </a:t>
             </a:r>
-            <a:endParaRPr lang="en-US" dirty="0"/>
           </a:p>
         </p:txBody>
       </p:sp>
@@ -4000,26 +4004,26 @@
           <a:lstStyle/>
           <a:p>
             <a:r>
-              <a:rPr lang="en-US" dirty="0" smtClean="0"/>
+              <a:rPr lang="en-US" dirty="0"/>
               <a:t>C is a high level language, with fewer concepts/ constructs</a:t>
             </a:r>
           </a:p>
           <a:p>
             <a:r>
-              <a:rPr lang="en-US" dirty="0" smtClean="0"/>
+              <a:rPr lang="en-US" dirty="0"/>
               <a:t>C opens up several core system concepts</a:t>
             </a:r>
           </a:p>
           <a:p>
             <a:r>
-              <a:rPr lang="en-US" dirty="0" smtClean="0"/>
+              <a:rPr lang="en-US" dirty="0"/>
               <a:t>We wish to introduce concepts in this course that go on to become assets as we learn other core courses:</a:t>
             </a:r>
           </a:p>
           <a:p>
             <a:pPr lvl="1"/>
             <a:r>
-              <a:rPr lang="en-US" b="1" dirty="0" smtClean="0">
+              <a:rPr lang="en-US" b="1" dirty="0">
                 <a:latin typeface="Garamond" panose="02020404030301010803" pitchFamily="18" charset="0"/>
               </a:rPr>
               <a:t>Operating Systems</a:t>
@@ -4028,7 +4032,7 @@
           <a:p>
             <a:pPr lvl="1"/>
             <a:r>
-              <a:rPr lang="en-US" b="1" dirty="0" smtClean="0">
+              <a:rPr lang="en-US" b="1" dirty="0">
                 <a:latin typeface="Garamond" panose="02020404030301010803" pitchFamily="18" charset="0"/>
               </a:rPr>
               <a:t>Architecture</a:t>
@@ -4037,7 +4041,7 @@
           <a:p>
             <a:pPr lvl="1"/>
             <a:r>
-              <a:rPr lang="en-US" b="1" dirty="0" smtClean="0">
+              <a:rPr lang="en-US" b="1" dirty="0">
                 <a:latin typeface="Garamond" panose="02020404030301010803" pitchFamily="18" charset="0"/>
               </a:rPr>
               <a:t>Programming II</a:t>
@@ -4086,13 +4090,8 @@
             <a:pPr algn="ctr"/>
             <a:r>
               <a:rPr lang="en-US" sz="2000" i="1" cap="small" dirty="0"/>
-              <a:t>H</a:t>
-            </a:r>
-            <a:r>
-              <a:rPr lang="en-US" sz="2000" i="1" cap="small" dirty="0" smtClean="0"/>
-              <a:t>ardware</a:t>
-            </a:r>
-            <a:endParaRPr lang="en-US" sz="2000" i="1" cap="small" dirty="0"/>
+              <a:t>Hardware</a:t>
+            </a:r>
           </a:p>
         </p:txBody>
       </p:sp>
@@ -4138,10 +4137,9 @@
           <a:p>
             <a:pPr algn="ctr"/>
             <a:r>
-              <a:rPr lang="en-US" sz="2000" dirty="0" smtClean="0"/>
+              <a:rPr lang="en-US" sz="2000" dirty="0"/>
               <a:t>Binary Machine Language</a:t>
             </a:r>
-            <a:endParaRPr lang="en-US" sz="2000" dirty="0"/>
           </a:p>
         </p:txBody>
       </p:sp>
@@ -4187,10 +4185,9 @@
           <a:p>
             <a:pPr algn="ctr"/>
             <a:r>
-              <a:rPr lang="en-US" sz="2000" dirty="0" smtClean="0"/>
+              <a:rPr lang="en-US" sz="2000" dirty="0"/>
               <a:t>Assembly Language</a:t>
             </a:r>
-            <a:endParaRPr lang="en-US" sz="2000" dirty="0"/>
           </a:p>
         </p:txBody>
       </p:sp>
@@ -4239,10 +4236,9 @@
           <a:p>
             <a:pPr algn="ctr"/>
             <a:r>
-              <a:rPr lang="en-US" sz="2000" dirty="0" smtClean="0"/>
+              <a:rPr lang="en-US" sz="2000" dirty="0"/>
               <a:t>C </a:t>
             </a:r>
-            <a:endParaRPr lang="en-US" sz="2000" dirty="0"/>
           </a:p>
         </p:txBody>
       </p:sp>
@@ -4290,17 +4286,16 @@
           <a:lstStyle/>
           <a:p>
             <a:r>
-              <a:rPr lang="en-US" sz="2000" dirty="0" smtClean="0"/>
+              <a:rPr lang="en-US" sz="2000" dirty="0"/>
               <a:t>High Level Languages:</a:t>
             </a:r>
           </a:p>
           <a:p>
             <a:pPr algn="ctr"/>
             <a:r>
-              <a:rPr lang="en-US" sz="2000" dirty="0" smtClean="0"/>
+              <a:rPr lang="en-US" sz="2000" dirty="0"/>
               <a:t>Python, Java, C++</a:t>
             </a:r>
-            <a:endParaRPr lang="en-US" sz="2000" dirty="0"/>
           </a:p>
         </p:txBody>
       </p:sp>
@@ -4344,7 +4339,7 @@
           <a:lstStyle/>
           <a:p>
             <a:r>
-              <a:rPr lang="en-US" sz="2000" i="1" dirty="0" smtClean="0">
+              <a:rPr lang="en-US" sz="2000" i="1" dirty="0">
                 <a:solidFill>
                   <a:schemeClr val="tx1"/>
                 </a:solidFill>
@@ -4423,7 +4418,7 @@
               <a:buChar char="•"/>
             </a:pPr>
             <a:r>
-              <a:rPr lang="en-US" sz="2000" i="1" dirty="0" smtClean="0">
+              <a:rPr lang="en-US" sz="2000" i="1" dirty="0">
                 <a:latin typeface="Times New Roman" panose="02020603050405020304" pitchFamily="18" charset="0"/>
                 <a:cs typeface="Times New Roman" panose="02020603050405020304" pitchFamily="18" charset="0"/>
               </a:rPr>
@@ -4436,7 +4431,7 @@
               <a:buChar char="•"/>
             </a:pPr>
             <a:r>
-              <a:rPr lang="en-US" sz="2000" i="1" dirty="0" smtClean="0">
+              <a:rPr lang="en-US" sz="2000" i="1" dirty="0">
                 <a:latin typeface="Times New Roman" panose="02020603050405020304" pitchFamily="18" charset="0"/>
                 <a:cs typeface="Times New Roman" panose="02020603050405020304" pitchFamily="18" charset="0"/>
               </a:rPr>
@@ -4873,10 +4868,9 @@
           <a:lstStyle/>
           <a:p>
             <a:r>
-              <a:rPr lang="en-US" dirty="0" smtClean="0"/>
+              <a:rPr lang="en-US" dirty="0"/>
               <a:t>Big Picture: Environments, Tools, Libraries</a:t>
             </a:r>
-            <a:endParaRPr lang="en-US" dirty="0"/>
           </a:p>
         </p:txBody>
       </p:sp>
@@ -4901,13 +4895,13 @@
           <a:lstStyle/>
           <a:p>
             <a:r>
-              <a:rPr lang="en-US" dirty="0" smtClean="0"/>
+              <a:rPr lang="en-US" dirty="0"/>
               <a:t>We write programs in the C programming language</a:t>
             </a:r>
           </a:p>
           <a:p>
             <a:r>
-              <a:rPr lang="en-US" dirty="0" smtClean="0"/>
+              <a:rPr lang="en-US" dirty="0"/>
               <a:t>We need to create machine language programs so that the hardware can execute the program</a:t>
             </a:r>
           </a:p>
@@ -4971,13 +4965,8 @@
               <a:pPr algn="ctr"/>
               <a:r>
                 <a:rPr lang="en-US" sz="2000" i="1" cap="small" dirty="0"/>
-                <a:t>H</a:t>
+                <a:t>Hardware</a:t>
               </a:r>
-              <a:r>
-                <a:rPr lang="en-US" sz="2000" i="1" cap="small" dirty="0" smtClean="0"/>
-                <a:t>ardware</a:t>
-              </a:r>
-              <a:endParaRPr lang="en-US" sz="2000" i="1" cap="small" dirty="0"/>
             </a:p>
           </p:txBody>
         </p:sp>
@@ -5023,10 +5012,9 @@
             <a:p>
               <a:pPr algn="ctr"/>
               <a:r>
-                <a:rPr lang="en-US" sz="2000" dirty="0" smtClean="0"/>
+                <a:rPr lang="en-US" sz="2000" dirty="0"/>
                 <a:t>Binary Machine Language</a:t>
               </a:r>
-              <a:endParaRPr lang="en-US" sz="2000" dirty="0"/>
             </a:p>
           </p:txBody>
         </p:sp>
@@ -5072,10 +5060,9 @@
             <a:p>
               <a:pPr algn="ctr"/>
               <a:r>
-                <a:rPr lang="en-US" sz="2000" dirty="0" smtClean="0"/>
+                <a:rPr lang="en-US" sz="2000" dirty="0"/>
                 <a:t>Assembly Language</a:t>
               </a:r>
-              <a:endParaRPr lang="en-US" sz="2000" dirty="0"/>
             </a:p>
           </p:txBody>
         </p:sp>
@@ -5124,10 +5111,9 @@
             <a:p>
               <a:pPr algn="ctr"/>
               <a:r>
-                <a:rPr lang="en-US" sz="2000" dirty="0" smtClean="0"/>
+                <a:rPr lang="en-US" sz="2000" dirty="0"/>
                 <a:t>C </a:t>
               </a:r>
-              <a:endParaRPr lang="en-US" sz="2000" dirty="0"/>
             </a:p>
           </p:txBody>
         </p:sp>
@@ -5175,17 +5161,16 @@
             <a:lstStyle/>
             <a:p>
               <a:r>
-                <a:rPr lang="en-US" sz="2000" dirty="0" smtClean="0"/>
+                <a:rPr lang="en-US" sz="2000" dirty="0"/>
                 <a:t>Higher Level – OO </a:t>
               </a:r>
             </a:p>
             <a:p>
               <a:pPr algn="ctr"/>
               <a:r>
-                <a:rPr lang="en-US" sz="2000" dirty="0" smtClean="0"/>
+                <a:rPr lang="en-US" sz="2000" dirty="0"/>
                 <a:t>Python, Java, C++</a:t>
               </a:r>
-              <a:endParaRPr lang="en-US" sz="2000" dirty="0"/>
             </a:p>
           </p:txBody>
         </p:sp>
@@ -5274,18 +5259,13 @@
           <a:p>
             <a:pPr algn="ctr"/>
             <a:r>
-              <a:rPr lang="en-US" sz="2000" b="1" dirty="0" smtClean="0">
+              <a:rPr lang="en-US" sz="2000" b="1" dirty="0">
                 <a:solidFill>
                   <a:schemeClr val="tx1"/>
                 </a:solidFill>
               </a:rPr>
               <a:t>C  source file</a:t>
             </a:r>
-            <a:endParaRPr lang="en-US" sz="2000" b="1" dirty="0">
-              <a:solidFill>
-                <a:schemeClr val="tx1"/>
-              </a:solidFill>
-            </a:endParaRPr>
           </a:p>
         </p:txBody>
       </p:sp>
@@ -5351,44 +5331,40 @@
           <a:lstStyle/>
           <a:p>
             <a:r>
-              <a:rPr lang="en-US" sz="2000" b="1" dirty="0" smtClean="0"/>
+              <a:rPr lang="en-US" sz="2000" b="1" dirty="0"/>
               <a:t>Editor </a:t>
             </a:r>
             <a:r>
-              <a:rPr lang="en-US" sz="2000" dirty="0" smtClean="0"/>
+              <a:rPr lang="en-US" sz="2000" dirty="0"/>
               <a:t>   </a:t>
             </a:r>
             <a:r>
-              <a:rPr lang="en-US" sz="2000" b="1" dirty="0" smtClean="0">
+              <a:rPr lang="en-US" sz="2000" b="1" dirty="0">
                 <a:latin typeface="Courier New" panose="02070309020205020404" pitchFamily="49" charset="0"/>
                 <a:cs typeface="Courier New" panose="02070309020205020404" pitchFamily="49" charset="0"/>
               </a:rPr>
               <a:t>vim, </a:t>
             </a:r>
             <a:r>
-              <a:rPr lang="en-US" sz="2000" b="1" dirty="0" err="1" smtClean="0">
+              <a:rPr lang="en-US" sz="2000" b="1" dirty="0" err="1">
                 <a:latin typeface="Courier New" panose="02070309020205020404" pitchFamily="49" charset="0"/>
                 <a:cs typeface="Courier New" panose="02070309020205020404" pitchFamily="49" charset="0"/>
               </a:rPr>
               <a:t>gedit</a:t>
             </a:r>
-            <a:endParaRPr lang="en-US" sz="2000" b="1" dirty="0" smtClean="0">
+            <a:endParaRPr lang="en-US" sz="2000" b="1" dirty="0">
               <a:latin typeface="Courier New" panose="02070309020205020404" pitchFamily="49" charset="0"/>
               <a:cs typeface="Courier New" panose="02070309020205020404" pitchFamily="49" charset="0"/>
             </a:endParaRPr>
           </a:p>
           <a:p>
             <a:r>
-              <a:rPr lang="en-US" sz="2000" dirty="0" smtClean="0">
+              <a:rPr lang="en-US" sz="2000" dirty="0">
                 <a:latin typeface="+mj-lt"/>
                 <a:cs typeface="Courier New" panose="02070309020205020404" pitchFamily="49" charset="0"/>
               </a:rPr>
               <a:t>Edit the program</a:t>
             </a:r>
-            <a:endParaRPr lang="en-US" sz="2000" dirty="0">
-              <a:latin typeface="+mj-lt"/>
-              <a:cs typeface="Courier New" panose="02070309020205020404" pitchFamily="49" charset="0"/>
-            </a:endParaRPr>
           </a:p>
         </p:txBody>
       </p:sp>
@@ -5434,17 +5410,16 @@
           <a:p>
             <a:pPr algn="ctr"/>
             <a:r>
-              <a:rPr lang="en-US" sz="2000" b="1" dirty="0" smtClean="0"/>
+              <a:rPr lang="en-US" sz="2000" b="1" dirty="0"/>
               <a:t>Compiled</a:t>
             </a:r>
             <a:br>
-              <a:rPr lang="en-US" sz="2000" b="1" dirty="0" smtClean="0"/>
+              <a:rPr lang="en-US" sz="2000" b="1" dirty="0"/>
             </a:br>
             <a:r>
-              <a:rPr lang="en-US" sz="2000" b="1" dirty="0" smtClean="0"/>
+              <a:rPr lang="en-US" sz="2000" b="1" dirty="0"/>
               <a:t>binary, executable file</a:t>
             </a:r>
-            <a:endParaRPr lang="en-US" sz="2000" b="1" dirty="0"/>
           </a:p>
         </p:txBody>
       </p:sp>
@@ -5472,36 +5447,28 @@
           <a:p>
             <a:r>
               <a:rPr lang="en-US" sz="2000" b="1" dirty="0"/>
-              <a:t>C</a:t>
-            </a:r>
-            <a:r>
-              <a:rPr lang="en-US" sz="2000" b="1" dirty="0" smtClean="0"/>
-              <a:t>ompiler    </a:t>
-            </a:r>
-            <a:r>
-              <a:rPr lang="en-US" sz="2000" b="1" dirty="0" err="1" smtClean="0">
+              <a:t>Compiler    </a:t>
+            </a:r>
+            <a:r>
+              <a:rPr lang="en-US" sz="2000" b="1" dirty="0" err="1">
                 <a:latin typeface="Courier New" panose="02070309020205020404" pitchFamily="49" charset="0"/>
                 <a:cs typeface="Courier New" panose="02070309020205020404" pitchFamily="49" charset="0"/>
               </a:rPr>
               <a:t>gcc</a:t>
             </a:r>
-            <a:endParaRPr lang="en-US" sz="2000" b="1" dirty="0" smtClean="0">
+            <a:endParaRPr lang="en-US" sz="2000" b="1" dirty="0">
               <a:latin typeface="Courier New" panose="02070309020205020404" pitchFamily="49" charset="0"/>
               <a:cs typeface="Courier New" panose="02070309020205020404" pitchFamily="49" charset="0"/>
             </a:endParaRPr>
           </a:p>
           <a:p>
             <a:r>
-              <a:rPr lang="en-US" sz="2000" dirty="0" smtClean="0">
+              <a:rPr lang="en-US" sz="2000" dirty="0">
                 <a:latin typeface="+mj-lt"/>
                 <a:cs typeface="Courier New" panose="02070309020205020404" pitchFamily="49" charset="0"/>
               </a:rPr>
               <a:t>Compile the program</a:t>
             </a:r>
-            <a:endParaRPr lang="en-US" sz="2000" dirty="0">
-              <a:latin typeface="+mj-lt"/>
-              <a:cs typeface="Courier New" panose="02070309020205020404" pitchFamily="49" charset="0"/>
-            </a:endParaRPr>
           </a:p>
         </p:txBody>
       </p:sp>
@@ -5630,18 +5597,13 @@
           <a:p>
             <a:pPr algn="ctr"/>
             <a:r>
-              <a:rPr lang="en-US" sz="2000" b="1" dirty="0" smtClean="0">
+              <a:rPr lang="en-US" sz="2000" b="1" dirty="0">
                 <a:solidFill>
                   <a:schemeClr val="tx1"/>
                 </a:solidFill>
               </a:rPr>
               <a:t>Running, executing  process</a:t>
             </a:r>
-            <a:endParaRPr lang="en-US" sz="2000" b="1" dirty="0">
-              <a:solidFill>
-                <a:schemeClr val="tx1"/>
-              </a:solidFill>
-            </a:endParaRPr>
           </a:p>
         </p:txBody>
       </p:sp>
@@ -5771,7 +5733,7 @@
           <a:p>
             <a:pPr algn="ctr"/>
             <a:r>
-              <a:rPr lang="en-US" sz="2000" dirty="0" smtClean="0">
+              <a:rPr lang="en-US" sz="2000" dirty="0">
                 <a:solidFill>
                   <a:schemeClr val="tx1"/>
                 </a:solidFill>
@@ -5779,7 +5741,7 @@
               <a:t>Shell    </a:t>
             </a:r>
             <a:r>
-              <a:rPr lang="en-US" sz="2000" dirty="0" smtClean="0">
+              <a:rPr lang="en-US" sz="2000" dirty="0">
                 <a:solidFill>
                   <a:schemeClr val="tx1"/>
                 </a:solidFill>
@@ -5791,27 +5753,22 @@
           </a:p>
           <a:p>
             <a:pPr algn="ctr"/>
-            <a:endParaRPr lang="en-US" sz="2000" dirty="0" smtClean="0">
-              <a:solidFill>
-                <a:schemeClr val="tx1"/>
-              </a:solidFill>
-            </a:endParaRPr>
-          </a:p>
-          <a:p>
-            <a:pPr algn="ctr"/>
-            <a:r>
-              <a:rPr lang="en-US" sz="2000" dirty="0" smtClean="0">
-                <a:solidFill>
-                  <a:schemeClr val="tx1"/>
-                </a:solidFill>
-              </a:rPr>
-              <a:t>OPERATING SYSTEM  KERNEL    Linux</a:t>
-            </a:r>
             <a:endParaRPr lang="en-US" sz="2000" dirty="0">
               <a:solidFill>
                 <a:schemeClr val="tx1"/>
               </a:solidFill>
             </a:endParaRPr>
+          </a:p>
+          <a:p>
+            <a:pPr algn="ctr"/>
+            <a:r>
+              <a:rPr lang="en-US" sz="2000" dirty="0">
+                <a:solidFill>
+                  <a:schemeClr val="tx1"/>
+                </a:solidFill>
+              </a:rPr>
+              <a:t>OPERATING SYSTEM  KERNEL    Linux</a:t>
+            </a:r>
           </a:p>
         </p:txBody>
       </p:sp>
@@ -5981,10 +5938,9 @@
           <a:lstStyle/>
           <a:p>
             <a:r>
-              <a:rPr lang="en-US" dirty="0" smtClean="0"/>
+              <a:rPr lang="en-US" dirty="0"/>
               <a:t>Why do we use a Linux OS in this course?</a:t>
             </a:r>
-            <a:endParaRPr lang="en-US" dirty="0"/>
           </a:p>
         </p:txBody>
       </p:sp>
@@ -6006,13 +5962,13 @@
           <a:lstStyle/>
           <a:p>
             <a:r>
-              <a:rPr lang="en-US" dirty="0" smtClean="0"/>
+              <a:rPr lang="en-US" dirty="0"/>
               <a:t>It doesn’t matter from point of view of learning C, in fact C works on almost all operating systems.</a:t>
             </a:r>
           </a:p>
           <a:p>
             <a:r>
-              <a:rPr lang="en-US" dirty="0" smtClean="0"/>
+              <a:rPr lang="en-US" dirty="0"/>
               <a:t>It does help from the point of view of a CS student</a:t>
             </a:r>
           </a:p>
@@ -6022,15 +5978,15 @@
               <a:buChar char="q"/>
             </a:pPr>
             <a:r>
-              <a:rPr lang="en-US" dirty="0" smtClean="0"/>
+              <a:rPr lang="en-US" dirty="0"/>
               <a:t>Linux exposes </a:t>
             </a:r>
             <a:r>
-              <a:rPr lang="en-US" b="1" dirty="0" smtClean="0"/>
+              <a:rPr lang="en-US" b="1" dirty="0"/>
               <a:t>a lot </a:t>
             </a:r>
             <a:r>
-              <a:rPr lang="en-US" dirty="0" smtClean="0"/>
+              <a:rPr lang="en-US" dirty="0"/>
               <a:t>of the Operating system. Very good investment for future courses.</a:t>
             </a:r>
           </a:p>
@@ -6040,23 +5996,23 @@
               <a:buChar char="q"/>
             </a:pPr>
             <a:r>
-              <a:rPr lang="en-US" dirty="0" smtClean="0"/>
+              <a:rPr lang="en-US" dirty="0"/>
               <a:t>A lot of real world applications, especially heavy weight ones – high performance computing, web servers run on Linux systems.</a:t>
             </a:r>
           </a:p>
           <a:p>
             <a:r>
-              <a:rPr lang="en-US" dirty="0" smtClean="0"/>
+              <a:rPr lang="en-US" dirty="0"/>
               <a:t>Lets get a taste by looking just a bit deeper into what the compiler does, and what execution does. See </a:t>
             </a:r>
             <a:r>
-              <a:rPr lang="en-US" dirty="0" err="1" smtClean="0">
+              <a:rPr lang="en-US" dirty="0" err="1">
                 <a:latin typeface="Courier New" panose="02070309020205020404" pitchFamily="49" charset="0"/>
                 <a:cs typeface="Courier New" panose="02070309020205020404" pitchFamily="49" charset="0"/>
               </a:rPr>
               <a:t>bub.c</a:t>
             </a:r>
-            <a:endParaRPr lang="en-US" dirty="0" smtClean="0">
+            <a:endParaRPr lang="en-US" dirty="0">
               <a:latin typeface="Courier New" panose="02070309020205020404" pitchFamily="49" charset="0"/>
               <a:cs typeface="Courier New" panose="02070309020205020404" pitchFamily="49" charset="0"/>
             </a:endParaRPr>
@@ -6064,41 +6020,41 @@
           <a:p>
             <a:pPr lvl="2"/>
             <a:r>
-              <a:rPr lang="en-US" dirty="0" err="1" smtClean="0">
+              <a:rPr lang="en-US" dirty="0" err="1">
                 <a:latin typeface="Courier New" panose="02070309020205020404" pitchFamily="49" charset="0"/>
                 <a:cs typeface="Courier New" panose="02070309020205020404" pitchFamily="49" charset="0"/>
               </a:rPr>
               <a:t>gcc</a:t>
             </a:r>
             <a:r>
-              <a:rPr lang="en-US" dirty="0" smtClean="0">
+              <a:rPr lang="en-US" dirty="0">
                 <a:latin typeface="Courier New" panose="02070309020205020404" pitchFamily="49" charset="0"/>
                 <a:cs typeface="Courier New" panose="02070309020205020404" pitchFamily="49" charset="0"/>
               </a:rPr>
               <a:t> </a:t>
             </a:r>
             <a:r>
-              <a:rPr lang="en-US" dirty="0" err="1" smtClean="0">
+              <a:rPr lang="en-US" dirty="0" err="1">
                 <a:latin typeface="Courier New" panose="02070309020205020404" pitchFamily="49" charset="0"/>
                 <a:cs typeface="Courier New" panose="02070309020205020404" pitchFamily="49" charset="0"/>
               </a:rPr>
               <a:t>bub.c</a:t>
             </a:r>
             <a:r>
-              <a:rPr lang="en-US" dirty="0" smtClean="0">
+              <a:rPr lang="en-US" dirty="0">
                 <a:latin typeface="Courier New" panose="02070309020205020404" pitchFamily="49" charset="0"/>
                 <a:cs typeface="Courier New" panose="02070309020205020404" pitchFamily="49" charset="0"/>
               </a:rPr>
               <a:t>                 * file </a:t>
             </a:r>
             <a:r>
-              <a:rPr lang="en-US" dirty="0" err="1" smtClean="0">
+              <a:rPr lang="en-US" dirty="0" err="1">
                 <a:latin typeface="Courier New" panose="02070309020205020404" pitchFamily="49" charset="0"/>
                 <a:cs typeface="Courier New" panose="02070309020205020404" pitchFamily="49" charset="0"/>
               </a:rPr>
               <a:t>a.out</a:t>
             </a:r>
-            <a:endParaRPr lang="en-US" dirty="0" smtClean="0">
+            <a:endParaRPr lang="en-US" dirty="0">
               <a:latin typeface="Courier New" panose="02070309020205020404" pitchFamily="49" charset="0"/>
               <a:cs typeface="Courier New" panose="02070309020205020404" pitchFamily="49" charset="0"/>
             </a:endParaRPr>
@@ -6106,35 +6062,35 @@
           <a:p>
             <a:pPr lvl="2"/>
             <a:r>
-              <a:rPr lang="en-US" dirty="0" err="1" smtClean="0">
+              <a:rPr lang="en-US" dirty="0" err="1">
                 <a:latin typeface="Courier New" panose="02070309020205020404" pitchFamily="49" charset="0"/>
                 <a:cs typeface="Courier New" panose="02070309020205020404" pitchFamily="49" charset="0"/>
               </a:rPr>
               <a:t>gcc</a:t>
             </a:r>
             <a:r>
-              <a:rPr lang="en-US" dirty="0" smtClean="0">
+              <a:rPr lang="en-US" dirty="0">
                 <a:latin typeface="Courier New" panose="02070309020205020404" pitchFamily="49" charset="0"/>
                 <a:cs typeface="Courier New" panose="02070309020205020404" pitchFamily="49" charset="0"/>
               </a:rPr>
               <a:t> –S </a:t>
             </a:r>
             <a:r>
-              <a:rPr lang="en-US" dirty="0" err="1" smtClean="0">
+              <a:rPr lang="en-US" dirty="0" err="1">
                 <a:latin typeface="Courier New" panose="02070309020205020404" pitchFamily="49" charset="0"/>
                 <a:cs typeface="Courier New" panose="02070309020205020404" pitchFamily="49" charset="0"/>
               </a:rPr>
               <a:t>bub.c</a:t>
             </a:r>
             <a:r>
-              <a:rPr lang="en-US" dirty="0" smtClean="0">
+              <a:rPr lang="en-US" dirty="0">
                 <a:latin typeface="Courier New" panose="02070309020205020404" pitchFamily="49" charset="0"/>
                 <a:cs typeface="Courier New" panose="02070309020205020404" pitchFamily="49" charset="0"/>
               </a:rPr>
               <a:t>              * od –cx </a:t>
             </a:r>
             <a:r>
-              <a:rPr lang="en-US" dirty="0" err="1" smtClean="0">
+              <a:rPr lang="en-US" dirty="0" err="1">
                 <a:latin typeface="Courier New" panose="02070309020205020404" pitchFamily="49" charset="0"/>
                 <a:cs typeface="Courier New" panose="02070309020205020404" pitchFamily="49" charset="0"/>
               </a:rPr>
@@ -6193,13 +6149,6 @@
   <p:clrMapOvr>
     <a:masterClrMapping/>
   </p:clrMapOvr>
-  <p:timing>
-    <p:tnLst>
-      <p:par>
-        <p:cTn id="1" dur="indefinite" restart="never" nodeType="tmRoot"/>
-      </p:par>
-    </p:tnLst>
-  </p:timing>
 </p:sld>
 </file>
 
@@ -6236,17 +6185,16 @@
           <a:lstStyle/>
           <a:p>
             <a:r>
-              <a:rPr lang="en-US" dirty="0" smtClean="0"/>
+              <a:rPr lang="en-US" dirty="0"/>
               <a:t>Core concepts to understanding</a:t>
             </a:r>
             <a:br>
-              <a:rPr lang="en-US" dirty="0" smtClean="0"/>
+              <a:rPr lang="en-US" dirty="0"/>
             </a:br>
             <a:r>
-              <a:rPr lang="en-US" dirty="0" smtClean="0"/>
+              <a:rPr lang="en-US" dirty="0"/>
               <a:t>programs in C</a:t>
             </a:r>
-            <a:endParaRPr lang="en-US" dirty="0"/>
           </a:p>
         </p:txBody>
       </p:sp>
@@ -6266,22 +6214,21 @@
           <a:lstStyle/>
           <a:p>
             <a:r>
-              <a:rPr lang="en-US" b="1" dirty="0" smtClean="0"/>
+              <a:rPr lang="en-US" b="1" dirty="0"/>
               <a:t>Memory and variables</a:t>
             </a:r>
           </a:p>
           <a:p>
             <a:r>
-              <a:rPr lang="en-US" b="1" dirty="0" smtClean="0"/>
+              <a:rPr lang="en-US" b="1" dirty="0"/>
               <a:t>Statements</a:t>
             </a:r>
           </a:p>
           <a:p>
             <a:r>
-              <a:rPr lang="en-US" b="1" dirty="0" smtClean="0"/>
+              <a:rPr lang="en-US" b="1" dirty="0"/>
               <a:t>functions</a:t>
             </a:r>
-            <a:endParaRPr lang="en-US" b="1" dirty="0"/>
           </a:p>
         </p:txBody>
       </p:sp>
@@ -6295,13 +6242,6 @@
   <p:clrMapOvr>
     <a:masterClrMapping/>
   </p:clrMapOvr>
-  <p:timing>
-    <p:tnLst>
-      <p:par>
-        <p:cTn id="1" dur="indefinite" restart="never" nodeType="tmRoot"/>
-      </p:par>
-    </p:tnLst>
-  </p:timing>
 </p:sld>
 </file>
 
@@ -6338,10 +6278,9 @@
           <a:lstStyle/>
           <a:p>
             <a:r>
-              <a:rPr lang="en-US" dirty="0" smtClean="0"/>
+              <a:rPr lang="en-US" dirty="0"/>
               <a:t>The approach in this course</a:t>
             </a:r>
-            <a:endParaRPr lang="en-US" dirty="0"/>
           </a:p>
         </p:txBody>
       </p:sp>
@@ -6388,18 +6327,13 @@
           <a:p>
             <a:pPr algn="ctr"/>
             <a:r>
-              <a:rPr lang="en-US" dirty="0" smtClean="0">
+              <a:rPr lang="en-US" dirty="0">
                 <a:solidFill>
                   <a:schemeClr val="tx1"/>
                 </a:solidFill>
               </a:rPr>
               <a:t>Concept</a:t>
             </a:r>
-            <a:endParaRPr lang="en-US" dirty="0">
-              <a:solidFill>
-                <a:schemeClr val="tx1"/>
-              </a:solidFill>
-            </a:endParaRPr>
           </a:p>
         </p:txBody>
       </p:sp>
@@ -6446,18 +6380,13 @@
           <a:p>
             <a:pPr algn="ctr"/>
             <a:r>
-              <a:rPr lang="en-US" dirty="0" smtClean="0">
+              <a:rPr lang="en-US" dirty="0">
                 <a:solidFill>
                   <a:schemeClr val="tx1"/>
                 </a:solidFill>
               </a:rPr>
               <a:t>Concept</a:t>
             </a:r>
-            <a:endParaRPr lang="en-US" dirty="0">
-              <a:solidFill>
-                <a:schemeClr val="tx1"/>
-              </a:solidFill>
-            </a:endParaRPr>
           </a:p>
         </p:txBody>
       </p:sp>
@@ -6503,18 +6432,13 @@
           <a:p>
             <a:pPr algn="ctr"/>
             <a:r>
-              <a:rPr lang="en-US" dirty="0" smtClean="0">
+              <a:rPr lang="en-US" dirty="0">
                 <a:solidFill>
                   <a:schemeClr val="tx1"/>
                 </a:solidFill>
               </a:rPr>
               <a:t>Concept</a:t>
             </a:r>
-            <a:endParaRPr lang="en-US" dirty="0">
-              <a:solidFill>
-                <a:schemeClr val="tx1"/>
-              </a:solidFill>
-            </a:endParaRPr>
           </a:p>
         </p:txBody>
       </p:sp>
@@ -7122,7 +7046,13 @@
       </p:grpSpPr>
       <p:sp>
         <p:nvSpPr>
-          <p:cNvPr id="4" name="Title 3"/>
+          <p:cNvPr id="2" name="Title 1">
+            <a:extLst>
+              <a:ext uri="{FF2B5EF4-FFF2-40B4-BE49-F238E27FC236}">
+                <a16:creationId xmlns:a16="http://schemas.microsoft.com/office/drawing/2014/main" id="{301C10C2-55D7-3539-DA05-ABBF4F5AAE27}"/>
+              </a:ext>
+            </a:extLst>
+          </p:cNvPr>
           <p:cNvSpPr>
             <a:spLocks noGrp="1"/>
           </p:cNvSpPr>
@@ -7136,24 +7066,21 @@
           <a:lstStyle/>
           <a:p>
             <a:r>
-              <a:rPr lang="en-US" dirty="0" smtClean="0"/>
-              <a:t>C </a:t>
-            </a:r>
-            <a:r>
-              <a:rPr lang="en-US" smtClean="0"/>
-              <a:t>– Imperative </a:t>
-            </a:r>
-            <a:r>
-              <a:rPr lang="en-US" dirty="0" smtClean="0"/>
-              <a:t>language ideas</a:t>
-            </a:r>
-            <a:endParaRPr lang="en-US" dirty="0"/>
-          </a:p>
-        </p:txBody>
-      </p:sp>
-      <p:sp>
-        <p:nvSpPr>
-          <p:cNvPr id="5" name="Content Placeholder 4"/>
+              <a:rPr lang="en-US" dirty="0"/>
+              <a:t>Assumption</a:t>
+            </a:r>
+          </a:p>
+        </p:txBody>
+      </p:sp>
+      <p:sp>
+        <p:nvSpPr>
+          <p:cNvPr id="3" name="Content Placeholder 2">
+            <a:extLst>
+              <a:ext uri="{FF2B5EF4-FFF2-40B4-BE49-F238E27FC236}">
+                <a16:creationId xmlns:a16="http://schemas.microsoft.com/office/drawing/2014/main" id="{9002E9F8-15FE-CD0A-E617-4CEAC862B506}"/>
+              </a:ext>
+            </a:extLst>
+          </p:cNvPr>
           <p:cNvSpPr>
             <a:spLocks noGrp="1"/>
           </p:cNvSpPr>
@@ -7161,177 +7088,39 @@
             <p:ph idx="1"/>
           </p:nvPr>
         </p:nvSpPr>
-        <p:spPr>
-          <a:xfrm>
-            <a:off x="838200" y="1825625"/>
-            <a:ext cx="10515600" cy="4633232"/>
-          </a:xfrm>
-        </p:spPr>
-        <p:txBody>
-          <a:bodyPr>
-            <a:normAutofit/>
-          </a:bodyPr>
+        <p:spPr/>
+        <p:txBody>
+          <a:bodyPr/>
           <a:lstStyle/>
           <a:p>
             <a:r>
-              <a:rPr lang="en-US" dirty="0" smtClean="0"/>
-              <a:t>Computation procedure ideas </a:t>
-            </a:r>
-          </a:p>
-          <a:p>
-            <a:pPr lvl="1"/>
-            <a:r>
-              <a:rPr lang="en-US" dirty="0" smtClean="0"/>
-              <a:t>Stored program – instructions, statements</a:t>
-            </a:r>
-          </a:p>
-          <a:p>
-            <a:pPr lvl="1"/>
-            <a:r>
-              <a:rPr lang="en-US" dirty="0" smtClean="0"/>
-              <a:t>Memory locations that change – variables and others that hold data</a:t>
-            </a:r>
-          </a:p>
-          <a:p>
-            <a:r>
-              <a:rPr lang="en-US" dirty="0" smtClean="0"/>
-              <a:t>C is an imperative language – simply means instructions explicitly say </a:t>
-            </a:r>
-            <a:r>
-              <a:rPr lang="en-US" b="1" u="sng" dirty="0" smtClean="0"/>
-              <a:t>what has to be done </a:t>
-            </a:r>
-            <a:r>
-              <a:rPr lang="en-US" dirty="0" smtClean="0"/>
-              <a:t>to data, how it is to be modified.</a:t>
-            </a:r>
-          </a:p>
-          <a:p>
-            <a:pPr lvl="1"/>
-            <a:r>
-              <a:rPr lang="en-US" dirty="0" err="1" smtClean="0">
-                <a:latin typeface="Courier New" panose="02070309020205020404" pitchFamily="49" charset="0"/>
-                <a:cs typeface="Courier New" panose="02070309020205020404" pitchFamily="49" charset="0"/>
-              </a:rPr>
-              <a:t>int</a:t>
-            </a:r>
-            <a:r>
-              <a:rPr lang="en-US" dirty="0" smtClean="0">
-                <a:latin typeface="Courier New" panose="02070309020205020404" pitchFamily="49" charset="0"/>
-                <a:cs typeface="Courier New" panose="02070309020205020404" pitchFamily="49" charset="0"/>
-              </a:rPr>
-              <a:t>  x ;         </a:t>
-            </a:r>
-            <a:r>
-              <a:rPr lang="en-US" sz="2000" i="1" dirty="0" smtClean="0"/>
-              <a:t>// simply says x is a variable, a place to put data</a:t>
-            </a:r>
-          </a:p>
-          <a:p>
-            <a:pPr lvl="1"/>
-            <a:r>
-              <a:rPr lang="en-US" dirty="0" smtClean="0">
-                <a:latin typeface="Courier New" panose="02070309020205020404" pitchFamily="49" charset="0"/>
-                <a:cs typeface="Courier New" panose="02070309020205020404" pitchFamily="49" charset="0"/>
-              </a:rPr>
-              <a:t>x = 1023 + 2047; </a:t>
-            </a:r>
-            <a:r>
-              <a:rPr lang="en-US" sz="2000" i="1" dirty="0" smtClean="0"/>
-              <a:t>// says the sum of the two numbers is </a:t>
-            </a:r>
-            <a:r>
-              <a:rPr lang="en-US" sz="2000" b="1" i="1" dirty="0" smtClean="0"/>
-              <a:t>evaluate</a:t>
-            </a:r>
-            <a:r>
-              <a:rPr lang="en-US" sz="2000" i="1" dirty="0" smtClean="0"/>
-              <a:t>d and result</a:t>
-            </a:r>
-            <a:br>
-              <a:rPr lang="en-US" sz="2000" i="1" dirty="0" smtClean="0"/>
-            </a:br>
-            <a:r>
-              <a:rPr lang="en-US" sz="2000" i="1" dirty="0"/>
-              <a:t>		  </a:t>
-            </a:r>
-            <a:r>
-              <a:rPr lang="en-US" sz="2000" i="1" dirty="0" smtClean="0"/>
-              <a:t>                                // </a:t>
-            </a:r>
-            <a:r>
-              <a:rPr lang="en-US" sz="2000" b="1" i="1" dirty="0"/>
-              <a:t>store</a:t>
-            </a:r>
-            <a:r>
-              <a:rPr lang="en-US" sz="2000" i="1" dirty="0"/>
-              <a:t>d in the variable x</a:t>
-            </a:r>
-            <a:br>
-              <a:rPr lang="en-US" sz="2000" i="1" dirty="0"/>
-            </a:br>
-            <a:r>
-              <a:rPr lang="en-US" sz="2000" i="1" dirty="0"/>
-              <a:t>		                </a:t>
-            </a:r>
-            <a:r>
-              <a:rPr lang="en-US" sz="2000" i="1" dirty="0" smtClean="0"/>
-              <a:t>                  // </a:t>
-            </a:r>
-            <a:r>
-              <a:rPr lang="en-US" sz="2000" i="1" dirty="0"/>
-              <a:t>Please don’t misinterpret ‘=‘ as equality</a:t>
-            </a:r>
-          </a:p>
-          <a:p>
-            <a:pPr marL="914400" lvl="2" indent="0">
-              <a:buNone/>
-            </a:pPr>
-            <a:r>
-              <a:rPr lang="en-US" i="1" dirty="0"/>
-              <a:t>	</a:t>
-            </a:r>
-            <a:r>
-              <a:rPr lang="en-US" i="1" dirty="0" smtClean="0"/>
-              <a:t>	                  // it just puts a value into a variable</a:t>
-            </a:r>
-          </a:p>
-          <a:p>
-            <a:pPr marL="914400" lvl="2" indent="0">
-              <a:buNone/>
-            </a:pPr>
-            <a:r>
-              <a:rPr lang="en-US" i="1" dirty="0" smtClean="0"/>
-              <a:t>		                 // When you see a statement, ask ‘what does it </a:t>
-            </a:r>
-            <a:r>
-              <a:rPr lang="en-US" b="1" i="1" dirty="0" smtClean="0"/>
-              <a:t>do</a:t>
-            </a:r>
-            <a:r>
-              <a:rPr lang="en-US" i="1" dirty="0" smtClean="0"/>
-              <a:t>?’</a:t>
-            </a:r>
+              <a:rPr lang="en-US" dirty="0"/>
+              <a:t>We now assume you are fairly familiar with how to write out simple  ideas, i.e., algorithms for simple problems.</a:t>
+            </a:r>
+          </a:p>
+          <a:p>
+            <a:r>
+              <a:rPr lang="en-US" dirty="0"/>
+              <a:t>If you are not, then please spend some time on that using the additional slide set, which shows you how to do that </a:t>
+            </a:r>
+            <a:r>
+              <a:rPr lang="en-US"/>
+              <a:t>with flowcharts.</a:t>
+            </a:r>
+            <a:endParaRPr lang="en-US" dirty="0"/>
           </a:p>
         </p:txBody>
       </p:sp>
     </p:spTree>
     <p:extLst>
       <p:ext uri="{BB962C8B-B14F-4D97-AF65-F5344CB8AC3E}">
-        <p14:creationId xmlns:p14="http://schemas.microsoft.com/office/powerpoint/2010/main" val="3542996668"/>
+        <p14:creationId xmlns:p14="http://schemas.microsoft.com/office/powerpoint/2010/main" val="997026383"/>
       </p:ext>
     </p:extLst>
   </p:cSld>
   <p:clrMapOvr>
     <a:masterClrMapping/>
   </p:clrMapOvr>
-  <p:timing>
-    <p:tnLst>
-      <p:par>
-        <p:cTn id="1" dur="indefinite" restart="never" nodeType="tmRoot"/>
-      </p:par>
-    </p:tnLst>
-  </p:timing>
 </p:sld>
 </file>
 
@@ -7354,6 +7143,214 @@
       </p:grpSpPr>
       <p:sp>
         <p:nvSpPr>
+          <p:cNvPr id="4" name="Title 3"/>
+          <p:cNvSpPr>
+            <a:spLocks noGrp="1"/>
+          </p:cNvSpPr>
+          <p:nvPr>
+            <p:ph type="title"/>
+          </p:nvPr>
+        </p:nvSpPr>
+        <p:spPr/>
+        <p:txBody>
+          <a:bodyPr/>
+          <a:lstStyle/>
+          <a:p>
+            <a:r>
+              <a:rPr lang="en-US" dirty="0"/>
+              <a:t>C </a:t>
+            </a:r>
+            <a:r>
+              <a:rPr lang="en-US"/>
+              <a:t>– Imperative </a:t>
+            </a:r>
+            <a:r>
+              <a:rPr lang="en-US" dirty="0"/>
+              <a:t>language ideas</a:t>
+            </a:r>
+          </a:p>
+        </p:txBody>
+      </p:sp>
+      <p:sp>
+        <p:nvSpPr>
+          <p:cNvPr id="5" name="Content Placeholder 4"/>
+          <p:cNvSpPr>
+            <a:spLocks noGrp="1"/>
+          </p:cNvSpPr>
+          <p:nvPr>
+            <p:ph idx="1"/>
+          </p:nvPr>
+        </p:nvSpPr>
+        <p:spPr>
+          <a:xfrm>
+            <a:off x="838200" y="1825625"/>
+            <a:ext cx="10515600" cy="4633232"/>
+          </a:xfrm>
+        </p:spPr>
+        <p:txBody>
+          <a:bodyPr>
+            <a:normAutofit/>
+          </a:bodyPr>
+          <a:lstStyle/>
+          <a:p>
+            <a:r>
+              <a:rPr lang="en-US" dirty="0"/>
+              <a:t>Computation procedure ideas </a:t>
+            </a:r>
+          </a:p>
+          <a:p>
+            <a:pPr lvl="1"/>
+            <a:r>
+              <a:rPr lang="en-US" dirty="0"/>
+              <a:t>Stored program – instructions, statements</a:t>
+            </a:r>
+          </a:p>
+          <a:p>
+            <a:pPr lvl="1"/>
+            <a:r>
+              <a:rPr lang="en-US" dirty="0"/>
+              <a:t>Memory locations that change – variables and others that hold data</a:t>
+            </a:r>
+          </a:p>
+          <a:p>
+            <a:r>
+              <a:rPr lang="en-US" dirty="0"/>
+              <a:t>C is an imperative language – simply means instructions explicitly say </a:t>
+            </a:r>
+            <a:r>
+              <a:rPr lang="en-US" b="1" u="sng" dirty="0"/>
+              <a:t>what has to be done </a:t>
+            </a:r>
+            <a:r>
+              <a:rPr lang="en-US" dirty="0"/>
+              <a:t>to data, how it is to be modified.</a:t>
+            </a:r>
+          </a:p>
+          <a:p>
+            <a:pPr lvl="1"/>
+            <a:r>
+              <a:rPr lang="en-US" dirty="0" err="1">
+                <a:latin typeface="Courier New" panose="02070309020205020404" pitchFamily="49" charset="0"/>
+                <a:cs typeface="Courier New" panose="02070309020205020404" pitchFamily="49" charset="0"/>
+              </a:rPr>
+              <a:t>int</a:t>
+            </a:r>
+            <a:r>
+              <a:rPr lang="en-US" dirty="0">
+                <a:latin typeface="Courier New" panose="02070309020205020404" pitchFamily="49" charset="0"/>
+                <a:cs typeface="Courier New" panose="02070309020205020404" pitchFamily="49" charset="0"/>
+              </a:rPr>
+              <a:t>  x ;         </a:t>
+            </a:r>
+            <a:r>
+              <a:rPr lang="en-US" sz="2000" i="1" dirty="0"/>
+              <a:t>// simply says x is a variable, a place to put data</a:t>
+            </a:r>
+          </a:p>
+          <a:p>
+            <a:pPr lvl="1"/>
+            <a:r>
+              <a:rPr lang="en-US" dirty="0">
+                <a:latin typeface="Courier New" panose="02070309020205020404" pitchFamily="49" charset="0"/>
+                <a:cs typeface="Courier New" panose="02070309020205020404" pitchFamily="49" charset="0"/>
+              </a:rPr>
+              <a:t>x = 1023 + 2047; </a:t>
+            </a:r>
+            <a:r>
+              <a:rPr lang="en-US" sz="2000" i="1" dirty="0"/>
+              <a:t>// says the sum of the two numbers is </a:t>
+            </a:r>
+            <a:r>
+              <a:rPr lang="en-US" sz="2000" b="1" i="1" dirty="0"/>
+              <a:t>evaluate</a:t>
+            </a:r>
+            <a:r>
+              <a:rPr lang="en-US" sz="2000" i="1" dirty="0"/>
+              <a:t>d and result</a:t>
+            </a:r>
+            <a:br>
+              <a:rPr lang="en-US" sz="2000" i="1" dirty="0"/>
+            </a:br>
+            <a:r>
+              <a:rPr lang="en-US" sz="2000" i="1" dirty="0"/>
+              <a:t>		                                  // </a:t>
+            </a:r>
+            <a:r>
+              <a:rPr lang="en-US" sz="2000" b="1" i="1" dirty="0"/>
+              <a:t>store</a:t>
+            </a:r>
+            <a:r>
+              <a:rPr lang="en-US" sz="2000" i="1" dirty="0"/>
+              <a:t>d in the variable x</a:t>
+            </a:r>
+            <a:br>
+              <a:rPr lang="en-US" sz="2000" i="1" dirty="0"/>
+            </a:br>
+            <a:r>
+              <a:rPr lang="en-US" sz="2000" i="1" dirty="0"/>
+              <a:t>		                                  // Please don’t misinterpret ‘=‘ as equality</a:t>
+            </a:r>
+          </a:p>
+          <a:p>
+            <a:pPr marL="914400" lvl="2" indent="0">
+              <a:buNone/>
+            </a:pPr>
+            <a:r>
+              <a:rPr lang="en-US" i="1" dirty="0"/>
+              <a:t>		                  // it just puts a value into a variable</a:t>
+            </a:r>
+          </a:p>
+          <a:p>
+            <a:pPr marL="914400" lvl="2" indent="0">
+              <a:buNone/>
+            </a:pPr>
+            <a:r>
+              <a:rPr lang="en-US" i="1" dirty="0"/>
+              <a:t>		                 // When you see a statement, ask ‘what does it </a:t>
+            </a:r>
+            <a:r>
+              <a:rPr lang="en-US" b="1" i="1" dirty="0"/>
+              <a:t>do</a:t>
+            </a:r>
+            <a:r>
+              <a:rPr lang="en-US" i="1" dirty="0"/>
+              <a:t>?’</a:t>
+            </a:r>
+          </a:p>
+        </p:txBody>
+      </p:sp>
+    </p:spTree>
+    <p:extLst>
+      <p:ext uri="{BB962C8B-B14F-4D97-AF65-F5344CB8AC3E}">
+        <p14:creationId xmlns:p14="http://schemas.microsoft.com/office/powerpoint/2010/main" val="3542996668"/>
+      </p:ext>
+    </p:extLst>
+  </p:cSld>
+  <p:clrMapOvr>
+    <a:masterClrMapping/>
+  </p:clrMapOvr>
+</p:sld>
+</file>
+
+<file path=ppt/slides/slide17.xml><?xml version="1.0" encoding="utf-8"?>
+<p:sld xmlns:a="http://schemas.openxmlformats.org/drawingml/2006/main" xmlns:r="http://schemas.openxmlformats.org/officeDocument/2006/relationships" xmlns:p="http://schemas.openxmlformats.org/presentationml/2006/main">
+  <p:cSld>
+    <p:spTree>
+      <p:nvGrpSpPr>
+        <p:cNvPr id="1" name=""/>
+        <p:cNvGrpSpPr/>
+        <p:nvPr/>
+      </p:nvGrpSpPr>
+      <p:grpSpPr>
+        <a:xfrm>
+          <a:off x="0" y="0"/>
+          <a:ext cx="0" cy="0"/>
+          <a:chOff x="0" y="0"/>
+          <a:chExt cx="0" cy="0"/>
+        </a:xfrm>
+      </p:grpSpPr>
+      <p:sp>
+        <p:nvSpPr>
           <p:cNvPr id="2" name="Title 1"/>
           <p:cNvSpPr>
             <a:spLocks noGrp="1"/>
@@ -7368,11 +7365,11 @@
           <a:lstStyle/>
           <a:p>
             <a:r>
-              <a:rPr lang="en-US" dirty="0" smtClean="0"/>
+              <a:rPr lang="en-US" dirty="0"/>
               <a:t>Example of instructions and variable change </a:t>
             </a:r>
             <a:r>
-              <a:rPr lang="en-US" b="1" dirty="0" smtClean="0">
+              <a:rPr lang="en-US" b="1" dirty="0">
                 <a:solidFill>
                   <a:schemeClr val="accent2"/>
                 </a:solidFill>
@@ -7380,12 +7377,6 @@
               </a:rPr>
               <a:t>!</a:t>
             </a:r>
-            <a:endParaRPr lang="en-US" b="1" dirty="0">
-              <a:solidFill>
-                <a:schemeClr val="accent2"/>
-              </a:solidFill>
-              <a:latin typeface="Garamond" panose="02020404030301010803" pitchFamily="18" charset="0"/>
-            </a:endParaRPr>
           </a:p>
         </p:txBody>
       </p:sp>
@@ -7415,10 +7406,9 @@
               <a:buNone/>
             </a:pPr>
             <a:r>
-              <a:rPr lang="en-US" dirty="0" smtClean="0"/>
+              <a:rPr lang="en-US" dirty="0"/>
               <a:t>This location  is x</a:t>
             </a:r>
-            <a:endParaRPr lang="en-US" dirty="0"/>
           </a:p>
         </p:txBody>
       </p:sp>
@@ -7467,18 +7457,13 @@
           <a:p>
             <a:pPr algn="ctr"/>
             <a:r>
-              <a:rPr lang="en-US" sz="2400" b="1" i="1" dirty="0" smtClean="0">
+              <a:rPr lang="en-US" sz="2400" b="1" i="1" dirty="0">
                 <a:solidFill>
                   <a:schemeClr val="accent2"/>
                 </a:solidFill>
               </a:rPr>
               <a:t>?</a:t>
             </a:r>
-            <a:endParaRPr lang="en-US" sz="2400" b="1" i="1" dirty="0">
-              <a:solidFill>
-                <a:schemeClr val="accent2"/>
-              </a:solidFill>
-            </a:endParaRPr>
           </a:p>
         </p:txBody>
       </p:sp>
@@ -7522,18 +7507,13 @@
           <a:p>
             <a:pPr algn="ctr"/>
             <a:r>
-              <a:rPr lang="en-US" sz="2400" b="1" i="1" dirty="0" smtClean="0">
+              <a:rPr lang="en-US" sz="2400" b="1" i="1" dirty="0">
                 <a:solidFill>
                   <a:schemeClr val="accent2"/>
                 </a:solidFill>
               </a:rPr>
               <a:t>3070</a:t>
             </a:r>
-            <a:endParaRPr lang="en-US" sz="2400" b="1" i="1" dirty="0">
-              <a:solidFill>
-                <a:schemeClr val="accent2"/>
-              </a:solidFill>
-            </a:endParaRPr>
           </a:p>
         </p:txBody>
       </p:sp>
@@ -7577,18 +7557,13 @@
           <a:p>
             <a:pPr algn="ctr"/>
             <a:r>
-              <a:rPr lang="en-US" sz="2400" b="1" i="1" dirty="0" smtClean="0">
+              <a:rPr lang="en-US" sz="2400" b="1" i="1" dirty="0">
                 <a:solidFill>
                   <a:schemeClr val="accent2"/>
                 </a:solidFill>
               </a:rPr>
               <a:t>6140</a:t>
             </a:r>
-            <a:endParaRPr lang="en-US" sz="2400" b="1" i="1" dirty="0">
-              <a:solidFill>
-                <a:schemeClr val="accent2"/>
-              </a:solidFill>
-            </a:endParaRPr>
           </a:p>
         </p:txBody>
       </p:sp>
@@ -7615,21 +7590,21 @@
           <a:lstStyle/>
           <a:p>
             <a:r>
-              <a:rPr lang="en-US" sz="2400" dirty="0" smtClean="0">
+              <a:rPr lang="en-US" sz="2400" dirty="0">
                 <a:latin typeface="Courier New" panose="02070309020205020404" pitchFamily="49" charset="0"/>
                 <a:cs typeface="Courier New" panose="02070309020205020404" pitchFamily="49" charset="0"/>
               </a:rPr>
               <a:t>1) </a:t>
             </a:r>
             <a:r>
-              <a:rPr lang="en-US" sz="2400" dirty="0" err="1" smtClean="0">
+              <a:rPr lang="en-US" sz="2400" dirty="0" err="1">
                 <a:latin typeface="Courier New" panose="02070309020205020404" pitchFamily="49" charset="0"/>
                 <a:cs typeface="Courier New" panose="02070309020205020404" pitchFamily="49" charset="0"/>
               </a:rPr>
               <a:t>int</a:t>
             </a:r>
             <a:r>
-              <a:rPr lang="en-US" sz="2400" dirty="0" smtClean="0">
+              <a:rPr lang="en-US" sz="2400" dirty="0">
                 <a:latin typeface="Courier New" panose="02070309020205020404" pitchFamily="49" charset="0"/>
                 <a:cs typeface="Courier New" panose="02070309020205020404" pitchFamily="49" charset="0"/>
               </a:rPr>
@@ -7638,41 +7613,11 @@
           </a:p>
           <a:p>
             <a:r>
-              <a:rPr lang="en-US" sz="2400" dirty="0" smtClean="0">
+              <a:rPr lang="en-US" sz="2400" dirty="0">
                 <a:latin typeface="Courier New" panose="02070309020205020404" pitchFamily="49" charset="0"/>
                 <a:cs typeface="Courier New" panose="02070309020205020404" pitchFamily="49" charset="0"/>
               </a:rPr>
               <a:t>2) x</a:t>
-            </a:r>
-            <a:r>
-              <a:rPr lang="en-US" sz="2400" b="1" dirty="0" smtClean="0">
-                <a:solidFill>
-                  <a:schemeClr val="accent2"/>
-                </a:solidFill>
-                <a:latin typeface="Courier New" panose="02070309020205020404" pitchFamily="49" charset="0"/>
-                <a:cs typeface="Courier New" panose="02070309020205020404" pitchFamily="49" charset="0"/>
-              </a:rPr>
-              <a:t> = </a:t>
-            </a:r>
-            <a:r>
-              <a:rPr lang="en-US" sz="2400" dirty="0" smtClean="0">
-                <a:latin typeface="Courier New" panose="02070309020205020404" pitchFamily="49" charset="0"/>
-                <a:cs typeface="Courier New" panose="02070309020205020404" pitchFamily="49" charset="0"/>
-              </a:rPr>
-              <a:t>1023 + 2047;</a:t>
-            </a:r>
-            <a:br>
-              <a:rPr lang="en-US" sz="2400" dirty="0" smtClean="0">
-                <a:latin typeface="Courier New" panose="02070309020205020404" pitchFamily="49" charset="0"/>
-                <a:cs typeface="Courier New" panose="02070309020205020404" pitchFamily="49" charset="0"/>
-              </a:rPr>
-            </a:br>
-            <a:r>
-              <a:rPr lang="en-US" sz="2400" dirty="0" smtClean="0">
-                <a:latin typeface="Courier New" panose="02070309020205020404" pitchFamily="49" charset="0"/>
-                <a:cs typeface="Courier New" panose="02070309020205020404" pitchFamily="49" charset="0"/>
-              </a:rPr>
-              <a:t>3) x </a:t>
             </a:r>
             <a:r>
               <a:rPr lang="en-US" sz="2400" b="1" dirty="0">
@@ -7682,30 +7627,30 @@
                 <a:latin typeface="Courier New" panose="02070309020205020404" pitchFamily="49" charset="0"/>
                 <a:cs typeface="Courier New" panose="02070309020205020404" pitchFamily="49" charset="0"/>
               </a:rPr>
-              <a:t>=</a:t>
-            </a:r>
-            <a:r>
-              <a:rPr lang="en-US" sz="2400" dirty="0" smtClean="0">
-                <a:latin typeface="Courier New" panose="02070309020205020404" pitchFamily="49" charset="0"/>
-                <a:cs typeface="Courier New" panose="02070309020205020404" pitchFamily="49" charset="0"/>
-              </a:rPr>
-              <a:t> x +  x;</a:t>
+              <a:t> = </a:t>
+            </a:r>
+            <a:r>
+              <a:rPr lang="en-US" sz="2400" dirty="0">
+                <a:latin typeface="Courier New" panose="02070309020205020404" pitchFamily="49" charset="0"/>
+                <a:cs typeface="Courier New" panose="02070309020205020404" pitchFamily="49" charset="0"/>
+              </a:rPr>
+              <a:t>1023 + 2047;</a:t>
             </a:r>
             <a:br>
-              <a:rPr lang="en-US" sz="2400" dirty="0" smtClean="0">
+              <a:rPr lang="en-US" sz="2400" dirty="0">
                 <a:latin typeface="Courier New" panose="02070309020205020404" pitchFamily="49" charset="0"/>
                 <a:cs typeface="Courier New" panose="02070309020205020404" pitchFamily="49" charset="0"/>
               </a:rPr>
             </a:br>
             <a:r>
-              <a:rPr lang="en-US" sz="2400" dirty="0" smtClean="0">
-                <a:latin typeface="Courier New" panose="02070309020205020404" pitchFamily="49" charset="0"/>
-                <a:cs typeface="Courier New" panose="02070309020205020404" pitchFamily="49" charset="0"/>
-              </a:rPr>
-              <a:t>4) x</a:t>
-            </a:r>
-            <a:r>
-              <a:rPr lang="en-US" sz="2400" b="1" dirty="0" smtClean="0">
+              <a:rPr lang="en-US" sz="2400" dirty="0">
+                <a:latin typeface="Courier New" panose="02070309020205020404" pitchFamily="49" charset="0"/>
+                <a:cs typeface="Courier New" panose="02070309020205020404" pitchFamily="49" charset="0"/>
+              </a:rPr>
+              <a:t>3) x </a:t>
+            </a:r>
+            <a:r>
+              <a:rPr lang="en-US" sz="2400" b="1" dirty="0">
                 <a:solidFill>
                   <a:schemeClr val="accent2"/>
                 </a:solidFill>
@@ -7715,7 +7660,37 @@
               <a:t>=</a:t>
             </a:r>
             <a:r>
-              <a:rPr lang="en-US" sz="2400" dirty="0" smtClean="0">
+              <a:rPr lang="en-US" sz="2400" dirty="0">
+                <a:latin typeface="Courier New" panose="02070309020205020404" pitchFamily="49" charset="0"/>
+                <a:cs typeface="Courier New" panose="02070309020205020404" pitchFamily="49" charset="0"/>
+              </a:rPr>
+              <a:t> x +  x;</a:t>
+            </a:r>
+            <a:br>
+              <a:rPr lang="en-US" sz="2400" dirty="0">
+                <a:latin typeface="Courier New" panose="02070309020205020404" pitchFamily="49" charset="0"/>
+                <a:cs typeface="Courier New" panose="02070309020205020404" pitchFamily="49" charset="0"/>
+              </a:rPr>
+            </a:br>
+            <a:r>
+              <a:rPr lang="en-US" sz="2400" dirty="0">
+                <a:latin typeface="Courier New" panose="02070309020205020404" pitchFamily="49" charset="0"/>
+                <a:cs typeface="Courier New" panose="02070309020205020404" pitchFamily="49" charset="0"/>
+              </a:rPr>
+              <a:t>4) x</a:t>
+            </a:r>
+            <a:r>
+              <a:rPr lang="en-US" sz="2400" b="1" dirty="0">
+                <a:solidFill>
+                  <a:schemeClr val="accent2"/>
+                </a:solidFill>
+                <a:latin typeface="Courier New" panose="02070309020205020404" pitchFamily="49" charset="0"/>
+                <a:cs typeface="Courier New" panose="02070309020205020404" pitchFamily="49" charset="0"/>
+              </a:rPr>
+              <a:t>=</a:t>
+            </a:r>
+            <a:r>
+              <a:rPr lang="en-US" sz="2400" dirty="0">
                 <a:latin typeface="Courier New" panose="02070309020205020404" pitchFamily="49" charset="0"/>
                 <a:cs typeface="Courier New" panose="02070309020205020404" pitchFamily="49" charset="0"/>
               </a:rPr>
@@ -7724,14 +7699,14 @@
           </a:p>
           <a:p>
             <a:r>
-              <a:rPr lang="en-US" sz="2400" dirty="0" smtClean="0">
+              <a:rPr lang="en-US" sz="2400" dirty="0">
                 <a:latin typeface="Courier New" panose="02070309020205020404" pitchFamily="49" charset="0"/>
                 <a:cs typeface="Courier New" panose="02070309020205020404" pitchFamily="49" charset="0"/>
               </a:rPr>
               <a:t>5)</a:t>
             </a:r>
             <a:r>
-              <a:rPr lang="en-US" sz="2400" dirty="0" err="1" smtClean="0">
+              <a:rPr lang="en-US" sz="2400" dirty="0" err="1">
                 <a:solidFill>
                   <a:srgbClr val="00B050"/>
                 </a:solidFill>
@@ -7741,7 +7716,7 @@
               <a:t>printf</a:t>
             </a:r>
             <a:r>
-              <a:rPr lang="en-US" sz="2400" dirty="0" smtClean="0">
+              <a:rPr lang="en-US" sz="2400" dirty="0">
                 <a:solidFill>
                   <a:srgbClr val="00B050"/>
                 </a:solidFill>
@@ -7751,7 +7726,7 @@
               <a:t>(“%d\</a:t>
             </a:r>
             <a:r>
-              <a:rPr lang="en-US" sz="2400" dirty="0" err="1" smtClean="0">
+              <a:rPr lang="en-US" sz="2400" dirty="0" err="1">
                 <a:solidFill>
                   <a:srgbClr val="00B050"/>
                 </a:solidFill>
@@ -7761,7 +7736,7 @@
               <a:t>n”,x</a:t>
             </a:r>
             <a:r>
-              <a:rPr lang="en-US" sz="2400" dirty="0" smtClean="0">
+              <a:rPr lang="en-US" sz="2400" dirty="0">
                 <a:solidFill>
                   <a:srgbClr val="00B050"/>
                 </a:solidFill>
@@ -7813,18 +7788,13 @@
           <a:p>
             <a:pPr algn="ctr"/>
             <a:r>
-              <a:rPr lang="en-US" sz="2400" b="1" i="1" dirty="0" smtClean="0">
+              <a:rPr lang="en-US" sz="2400" b="1" i="1" dirty="0">
                 <a:solidFill>
                   <a:schemeClr val="accent2"/>
                 </a:solidFill>
               </a:rPr>
               <a:t>0</a:t>
             </a:r>
-            <a:endParaRPr lang="en-US" sz="2400" b="1" i="1" dirty="0">
-              <a:solidFill>
-                <a:schemeClr val="accent2"/>
-              </a:solidFill>
-            </a:endParaRPr>
           </a:p>
         </p:txBody>
       </p:sp>
@@ -7946,10 +7916,9 @@
           <a:lstStyle/>
           <a:p>
             <a:r>
-              <a:rPr lang="en-US" sz="2400" dirty="0" smtClean="0"/>
+              <a:rPr lang="en-US" sz="2400" dirty="0"/>
               <a:t>The instructions change  the value in that location as follows:</a:t>
             </a:r>
-            <a:endParaRPr lang="en-US" sz="2400" dirty="0"/>
           </a:p>
         </p:txBody>
       </p:sp>
@@ -7976,18 +7945,18 @@
           <a:lstStyle/>
           <a:p>
             <a:r>
-              <a:rPr lang="en-US" sz="2400" dirty="0" smtClean="0"/>
+              <a:rPr lang="en-US" sz="2400" dirty="0"/>
               <a:t> - blank spaces don’t matter (usually)</a:t>
             </a:r>
             <a:br>
-              <a:rPr lang="en-US" sz="2400" dirty="0" smtClean="0"/>
+              <a:rPr lang="en-US" sz="2400" dirty="0"/>
             </a:br>
             <a:r>
-              <a:rPr lang="en-US" sz="2400" dirty="0" smtClean="0"/>
+              <a:rPr lang="en-US" sz="2400" dirty="0"/>
               <a:t> - the ‘</a:t>
             </a:r>
             <a:r>
-              <a:rPr lang="en-US" sz="3200" b="1" i="1" dirty="0" smtClean="0">
+              <a:rPr lang="en-US" sz="3200" b="1" i="1" dirty="0">
                 <a:solidFill>
                   <a:schemeClr val="accent2"/>
                 </a:solidFill>
@@ -7995,67 +7964,58 @@
               <a:t>=</a:t>
             </a:r>
             <a:r>
-              <a:rPr lang="en-US" sz="2400" dirty="0" smtClean="0"/>
+              <a:rPr lang="en-US" sz="2400" dirty="0"/>
               <a:t>‘ does something it is </a:t>
             </a:r>
             <a:r>
-              <a:rPr lang="en-US" sz="2400" b="1" i="1" dirty="0" smtClean="0"/>
+              <a:rPr lang="en-US" sz="2400" b="1" i="1" dirty="0"/>
               <a:t>not</a:t>
             </a:r>
             <a:r>
-              <a:rPr lang="en-US" sz="2400" dirty="0" smtClean="0"/>
+              <a:rPr lang="en-US" sz="2400" dirty="0"/>
               <a:t> a relation!</a:t>
             </a:r>
           </a:p>
           <a:p>
             <a:r>
               <a:rPr lang="en-US" sz="2400" dirty="0"/>
-              <a:t> </a:t>
-            </a:r>
-            <a:r>
-              <a:rPr lang="en-US" sz="2400" dirty="0" smtClean="0"/>
-              <a:t>- what does the </a:t>
-            </a:r>
-            <a:r>
-              <a:rPr lang="en-US" sz="2400" dirty="0" err="1" smtClean="0">
+              <a:t> - what does the </a:t>
+            </a:r>
+            <a:r>
+              <a:rPr lang="en-US" sz="2400" dirty="0" err="1">
                 <a:latin typeface="Courier New" panose="02070309020205020404" pitchFamily="49" charset="0"/>
                 <a:cs typeface="Courier New" panose="02070309020205020404" pitchFamily="49" charset="0"/>
               </a:rPr>
               <a:t>printf</a:t>
             </a:r>
             <a:r>
-              <a:rPr lang="en-US" sz="2400" dirty="0" smtClean="0"/>
+              <a:rPr lang="en-US" sz="2400" dirty="0"/>
               <a:t> call statement do?</a:t>
             </a:r>
           </a:p>
           <a:p>
             <a:r>
               <a:rPr lang="en-US" sz="2400" dirty="0"/>
-              <a:t> </a:t>
-            </a:r>
-            <a:r>
-              <a:rPr lang="en-US" sz="2400" dirty="0" smtClean="0"/>
-              <a:t>- what if the </a:t>
-            </a:r>
-            <a:r>
-              <a:rPr lang="en-US" sz="2400" dirty="0" err="1" smtClean="0">
+              <a:t> - what if the </a:t>
+            </a:r>
+            <a:r>
+              <a:rPr lang="en-US" sz="2400" dirty="0" err="1">
                 <a:latin typeface="Courier New" panose="02070309020205020404" pitchFamily="49" charset="0"/>
                 <a:cs typeface="Courier New" panose="02070309020205020404" pitchFamily="49" charset="0"/>
               </a:rPr>
               <a:t>printf</a:t>
             </a:r>
             <a:r>
-              <a:rPr lang="en-US" sz="2400" dirty="0" smtClean="0"/>
+              <a:rPr lang="en-US" sz="2400" dirty="0"/>
               <a:t> call statement was moved relative </a:t>
             </a:r>
             <a:br>
-              <a:rPr lang="en-US" sz="2400" dirty="0" smtClean="0"/>
+              <a:rPr lang="en-US" sz="2400" dirty="0"/>
             </a:br>
             <a:r>
-              <a:rPr lang="en-US" sz="2400" dirty="0" smtClean="0"/>
+              <a:rPr lang="en-US" sz="2400" dirty="0"/>
               <a:t>                to the others?</a:t>
             </a:r>
-            <a:endParaRPr lang="en-US" sz="2400" dirty="0"/>
           </a:p>
         </p:txBody>
       </p:sp>
@@ -8112,7 +8072,7 @@
           <a:lstStyle/>
           <a:p>
             <a:r>
-              <a:rPr lang="en-US" sz="2800" dirty="0" smtClean="0">
+              <a:rPr lang="en-US" sz="2800" dirty="0">
                 <a:solidFill>
                   <a:srgbClr val="00B050"/>
                 </a:solidFill>
@@ -8121,13 +8081,6 @@
               </a:rPr>
               <a:t>0</a:t>
             </a:r>
-            <a:endParaRPr lang="en-US" sz="2800" dirty="0">
-              <a:solidFill>
-                <a:srgbClr val="00B050"/>
-              </a:solidFill>
-              <a:latin typeface="Courier New" panose="02070309020205020404" pitchFamily="49" charset="0"/>
-              <a:cs typeface="Courier New" panose="02070309020205020404" pitchFamily="49" charset="0"/>
-            </a:endParaRPr>
           </a:p>
         </p:txBody>
       </p:sp>
@@ -8225,7 +8178,7 @@
           <a:p>
             <a:pPr algn="ctr"/>
             <a:r>
-              <a:rPr lang="en-US" sz="3200" b="1" dirty="0" smtClean="0">
+              <a:rPr lang="en-US" sz="3200" b="1" dirty="0">
                 <a:solidFill>
                   <a:schemeClr val="tx1"/>
                 </a:solidFill>
@@ -8310,10 +8263,9 @@
             <a:lstStyle/>
             <a:p>
               <a:r>
-                <a:rPr lang="en-US" dirty="0" smtClean="0"/>
+                <a:rPr lang="en-US" dirty="0"/>
                 <a:t>2)</a:t>
               </a:r>
-              <a:endParaRPr lang="en-US" dirty="0"/>
             </a:p>
           </p:txBody>
         </p:sp>
@@ -8389,13 +8341,8 @@
             <a:p>
               <a:r>
                 <a:rPr lang="en-US" dirty="0"/>
-                <a:t>3</a:t>
+                <a:t>3)</a:t>
               </a:r>
-              <a:r>
-                <a:rPr lang="en-US" dirty="0" smtClean="0"/>
-                <a:t>)</a:t>
-              </a:r>
-              <a:endParaRPr lang="en-US" dirty="0"/>
             </a:p>
           </p:txBody>
         </p:sp>
@@ -8471,13 +8418,8 @@
             <a:p>
               <a:r>
                 <a:rPr lang="en-US" dirty="0"/>
-                <a:t>4</a:t>
+                <a:t>4)</a:t>
               </a:r>
-              <a:r>
-                <a:rPr lang="en-US" dirty="0" smtClean="0"/>
-                <a:t>)</a:t>
-              </a:r>
-              <a:endParaRPr lang="en-US" dirty="0"/>
             </a:p>
           </p:txBody>
         </p:sp>
@@ -8553,13 +8495,8 @@
             <a:p>
               <a:r>
                 <a:rPr lang="en-US" dirty="0"/>
-                <a:t>5</a:t>
+                <a:t>5)</a:t>
               </a:r>
-              <a:r>
-                <a:rPr lang="en-US" dirty="0" smtClean="0"/>
-                <a:t>)</a:t>
-              </a:r>
-              <a:endParaRPr lang="en-US" dirty="0"/>
             </a:p>
           </p:txBody>
         </p:sp>
@@ -8983,7 +8920,7 @@
 </p:sld>
 </file>
 
-<file path=ppt/slides/slide17.xml><?xml version="1.0" encoding="utf-8"?>
+<file path=ppt/slides/slide18.xml><?xml version="1.0" encoding="utf-8"?>
 <p:sld xmlns:a="http://schemas.openxmlformats.org/drawingml/2006/main" xmlns:r="http://schemas.openxmlformats.org/officeDocument/2006/relationships" xmlns:p="http://schemas.openxmlformats.org/presentationml/2006/main">
   <p:cSld>
     <p:spTree>
@@ -9016,10 +8953,9 @@
           <a:lstStyle/>
           <a:p>
             <a:r>
-              <a:rPr lang="en-US" dirty="0" smtClean="0"/>
+              <a:rPr lang="en-US" dirty="0"/>
               <a:t>Programs often achieve effect by changing memory: An example of finding maximum</a:t>
             </a:r>
-            <a:endParaRPr lang="en-US" dirty="0"/>
           </a:p>
         </p:txBody>
       </p:sp>
@@ -9052,174 +8988,6 @@
               <a:buNone/>
             </a:pPr>
             <a:r>
-              <a:rPr lang="en-US" sz="2000" b="1" dirty="0" smtClean="0">
-                <a:solidFill>
-                  <a:schemeClr val="accent2">
-                    <a:lumMod val="75000"/>
-                  </a:schemeClr>
-                </a:solidFill>
-                <a:latin typeface="Courier New" panose="02070309020205020404" pitchFamily="49" charset="0"/>
-                <a:cs typeface="Courier New" panose="02070309020205020404" pitchFamily="49" charset="0"/>
-              </a:rPr>
-              <a:t>1 </a:t>
-            </a:r>
-            <a:r>
-              <a:rPr lang="en-US" sz="2000" b="1" dirty="0" err="1" smtClean="0">
-                <a:solidFill>
-                  <a:schemeClr val="accent2">
-                    <a:lumMod val="75000"/>
-                  </a:schemeClr>
-                </a:solidFill>
-                <a:latin typeface="Courier New" panose="02070309020205020404" pitchFamily="49" charset="0"/>
-                <a:cs typeface="Courier New" panose="02070309020205020404" pitchFamily="49" charset="0"/>
-              </a:rPr>
-              <a:t>int</a:t>
-            </a:r>
-            <a:r>
-              <a:rPr lang="en-US" sz="2000" b="1" dirty="0" smtClean="0">
-                <a:solidFill>
-                  <a:schemeClr val="accent2">
-                    <a:lumMod val="75000"/>
-                  </a:schemeClr>
-                </a:solidFill>
-                <a:latin typeface="Courier New" panose="02070309020205020404" pitchFamily="49" charset="0"/>
-                <a:cs typeface="Courier New" panose="02070309020205020404" pitchFamily="49" charset="0"/>
-              </a:rPr>
-              <a:t> max; </a:t>
-            </a:r>
-          </a:p>
-          <a:p>
-            <a:pPr marL="0" indent="0">
-              <a:buNone/>
-            </a:pPr>
-            <a:r>
-              <a:rPr lang="en-US" sz="2000" b="1" dirty="0" smtClean="0">
-                <a:solidFill>
-                  <a:schemeClr val="accent5"/>
-                </a:solidFill>
-                <a:latin typeface="Courier New" panose="02070309020205020404" pitchFamily="49" charset="0"/>
-                <a:cs typeface="Courier New" panose="02070309020205020404" pitchFamily="49" charset="0"/>
-              </a:rPr>
-              <a:t>2 </a:t>
-            </a:r>
-            <a:r>
-              <a:rPr lang="en-US" sz="2000" b="1" dirty="0" err="1" smtClean="0">
-                <a:solidFill>
-                  <a:schemeClr val="accent5"/>
-                </a:solidFill>
-                <a:latin typeface="Courier New" panose="02070309020205020404" pitchFamily="49" charset="0"/>
-                <a:cs typeface="Courier New" panose="02070309020205020404" pitchFamily="49" charset="0"/>
-              </a:rPr>
-              <a:t>int</a:t>
-            </a:r>
-            <a:r>
-              <a:rPr lang="en-US" sz="2000" b="1" dirty="0" smtClean="0">
-                <a:solidFill>
-                  <a:schemeClr val="accent5"/>
-                </a:solidFill>
-                <a:latin typeface="Courier New" panose="02070309020205020404" pitchFamily="49" charset="0"/>
-                <a:cs typeface="Courier New" panose="02070309020205020404" pitchFamily="49" charset="0"/>
-              </a:rPr>
-              <a:t> a[10];</a:t>
-            </a:r>
-          </a:p>
-          <a:p>
-            <a:pPr marL="0" indent="0">
-              <a:buNone/>
-            </a:pPr>
-            <a:r>
-              <a:rPr lang="en-US" sz="1800" dirty="0" smtClean="0">
-                <a:solidFill>
-                  <a:srgbClr val="0070C0"/>
-                </a:solidFill>
-                <a:latin typeface="Courier New" panose="02070309020205020404" pitchFamily="49" charset="0"/>
-                <a:cs typeface="Courier New" panose="02070309020205020404" pitchFamily="49" charset="0"/>
-              </a:rPr>
-              <a:t>//assume a has got its values somehow a</a:t>
-            </a:r>
-            <a:r>
-              <a:rPr lang="en-US" sz="1800" baseline="-25000" dirty="0" smtClean="0">
-                <a:solidFill>
-                  <a:srgbClr val="0070C0"/>
-                </a:solidFill>
-                <a:latin typeface="Courier New" panose="02070309020205020404" pitchFamily="49" charset="0"/>
-                <a:cs typeface="Courier New" panose="02070309020205020404" pitchFamily="49" charset="0"/>
-              </a:rPr>
-              <a:t>0</a:t>
-            </a:r>
-            <a:r>
-              <a:rPr lang="en-US" sz="1800" dirty="0" smtClean="0">
-                <a:solidFill>
-                  <a:srgbClr val="0070C0"/>
-                </a:solidFill>
-                <a:latin typeface="Courier New" panose="02070309020205020404" pitchFamily="49" charset="0"/>
-                <a:cs typeface="Courier New" panose="02070309020205020404" pitchFamily="49" charset="0"/>
-              </a:rPr>
-              <a:t> , a</a:t>
-            </a:r>
-            <a:r>
-              <a:rPr lang="en-US" sz="1800" baseline="-25000" dirty="0" smtClean="0">
-                <a:solidFill>
-                  <a:srgbClr val="0070C0"/>
-                </a:solidFill>
-                <a:latin typeface="Courier New" panose="02070309020205020404" pitchFamily="49" charset="0"/>
-                <a:cs typeface="Courier New" panose="02070309020205020404" pitchFamily="49" charset="0"/>
-              </a:rPr>
-              <a:t>1</a:t>
-            </a:r>
-            <a:r>
-              <a:rPr lang="en-US" sz="1800" dirty="0" smtClean="0">
-                <a:solidFill>
-                  <a:srgbClr val="0070C0"/>
-                </a:solidFill>
-                <a:latin typeface="Courier New" panose="02070309020205020404" pitchFamily="49" charset="0"/>
-                <a:cs typeface="Courier New" panose="02070309020205020404" pitchFamily="49" charset="0"/>
-              </a:rPr>
-              <a:t>, </a:t>
-            </a:r>
-            <a:r>
-              <a:rPr lang="en-US" sz="2000" dirty="0" smtClean="0">
-                <a:solidFill>
-                  <a:srgbClr val="0070C0"/>
-                </a:solidFill>
-                <a:latin typeface="Courier New" panose="02070309020205020404" pitchFamily="49" charset="0"/>
-                <a:cs typeface="Courier New" panose="02070309020205020404" pitchFamily="49" charset="0"/>
-              </a:rPr>
-              <a:t> …</a:t>
-            </a:r>
-          </a:p>
-          <a:p>
-            <a:pPr marL="0" indent="0">
-              <a:buNone/>
-            </a:pPr>
-            <a:r>
-              <a:rPr lang="en-US" sz="2000" dirty="0" smtClean="0">
-                <a:latin typeface="Courier New" panose="02070309020205020404" pitchFamily="49" charset="0"/>
-                <a:cs typeface="Courier New" panose="02070309020205020404" pitchFamily="49" charset="0"/>
-              </a:rPr>
-              <a:t/>
-            </a:r>
-            <a:br>
-              <a:rPr lang="en-US" sz="2000" dirty="0" smtClean="0">
-                <a:latin typeface="Courier New" panose="02070309020205020404" pitchFamily="49" charset="0"/>
-                <a:cs typeface="Courier New" panose="02070309020205020404" pitchFamily="49" charset="0"/>
-              </a:rPr>
-            </a:br>
-            <a:r>
-              <a:rPr lang="en-US" sz="1800" b="1" dirty="0" smtClean="0">
-                <a:latin typeface="Courier New" panose="02070309020205020404" pitchFamily="49" charset="0"/>
-                <a:cs typeface="Courier New" panose="02070309020205020404" pitchFamily="49" charset="0"/>
-              </a:rPr>
-              <a:t>3</a:t>
-            </a:r>
-            <a:r>
-              <a:rPr lang="en-US" sz="1800" dirty="0" smtClean="0">
-                <a:latin typeface="Courier New" panose="02070309020205020404" pitchFamily="49" charset="0"/>
-                <a:cs typeface="Courier New" panose="02070309020205020404" pitchFamily="49" charset="0"/>
-              </a:rPr>
-              <a:t> </a:t>
-            </a:r>
-            <a:r>
               <a:rPr lang="en-US" sz="2000" b="1" dirty="0">
                 <a:solidFill>
                   <a:schemeClr val="accent2">
@@ -9229,6 +8997,167 @@
                 <a:latin typeface="Courier New" panose="02070309020205020404" pitchFamily="49" charset="0"/>
                 <a:cs typeface="Courier New" panose="02070309020205020404" pitchFamily="49" charset="0"/>
               </a:rPr>
+              <a:t>1 </a:t>
+            </a:r>
+            <a:r>
+              <a:rPr lang="en-US" sz="2000" b="1" dirty="0" err="1">
+                <a:solidFill>
+                  <a:schemeClr val="accent2">
+                    <a:lumMod val="75000"/>
+                  </a:schemeClr>
+                </a:solidFill>
+                <a:latin typeface="Courier New" panose="02070309020205020404" pitchFamily="49" charset="0"/>
+                <a:cs typeface="Courier New" panose="02070309020205020404" pitchFamily="49" charset="0"/>
+              </a:rPr>
+              <a:t>int</a:t>
+            </a:r>
+            <a:r>
+              <a:rPr lang="en-US" sz="2000" b="1" dirty="0">
+                <a:solidFill>
+                  <a:schemeClr val="accent2">
+                    <a:lumMod val="75000"/>
+                  </a:schemeClr>
+                </a:solidFill>
+                <a:latin typeface="Courier New" panose="02070309020205020404" pitchFamily="49" charset="0"/>
+                <a:cs typeface="Courier New" panose="02070309020205020404" pitchFamily="49" charset="0"/>
+              </a:rPr>
+              <a:t> max; </a:t>
+            </a:r>
+          </a:p>
+          <a:p>
+            <a:pPr marL="0" indent="0">
+              <a:buNone/>
+            </a:pPr>
+            <a:r>
+              <a:rPr lang="en-US" sz="2000" b="1" dirty="0">
+                <a:solidFill>
+                  <a:schemeClr val="accent5"/>
+                </a:solidFill>
+                <a:latin typeface="Courier New" panose="02070309020205020404" pitchFamily="49" charset="0"/>
+                <a:cs typeface="Courier New" panose="02070309020205020404" pitchFamily="49" charset="0"/>
+              </a:rPr>
+              <a:t>2 </a:t>
+            </a:r>
+            <a:r>
+              <a:rPr lang="en-US" sz="2000" b="1" dirty="0" err="1">
+                <a:solidFill>
+                  <a:schemeClr val="accent5"/>
+                </a:solidFill>
+                <a:latin typeface="Courier New" panose="02070309020205020404" pitchFamily="49" charset="0"/>
+                <a:cs typeface="Courier New" panose="02070309020205020404" pitchFamily="49" charset="0"/>
+              </a:rPr>
+              <a:t>int</a:t>
+            </a:r>
+            <a:r>
+              <a:rPr lang="en-US" sz="2000" b="1" dirty="0">
+                <a:solidFill>
+                  <a:schemeClr val="accent5"/>
+                </a:solidFill>
+                <a:latin typeface="Courier New" panose="02070309020205020404" pitchFamily="49" charset="0"/>
+                <a:cs typeface="Courier New" panose="02070309020205020404" pitchFamily="49" charset="0"/>
+              </a:rPr>
+              <a:t> a[10];</a:t>
+            </a:r>
+          </a:p>
+          <a:p>
+            <a:pPr marL="0" indent="0">
+              <a:buNone/>
+            </a:pPr>
+            <a:r>
+              <a:rPr lang="en-US" sz="1800" dirty="0">
+                <a:solidFill>
+                  <a:srgbClr val="0070C0"/>
+                </a:solidFill>
+                <a:latin typeface="Courier New" panose="02070309020205020404" pitchFamily="49" charset="0"/>
+                <a:cs typeface="Courier New" panose="02070309020205020404" pitchFamily="49" charset="0"/>
+              </a:rPr>
+              <a:t>//assume a has got its values somehow a</a:t>
+            </a:r>
+            <a:r>
+              <a:rPr lang="en-US" sz="1800" baseline="-25000" dirty="0">
+                <a:solidFill>
+                  <a:srgbClr val="0070C0"/>
+                </a:solidFill>
+                <a:latin typeface="Courier New" panose="02070309020205020404" pitchFamily="49" charset="0"/>
+                <a:cs typeface="Courier New" panose="02070309020205020404" pitchFamily="49" charset="0"/>
+              </a:rPr>
+              <a:t>0</a:t>
+            </a:r>
+            <a:r>
+              <a:rPr lang="en-US" sz="1800" dirty="0">
+                <a:solidFill>
+                  <a:srgbClr val="0070C0"/>
+                </a:solidFill>
+                <a:latin typeface="Courier New" panose="02070309020205020404" pitchFamily="49" charset="0"/>
+                <a:cs typeface="Courier New" panose="02070309020205020404" pitchFamily="49" charset="0"/>
+              </a:rPr>
+              <a:t> , a</a:t>
+            </a:r>
+            <a:r>
+              <a:rPr lang="en-US" sz="1800" baseline="-25000" dirty="0">
+                <a:solidFill>
+                  <a:srgbClr val="0070C0"/>
+                </a:solidFill>
+                <a:latin typeface="Courier New" panose="02070309020205020404" pitchFamily="49" charset="0"/>
+                <a:cs typeface="Courier New" panose="02070309020205020404" pitchFamily="49" charset="0"/>
+              </a:rPr>
+              <a:t>1</a:t>
+            </a:r>
+            <a:r>
+              <a:rPr lang="en-US" sz="1800" dirty="0">
+                <a:solidFill>
+                  <a:srgbClr val="0070C0"/>
+                </a:solidFill>
+                <a:latin typeface="Courier New" panose="02070309020205020404" pitchFamily="49" charset="0"/>
+                <a:cs typeface="Courier New" panose="02070309020205020404" pitchFamily="49" charset="0"/>
+              </a:rPr>
+              <a:t>, </a:t>
+            </a:r>
+            <a:r>
+              <a:rPr lang="en-US" sz="2000" dirty="0">
+                <a:solidFill>
+                  <a:srgbClr val="0070C0"/>
+                </a:solidFill>
+                <a:latin typeface="Courier New" panose="02070309020205020404" pitchFamily="49" charset="0"/>
+                <a:cs typeface="Courier New" panose="02070309020205020404" pitchFamily="49" charset="0"/>
+              </a:rPr>
+              <a:t> …</a:t>
+            </a:r>
+          </a:p>
+          <a:p>
+            <a:pPr marL="0" indent="0">
+              <a:buNone/>
+            </a:pPr>
+            <a:br>
+              <a:rPr lang="en-US" sz="2000" dirty="0">
+                <a:latin typeface="Courier New" panose="02070309020205020404" pitchFamily="49" charset="0"/>
+                <a:cs typeface="Courier New" panose="02070309020205020404" pitchFamily="49" charset="0"/>
+              </a:rPr>
+            </a:br>
+            <a:r>
+              <a:rPr lang="en-US" sz="1800" b="1" dirty="0">
+                <a:latin typeface="Courier New" panose="02070309020205020404" pitchFamily="49" charset="0"/>
+                <a:cs typeface="Courier New" panose="02070309020205020404" pitchFamily="49" charset="0"/>
+              </a:rPr>
+              <a:t>3</a:t>
+            </a:r>
+            <a:r>
+              <a:rPr lang="en-US" sz="1800" dirty="0">
+                <a:latin typeface="Courier New" panose="02070309020205020404" pitchFamily="49" charset="0"/>
+                <a:cs typeface="Courier New" panose="02070309020205020404" pitchFamily="49" charset="0"/>
+              </a:rPr>
+              <a:t> </a:t>
+            </a:r>
+            <a:r>
+              <a:rPr lang="en-US" sz="2000" b="1" dirty="0">
+                <a:solidFill>
+                  <a:schemeClr val="accent2">
+                    <a:lumMod val="75000"/>
+                  </a:schemeClr>
+                </a:solidFill>
+                <a:latin typeface="Courier New" panose="02070309020205020404" pitchFamily="49" charset="0"/>
+                <a:cs typeface="Courier New" panose="02070309020205020404" pitchFamily="49" charset="0"/>
+              </a:rPr>
               <a:t>max=a</a:t>
             </a:r>
             <a:r>
@@ -9261,34 +9190,34 @@
               <a:buNone/>
             </a:pPr>
             <a:r>
-              <a:rPr lang="en-US" sz="1800" b="1" dirty="0" smtClean="0">
+              <a:rPr lang="en-US" sz="1800" b="1" dirty="0">
                 <a:latin typeface="Courier New" panose="02070309020205020404" pitchFamily="49" charset="0"/>
                 <a:cs typeface="Courier New" panose="02070309020205020404" pitchFamily="49" charset="0"/>
               </a:rPr>
               <a:t>4</a:t>
             </a:r>
             <a:r>
-              <a:rPr lang="en-US" sz="1800" dirty="0" smtClean="0">
+              <a:rPr lang="en-US" sz="1800" dirty="0">
                 <a:latin typeface="Courier New" panose="02070309020205020404" pitchFamily="49" charset="0"/>
                 <a:cs typeface="Courier New" panose="02070309020205020404" pitchFamily="49" charset="0"/>
               </a:rPr>
               <a:t> for each </a:t>
             </a:r>
             <a:r>
-              <a:rPr lang="en-US" sz="2000" b="1" dirty="0" err="1" smtClean="0">
+              <a:rPr lang="en-US" sz="2000" b="1" dirty="0" err="1">
                 <a:latin typeface="Courier New" panose="02070309020205020404" pitchFamily="49" charset="0"/>
                 <a:cs typeface="Courier New" panose="02070309020205020404" pitchFamily="49" charset="0"/>
               </a:rPr>
               <a:t>a</a:t>
             </a:r>
             <a:r>
-              <a:rPr lang="en-US" sz="2000" b="1" baseline="-25000" dirty="0" err="1" smtClean="0">
+              <a:rPr lang="en-US" sz="2000" b="1" baseline="-25000" dirty="0" err="1">
                 <a:latin typeface="Courier New" panose="02070309020205020404" pitchFamily="49" charset="0"/>
                 <a:cs typeface="Courier New" panose="02070309020205020404" pitchFamily="49" charset="0"/>
               </a:rPr>
               <a:t>i</a:t>
             </a:r>
-            <a:endParaRPr lang="en-US" sz="2000" b="1" baseline="-25000" dirty="0" smtClean="0">
+            <a:endParaRPr lang="en-US" sz="2000" b="1" baseline="-25000" dirty="0">
               <a:latin typeface="Courier New" panose="02070309020205020404" pitchFamily="49" charset="0"/>
               <a:cs typeface="Courier New" panose="02070309020205020404" pitchFamily="49" charset="0"/>
             </a:endParaRPr>
@@ -9298,62 +9227,62 @@
               <a:buNone/>
             </a:pPr>
             <a:r>
-              <a:rPr lang="en-US" sz="1800" b="1" dirty="0" smtClean="0">
+              <a:rPr lang="en-US" sz="1800" b="1" dirty="0">
                 <a:latin typeface="Courier New" panose="02070309020205020404" pitchFamily="49" charset="0"/>
                 <a:cs typeface="Courier New" panose="02070309020205020404" pitchFamily="49" charset="0"/>
               </a:rPr>
               <a:t>5</a:t>
             </a:r>
             <a:r>
-              <a:rPr lang="en-US" sz="1800" dirty="0" smtClean="0">
+              <a:rPr lang="en-US" sz="1800" dirty="0">
                 <a:latin typeface="Courier New" panose="02070309020205020404" pitchFamily="49" charset="0"/>
                 <a:cs typeface="Courier New" panose="02070309020205020404" pitchFamily="49" charset="0"/>
               </a:rPr>
               <a:t>   if (max &lt;</a:t>
             </a:r>
             <a:r>
-              <a:rPr lang="en-US" sz="2400" b="1" dirty="0" smtClean="0">
+              <a:rPr lang="en-US" sz="2400" b="1" dirty="0">
                 <a:latin typeface="Courier New" panose="02070309020205020404" pitchFamily="49" charset="0"/>
                 <a:cs typeface="Courier New" panose="02070309020205020404" pitchFamily="49" charset="0"/>
               </a:rPr>
               <a:t> </a:t>
             </a:r>
             <a:r>
-              <a:rPr lang="en-US" sz="2000" b="1" dirty="0" err="1" smtClean="0">
+              <a:rPr lang="en-US" sz="2000" b="1" dirty="0" err="1">
                 <a:latin typeface="Courier New" panose="02070309020205020404" pitchFamily="49" charset="0"/>
                 <a:cs typeface="Courier New" panose="02070309020205020404" pitchFamily="49" charset="0"/>
               </a:rPr>
               <a:t>a</a:t>
             </a:r>
             <a:r>
-              <a:rPr lang="en-US" sz="2000" b="1" baseline="-25000" dirty="0" err="1" smtClean="0">
+              <a:rPr lang="en-US" sz="2000" b="1" baseline="-25000" dirty="0" err="1">
                 <a:latin typeface="Courier New" panose="02070309020205020404" pitchFamily="49" charset="0"/>
                 <a:cs typeface="Courier New" panose="02070309020205020404" pitchFamily="49" charset="0"/>
               </a:rPr>
               <a:t>i</a:t>
             </a:r>
             <a:r>
-              <a:rPr lang="en-US" sz="2400" b="1" dirty="0" smtClean="0">
+              <a:rPr lang="en-US" sz="2400" b="1" dirty="0">
                 <a:latin typeface="Courier New" panose="02070309020205020404" pitchFamily="49" charset="0"/>
                 <a:cs typeface="Courier New" panose="02070309020205020404" pitchFamily="49" charset="0"/>
               </a:rPr>
               <a:t> </a:t>
             </a:r>
             <a:r>
-              <a:rPr lang="en-US" sz="1800" dirty="0" smtClean="0">
+              <a:rPr lang="en-US" sz="1800" dirty="0">
                 <a:latin typeface="Courier New" panose="02070309020205020404" pitchFamily="49" charset="0"/>
                 <a:cs typeface="Courier New" panose="02070309020205020404" pitchFamily="49" charset="0"/>
               </a:rPr>
               <a:t>)  </a:t>
             </a:r>
             <a:br>
-              <a:rPr lang="en-US" sz="1800" dirty="0" smtClean="0">
+              <a:rPr lang="en-US" sz="1800" dirty="0">
                 <a:latin typeface="Courier New" panose="02070309020205020404" pitchFamily="49" charset="0"/>
                 <a:cs typeface="Courier New" panose="02070309020205020404" pitchFamily="49" charset="0"/>
               </a:rPr>
             </a:br>
             <a:r>
-              <a:rPr lang="en-US" sz="2000" dirty="0" smtClean="0">
+              <a:rPr lang="en-US" sz="2000" dirty="0">
                 <a:latin typeface="Courier New" panose="02070309020205020404" pitchFamily="49" charset="0"/>
                 <a:cs typeface="Courier New" panose="02070309020205020404" pitchFamily="49" charset="0"/>
               </a:rPr>
@@ -9422,21 +9351,21 @@
               <a:buNone/>
             </a:pPr>
             <a:r>
-              <a:rPr lang="en-US" sz="1800" b="1" dirty="0" smtClean="0">
+              <a:rPr lang="en-US" sz="1800" b="1" dirty="0">
                 <a:latin typeface="Courier New" panose="02070309020205020404" pitchFamily="49" charset="0"/>
                 <a:cs typeface="Courier New" panose="02070309020205020404" pitchFamily="49" charset="0"/>
               </a:rPr>
               <a:t>6</a:t>
             </a:r>
             <a:r>
-              <a:rPr lang="en-US" sz="1800" dirty="0" smtClean="0">
+              <a:rPr lang="en-US" sz="1800" dirty="0">
                 <a:latin typeface="Courier New" panose="02070309020205020404" pitchFamily="49" charset="0"/>
                 <a:cs typeface="Courier New" panose="02070309020205020404" pitchFamily="49" charset="0"/>
               </a:rPr>
               <a:t> </a:t>
             </a:r>
             <a:r>
-              <a:rPr lang="en-US" sz="2000" b="1" dirty="0" err="1" smtClean="0">
+              <a:rPr lang="en-US" sz="2000" b="1" dirty="0" err="1">
                 <a:solidFill>
                   <a:srgbClr val="00B050"/>
                 </a:solidFill>
@@ -9446,7 +9375,7 @@
               <a:t>printf</a:t>
             </a:r>
             <a:r>
-              <a:rPr lang="en-US" sz="2000" b="1" dirty="0" smtClean="0">
+              <a:rPr lang="en-US" sz="2000" b="1" dirty="0">
                 <a:solidFill>
                   <a:srgbClr val="00B050"/>
                 </a:solidFill>
@@ -9456,7 +9385,7 @@
               <a:t>(“%d\</a:t>
             </a:r>
             <a:r>
-              <a:rPr lang="en-US" sz="2000" b="1" dirty="0" err="1" smtClean="0">
+              <a:rPr lang="en-US" sz="2000" b="1" dirty="0" err="1">
                 <a:solidFill>
                   <a:srgbClr val="00B050"/>
                 </a:solidFill>
@@ -9466,7 +9395,7 @@
               <a:t>n”,max</a:t>
             </a:r>
             <a:r>
-              <a:rPr lang="en-US" sz="2000" b="1" dirty="0" smtClean="0">
+              <a:rPr lang="en-US" sz="2000" b="1" dirty="0">
                 <a:solidFill>
                   <a:srgbClr val="00B050"/>
                 </a:solidFill>
@@ -9475,13 +9404,6 @@
               </a:rPr>
               <a:t>);</a:t>
             </a:r>
-            <a:endParaRPr lang="en-US" sz="2000" b="1" dirty="0">
-              <a:solidFill>
-                <a:srgbClr val="00B050"/>
-              </a:solidFill>
-              <a:latin typeface="Courier New" panose="02070309020205020404" pitchFamily="49" charset="0"/>
-              <a:cs typeface="Courier New" panose="02070309020205020404" pitchFamily="49" charset="0"/>
-            </a:endParaRPr>
           </a:p>
         </p:txBody>
       </p:sp>
@@ -9515,55 +9437,21 @@
           <a:lstStyle/>
           <a:p>
             <a:r>
-              <a:rPr lang="en-US" sz="2800" b="1" dirty="0" smtClean="0">
+              <a:rPr lang="en-US" sz="2800" b="1" dirty="0">
                 <a:solidFill>
                   <a:schemeClr val="accent5"/>
                 </a:solidFill>
               </a:rPr>
               <a:t>a</a:t>
             </a:r>
-            <a:r>
-              <a:rPr lang="en-US" sz="2000" b="1" dirty="0" smtClean="0">
-                <a:solidFill>
-                  <a:schemeClr val="accent5"/>
-                </a:solidFill>
-              </a:rPr>
-              <a:t>  </a:t>
-            </a:r>
-            <a:r>
-              <a:rPr lang="en-US" sz="2000" b="1" dirty="0" smtClean="0">
-                <a:solidFill>
-                  <a:schemeClr val="accent5"/>
-                </a:solidFill>
-                <a:latin typeface="Courier New" panose="02070309020205020404" pitchFamily="49" charset="0"/>
-                <a:cs typeface="Courier New" panose="02070309020205020404" pitchFamily="49" charset="0"/>
-              </a:rPr>
-              <a:t>  8  </a:t>
-            </a:r>
-          </a:p>
-          <a:p>
             <a:r>
               <a:rPr lang="en-US" sz="2000" b="1" dirty="0">
                 <a:solidFill>
                   <a:schemeClr val="accent5"/>
                 </a:solidFill>
-                <a:latin typeface="Courier New" panose="02070309020205020404" pitchFamily="49" charset="0"/>
-                <a:cs typeface="Courier New" panose="02070309020205020404" pitchFamily="49" charset="0"/>
-              </a:rPr>
-              <a:t> </a:t>
-            </a:r>
-            <a:r>
-              <a:rPr lang="en-US" sz="2000" b="1" dirty="0" smtClean="0">
-                <a:solidFill>
-                  <a:schemeClr val="accent5"/>
-                </a:solidFill>
-                <a:latin typeface="Courier New" panose="02070309020205020404" pitchFamily="49" charset="0"/>
-                <a:cs typeface="Courier New" panose="02070309020205020404" pitchFamily="49" charset="0"/>
-              </a:rPr>
-              <a:t>  11</a:t>
-            </a:r>
-          </a:p>
-          <a:p>
+              </a:rPr>
+              <a:t>  </a:t>
+            </a:r>
             <a:r>
               <a:rPr lang="en-US" sz="2000" b="1" dirty="0">
                 <a:solidFill>
@@ -9572,17 +9460,7 @@
                 <a:latin typeface="Courier New" panose="02070309020205020404" pitchFamily="49" charset="0"/>
                 <a:cs typeface="Courier New" panose="02070309020205020404" pitchFamily="49" charset="0"/>
               </a:rPr>
-              <a:t> </a:t>
-            </a:r>
-            <a:r>
-              <a:rPr lang="en-US" sz="2000" b="1" dirty="0" smtClean="0">
-                <a:solidFill>
-                  <a:schemeClr val="accent5"/>
-                </a:solidFill>
-                <a:latin typeface="Courier New" panose="02070309020205020404" pitchFamily="49" charset="0"/>
-                <a:cs typeface="Courier New" panose="02070309020205020404" pitchFamily="49" charset="0"/>
-              </a:rPr>
-              <a:t>   3</a:t>
+              <a:t>  8  </a:t>
             </a:r>
           </a:p>
           <a:p>
@@ -9594,17 +9472,7 @@
                 <a:latin typeface="Courier New" panose="02070309020205020404" pitchFamily="49" charset="0"/>
                 <a:cs typeface="Courier New" panose="02070309020205020404" pitchFamily="49" charset="0"/>
               </a:rPr>
-              <a:t> </a:t>
-            </a:r>
-            <a:r>
-              <a:rPr lang="en-US" sz="2000" b="1" dirty="0" smtClean="0">
-                <a:solidFill>
-                  <a:schemeClr val="accent5"/>
-                </a:solidFill>
-                <a:latin typeface="Courier New" panose="02070309020205020404" pitchFamily="49" charset="0"/>
-                <a:cs typeface="Courier New" panose="02070309020205020404" pitchFamily="49" charset="0"/>
-              </a:rPr>
-              <a:t>   7</a:t>
+              <a:t>   11</a:t>
             </a:r>
           </a:p>
           <a:p>
@@ -9616,17 +9484,7 @@
                 <a:latin typeface="Courier New" panose="02070309020205020404" pitchFamily="49" charset="0"/>
                 <a:cs typeface="Courier New" panose="02070309020205020404" pitchFamily="49" charset="0"/>
               </a:rPr>
-              <a:t> </a:t>
-            </a:r>
-            <a:r>
-              <a:rPr lang="en-US" sz="2000" b="1" dirty="0" smtClean="0">
-                <a:solidFill>
-                  <a:schemeClr val="accent5"/>
-                </a:solidFill>
-                <a:latin typeface="Courier New" panose="02070309020205020404" pitchFamily="49" charset="0"/>
-                <a:cs typeface="Courier New" panose="02070309020205020404" pitchFamily="49" charset="0"/>
-              </a:rPr>
-              <a:t>   8</a:t>
+              <a:t>    3</a:t>
             </a:r>
           </a:p>
           <a:p>
@@ -9638,17 +9496,7 @@
                 <a:latin typeface="Courier New" panose="02070309020205020404" pitchFamily="49" charset="0"/>
                 <a:cs typeface="Courier New" panose="02070309020205020404" pitchFamily="49" charset="0"/>
               </a:rPr>
-              <a:t> </a:t>
-            </a:r>
-            <a:r>
-              <a:rPr lang="en-US" sz="2000" b="1" dirty="0" smtClean="0">
-                <a:solidFill>
-                  <a:schemeClr val="accent5"/>
-                </a:solidFill>
-                <a:latin typeface="Courier New" panose="02070309020205020404" pitchFamily="49" charset="0"/>
-                <a:cs typeface="Courier New" panose="02070309020205020404" pitchFamily="49" charset="0"/>
-              </a:rPr>
-              <a:t>   6</a:t>
+              <a:t>    7</a:t>
             </a:r>
           </a:p>
           <a:p>
@@ -9660,17 +9508,7 @@
                 <a:latin typeface="Courier New" panose="02070309020205020404" pitchFamily="49" charset="0"/>
                 <a:cs typeface="Courier New" panose="02070309020205020404" pitchFamily="49" charset="0"/>
               </a:rPr>
-              <a:t> </a:t>
-            </a:r>
-            <a:r>
-              <a:rPr lang="en-US" sz="2000" b="1" dirty="0" smtClean="0">
-                <a:solidFill>
-                  <a:schemeClr val="accent5"/>
-                </a:solidFill>
-                <a:latin typeface="Courier New" panose="02070309020205020404" pitchFamily="49" charset="0"/>
-                <a:cs typeface="Courier New" panose="02070309020205020404" pitchFamily="49" charset="0"/>
-              </a:rPr>
-              <a:t>  12</a:t>
+              <a:t>    8</a:t>
             </a:r>
           </a:p>
           <a:p>
@@ -9682,17 +9520,7 @@
                 <a:latin typeface="Courier New" panose="02070309020205020404" pitchFamily="49" charset="0"/>
                 <a:cs typeface="Courier New" panose="02070309020205020404" pitchFamily="49" charset="0"/>
               </a:rPr>
-              <a:t> </a:t>
-            </a:r>
-            <a:r>
-              <a:rPr lang="en-US" sz="2000" b="1" dirty="0" smtClean="0">
-                <a:solidFill>
-                  <a:schemeClr val="accent5"/>
-                </a:solidFill>
-                <a:latin typeface="Courier New" panose="02070309020205020404" pitchFamily="49" charset="0"/>
-                <a:cs typeface="Courier New" panose="02070309020205020404" pitchFamily="49" charset="0"/>
-              </a:rPr>
-              <a:t>  15</a:t>
+              <a:t>    6</a:t>
             </a:r>
           </a:p>
           <a:p>
@@ -9704,17 +9532,7 @@
                 <a:latin typeface="Courier New" panose="02070309020205020404" pitchFamily="49" charset="0"/>
                 <a:cs typeface="Courier New" panose="02070309020205020404" pitchFamily="49" charset="0"/>
               </a:rPr>
-              <a:t> </a:t>
-            </a:r>
-            <a:r>
-              <a:rPr lang="en-US" sz="2000" b="1" dirty="0" smtClean="0">
-                <a:solidFill>
-                  <a:schemeClr val="accent5"/>
-                </a:solidFill>
-                <a:latin typeface="Courier New" panose="02070309020205020404" pitchFamily="49" charset="0"/>
-                <a:cs typeface="Courier New" panose="02070309020205020404" pitchFamily="49" charset="0"/>
-              </a:rPr>
-              <a:t>   3</a:t>
+              <a:t>   12</a:t>
             </a:r>
           </a:p>
           <a:p>
@@ -9726,31 +9544,40 @@
                 <a:latin typeface="Courier New" panose="02070309020205020404" pitchFamily="49" charset="0"/>
                 <a:cs typeface="Courier New" panose="02070309020205020404" pitchFamily="49" charset="0"/>
               </a:rPr>
-              <a:t> </a:t>
-            </a:r>
-            <a:r>
-              <a:rPr lang="en-US" sz="2000" b="1" dirty="0" smtClean="0">
+              <a:t>   15</a:t>
+            </a:r>
+          </a:p>
+          <a:p>
+            <a:r>
+              <a:rPr lang="en-US" sz="2000" b="1" dirty="0">
                 <a:solidFill>
                   <a:schemeClr val="accent5"/>
                 </a:solidFill>
                 <a:latin typeface="Courier New" panose="02070309020205020404" pitchFamily="49" charset="0"/>
                 <a:cs typeface="Courier New" panose="02070309020205020404" pitchFamily="49" charset="0"/>
               </a:rPr>
-              <a:t>   2</a:t>
-            </a:r>
-            <a:r>
-              <a:rPr lang="en-US" dirty="0" smtClean="0">
+              <a:t>    3</a:t>
+            </a:r>
+          </a:p>
+          <a:p>
+            <a:r>
+              <a:rPr lang="en-US" sz="2000" b="1" dirty="0">
                 <a:solidFill>
                   <a:schemeClr val="accent5"/>
                 </a:solidFill>
+                <a:latin typeface="Courier New" panose="02070309020205020404" pitchFamily="49" charset="0"/>
+                <a:cs typeface="Courier New" panose="02070309020205020404" pitchFamily="49" charset="0"/>
+              </a:rPr>
+              <a:t>    2</a:t>
+            </a:r>
+            <a:r>
+              <a:rPr lang="en-US" dirty="0">
+                <a:solidFill>
+                  <a:schemeClr val="accent5"/>
+                </a:solidFill>
               </a:rPr>
               <a:t>  </a:t>
             </a:r>
-            <a:endParaRPr lang="en-US" dirty="0">
-              <a:solidFill>
-                <a:schemeClr val="accent5"/>
-              </a:solidFill>
-            </a:endParaRPr>
           </a:p>
         </p:txBody>
       </p:sp>
@@ -9777,7 +9604,7 @@
           <a:lstStyle/>
           <a:p>
             <a:r>
-              <a:rPr lang="en-US" sz="2800" b="1" dirty="0" smtClean="0">
+              <a:rPr lang="en-US" sz="2800" b="1" dirty="0">
                 <a:solidFill>
                   <a:schemeClr val="accent2">
                     <a:lumMod val="75000"/>
@@ -10102,7 +9929,7 @@
           <a:p>
             <a:pPr algn="ctr"/>
             <a:r>
-              <a:rPr lang="en-US" sz="2000" b="1" dirty="0" smtClean="0">
+              <a:rPr lang="en-US" sz="2000" b="1" dirty="0">
                 <a:solidFill>
                   <a:schemeClr val="accent2"/>
                 </a:solidFill>
@@ -10111,13 +9938,6 @@
               </a:rPr>
               <a:t>?</a:t>
             </a:r>
-            <a:endParaRPr lang="en-US" sz="2000" b="1" dirty="0">
-              <a:solidFill>
-                <a:schemeClr val="accent2"/>
-              </a:solidFill>
-              <a:latin typeface="Courier New" panose="02070309020205020404" pitchFamily="49" charset="0"/>
-              <a:cs typeface="Courier New" panose="02070309020205020404" pitchFamily="49" charset="0"/>
-            </a:endParaRPr>
           </a:p>
         </p:txBody>
       </p:sp>
@@ -10213,7 +10033,7 @@
           <a:p>
             <a:pPr algn="ctr"/>
             <a:r>
-              <a:rPr lang="en-US" sz="2000" b="1" dirty="0" smtClean="0">
+              <a:rPr lang="en-US" sz="2000" b="1" dirty="0">
                 <a:solidFill>
                   <a:schemeClr val="accent2"/>
                 </a:solidFill>
@@ -10222,13 +10042,6 @@
               </a:rPr>
               <a:t>11</a:t>
             </a:r>
-            <a:endParaRPr lang="en-US" sz="2000" b="1" dirty="0">
-              <a:solidFill>
-                <a:schemeClr val="accent2"/>
-              </a:solidFill>
-              <a:latin typeface="Courier New" panose="02070309020205020404" pitchFamily="49" charset="0"/>
-              <a:cs typeface="Courier New" panose="02070309020205020404" pitchFamily="49" charset="0"/>
-            </a:endParaRPr>
           </a:p>
         </p:txBody>
       </p:sp>
@@ -10272,7 +10085,7 @@
           <a:p>
             <a:pPr algn="ctr"/>
             <a:r>
-              <a:rPr lang="en-US" sz="2000" b="1" dirty="0" smtClean="0">
+              <a:rPr lang="en-US" sz="2000" b="1" dirty="0">
                 <a:solidFill>
                   <a:schemeClr val="accent2"/>
                 </a:solidFill>
@@ -10281,13 +10094,6 @@
               </a:rPr>
               <a:t>12</a:t>
             </a:r>
-            <a:endParaRPr lang="en-US" sz="2000" b="1" dirty="0">
-              <a:solidFill>
-                <a:schemeClr val="accent2"/>
-              </a:solidFill>
-              <a:latin typeface="Courier New" panose="02070309020205020404" pitchFamily="49" charset="0"/>
-              <a:cs typeface="Courier New" panose="02070309020205020404" pitchFamily="49" charset="0"/>
-            </a:endParaRPr>
           </a:p>
         </p:txBody>
       </p:sp>
@@ -10331,7 +10137,7 @@
           <a:p>
             <a:pPr algn="ctr"/>
             <a:r>
-              <a:rPr lang="en-US" sz="2000" b="1" dirty="0" smtClean="0">
+              <a:rPr lang="en-US" sz="2000" b="1" dirty="0">
                 <a:solidFill>
                   <a:schemeClr val="accent2"/>
                 </a:solidFill>
@@ -10340,13 +10146,6 @@
               </a:rPr>
               <a:t>15</a:t>
             </a:r>
-            <a:endParaRPr lang="en-US" sz="2000" b="1" dirty="0">
-              <a:solidFill>
-                <a:schemeClr val="accent2"/>
-              </a:solidFill>
-              <a:latin typeface="Courier New" panose="02070309020205020404" pitchFamily="49" charset="0"/>
-              <a:cs typeface="Courier New" panose="02070309020205020404" pitchFamily="49" charset="0"/>
-            </a:endParaRPr>
           </a:p>
         </p:txBody>
       </p:sp>
@@ -10403,7 +10202,7 @@
           <a:lstStyle/>
           <a:p>
             <a:r>
-              <a:rPr lang="en-US" sz="2000" b="1" dirty="0" smtClean="0">
+              <a:rPr lang="en-US" sz="2000" b="1" dirty="0">
                 <a:solidFill>
                   <a:srgbClr val="00B050"/>
                 </a:solidFill>
@@ -10412,13 +10211,6 @@
               </a:rPr>
               <a:t>15</a:t>
             </a:r>
-            <a:endParaRPr lang="en-US" sz="2000" b="1" dirty="0">
-              <a:solidFill>
-                <a:srgbClr val="00B050"/>
-              </a:solidFill>
-              <a:latin typeface="Courier New" panose="02070309020205020404" pitchFamily="49" charset="0"/>
-              <a:cs typeface="Courier New" panose="02070309020205020404" pitchFamily="49" charset="0"/>
-            </a:endParaRPr>
           </a:p>
         </p:txBody>
       </p:sp>
@@ -10481,14 +10273,11 @@
           <a:lstStyle/>
           <a:p>
             <a:r>
-              <a:rPr lang="en-US" i="1" dirty="0" smtClean="0">
+              <a:rPr lang="en-US" i="1" dirty="0">
                 <a:latin typeface="Garamond" panose="02020404030301010803" pitchFamily="18" charset="0"/>
               </a:rPr>
               <a:t>NB: For ease of explanation, this is not a real C program, but close to one.</a:t>
             </a:r>
-            <a:endParaRPr lang="en-US" i="1" dirty="0">
-              <a:latin typeface="Garamond" panose="02020404030301010803" pitchFamily="18" charset="0"/>
-            </a:endParaRPr>
           </a:p>
         </p:txBody>
       </p:sp>
@@ -10853,7 +10642,7 @@
 </p:sld>
 </file>
 
-<file path=ppt/slides/slide18.xml><?xml version="1.0" encoding="utf-8"?>
+<file path=ppt/slides/slide19.xml><?xml version="1.0" encoding="utf-8"?>
 <p:sld xmlns:a="http://schemas.openxmlformats.org/drawingml/2006/main" xmlns:r="http://schemas.openxmlformats.org/officeDocument/2006/relationships" xmlns:p="http://schemas.openxmlformats.org/presentationml/2006/main">
   <p:cSld>
     <p:spTree>
@@ -10886,10 +10675,9 @@
           <a:lstStyle/>
           <a:p>
             <a:r>
-              <a:rPr lang="en-US" dirty="0" smtClean="0"/>
+              <a:rPr lang="en-US" dirty="0"/>
               <a:t>Some things to notice about C</a:t>
             </a:r>
-            <a:endParaRPr lang="en-US" dirty="0"/>
           </a:p>
         </p:txBody>
       </p:sp>
@@ -10911,99 +10699,99 @@
           <a:lstStyle/>
           <a:p>
             <a:r>
-              <a:rPr lang="en-US" dirty="0" smtClean="0"/>
+              <a:rPr lang="en-US" dirty="0"/>
               <a:t>In C all simple statements have a semi-colon ‘;’ in the end.</a:t>
             </a:r>
           </a:p>
           <a:p>
             <a:r>
-              <a:rPr lang="en-US" dirty="0" smtClean="0"/>
+              <a:rPr lang="en-US" dirty="0"/>
               <a:t>Spaces matter, but C is mostly flexible. (It is also flexible with newlines as well.)</a:t>
             </a:r>
           </a:p>
           <a:p>
             <a:r>
-              <a:rPr lang="en-US" dirty="0" smtClean="0"/>
+              <a:rPr lang="en-US" dirty="0"/>
               <a:t>C is extremely case sensitive. Lower-case is very common.</a:t>
             </a:r>
           </a:p>
           <a:p>
             <a:r>
-              <a:rPr lang="en-US" dirty="0" smtClean="0"/>
+              <a:rPr lang="en-US" dirty="0"/>
               <a:t>We use normal arithmetic operations.</a:t>
             </a:r>
           </a:p>
           <a:p>
             <a:r>
-              <a:rPr lang="en-US" dirty="0" err="1" smtClean="0">
+              <a:rPr lang="en-US" dirty="0" err="1">
                 <a:latin typeface="Courier New" panose="02070309020205020404" pitchFamily="49" charset="0"/>
                 <a:cs typeface="Courier New" panose="02070309020205020404" pitchFamily="49" charset="0"/>
               </a:rPr>
               <a:t>printf</a:t>
             </a:r>
             <a:r>
-              <a:rPr lang="en-US" dirty="0" smtClean="0">
+              <a:rPr lang="en-US" dirty="0">
                 <a:latin typeface="Courier New" panose="02070309020205020404" pitchFamily="49" charset="0"/>
                 <a:cs typeface="Courier New" panose="02070309020205020404" pitchFamily="49" charset="0"/>
               </a:rPr>
               <a:t>()</a:t>
             </a:r>
             <a:r>
-              <a:rPr lang="en-US" dirty="0" smtClean="0">
+              <a:rPr lang="en-US" dirty="0">
                 <a:cs typeface="Courier New" panose="02070309020205020404" pitchFamily="49" charset="0"/>
               </a:rPr>
               <a:t> function </a:t>
             </a:r>
             <a:r>
-              <a:rPr lang="en-US" dirty="0" smtClean="0"/>
+              <a:rPr lang="en-US" dirty="0"/>
               <a:t>call helps us print out something</a:t>
             </a:r>
             <a:r>
-              <a:rPr lang="en-US" i="1" dirty="0" smtClean="0"/>
+              <a:rPr lang="en-US" i="1" dirty="0"/>
               <a:t>. If we don’t print, </a:t>
             </a:r>
             <a:r>
-              <a:rPr lang="en-US" dirty="0" smtClean="0"/>
+              <a:rPr lang="en-US" dirty="0"/>
               <a:t>then we wont </a:t>
             </a:r>
             <a:r>
-              <a:rPr lang="en-US" b="1" dirty="0" smtClean="0"/>
+              <a:rPr lang="en-US" b="1" dirty="0"/>
               <a:t>see</a:t>
             </a:r>
             <a:r>
-              <a:rPr lang="en-US" dirty="0" smtClean="0"/>
+              <a:rPr lang="en-US" dirty="0"/>
               <a:t> anything </a:t>
             </a:r>
             <a:r>
-              <a:rPr lang="en-US" b="1" dirty="0" smtClean="0"/>
+              <a:rPr lang="en-US" b="1" dirty="0"/>
               <a:t>on the screen</a:t>
             </a:r>
             <a:r>
-              <a:rPr lang="en-US" dirty="0" smtClean="0"/>
+              <a:rPr lang="en-US" dirty="0"/>
               <a:t>, though the program may </a:t>
             </a:r>
             <a:r>
-              <a:rPr lang="en-US" b="1" dirty="0" smtClean="0"/>
+              <a:rPr lang="en-US" b="1" dirty="0"/>
               <a:t>do</a:t>
             </a:r>
             <a:r>
-              <a:rPr lang="en-US" dirty="0" smtClean="0"/>
+              <a:rPr lang="en-US" dirty="0"/>
               <a:t> things.</a:t>
             </a:r>
           </a:p>
           <a:p>
             <a:r>
-              <a:rPr lang="en-US" dirty="0" smtClean="0"/>
+              <a:rPr lang="en-US" dirty="0"/>
               <a:t>Variables are memory locations. They can have any reasonable (even long) name.</a:t>
             </a:r>
           </a:p>
           <a:p>
             <a:r>
-              <a:rPr lang="en-US" dirty="0" smtClean="0"/>
+              <a:rPr lang="en-US" dirty="0"/>
               <a:t>Statements often change values of variables. See </a:t>
             </a:r>
             <a:r>
-              <a:rPr lang="en-US" dirty="0" err="1" smtClean="0">
+              <a:rPr lang="en-US" dirty="0" err="1">
                 <a:latin typeface="Courier New" panose="02070309020205020404" pitchFamily="49" charset="0"/>
                 <a:cs typeface="Courier New" panose="02070309020205020404" pitchFamily="49" charset="0"/>
               </a:rPr>
@@ -11062,443 +10850,6 @@
   <p:clrMapOvr>
     <a:masterClrMapping/>
   </p:clrMapOvr>
-  <p:timing>
-    <p:tnLst>
-      <p:par>
-        <p:cTn id="1" dur="indefinite" restart="never" nodeType="tmRoot"/>
-      </p:par>
-    </p:tnLst>
-  </p:timing>
-</p:sld>
-</file>
-
-<file path=ppt/slides/slide19.xml><?xml version="1.0" encoding="utf-8"?>
-<p:sld xmlns:a="http://schemas.openxmlformats.org/drawingml/2006/main" xmlns:r="http://schemas.openxmlformats.org/officeDocument/2006/relationships" xmlns:p="http://schemas.openxmlformats.org/presentationml/2006/main">
-  <p:cSld>
-    <p:spTree>
-      <p:nvGrpSpPr>
-        <p:cNvPr id="1" name=""/>
-        <p:cNvGrpSpPr/>
-        <p:nvPr/>
-      </p:nvGrpSpPr>
-      <p:grpSpPr>
-        <a:xfrm>
-          <a:off x="0" y="0"/>
-          <a:ext cx="0" cy="0"/>
-          <a:chOff x="0" y="0"/>
-          <a:chExt cx="0" cy="0"/>
-        </a:xfrm>
-      </p:grpSpPr>
-      <p:sp>
-        <p:nvSpPr>
-          <p:cNvPr id="2" name="Title 1"/>
-          <p:cNvSpPr>
-            <a:spLocks noGrp="1"/>
-          </p:cNvSpPr>
-          <p:nvPr>
-            <p:ph type="title"/>
-          </p:nvPr>
-        </p:nvSpPr>
-        <p:spPr/>
-        <p:txBody>
-          <a:bodyPr/>
-          <a:lstStyle/>
-          <a:p>
-            <a:r>
-              <a:rPr lang="en-US" dirty="0" smtClean="0"/>
-              <a:t>The idea of a function</a:t>
-            </a:r>
-            <a:endParaRPr lang="en-US" dirty="0"/>
-          </a:p>
-        </p:txBody>
-      </p:sp>
-      <p:sp>
-        <p:nvSpPr>
-          <p:cNvPr id="6" name="Content Placeholder 5"/>
-          <p:cNvSpPr>
-            <a:spLocks noGrp="1"/>
-          </p:cNvSpPr>
-          <p:nvPr>
-            <p:ph idx="1"/>
-          </p:nvPr>
-        </p:nvSpPr>
-        <p:spPr>
-          <a:xfrm>
-            <a:off x="838200" y="1825624"/>
-            <a:ext cx="10515600" cy="4691908"/>
-          </a:xfrm>
-        </p:spPr>
-        <p:txBody>
-          <a:bodyPr>
-            <a:normAutofit lnSpcReduction="10000"/>
-          </a:bodyPr>
-          <a:lstStyle/>
-          <a:p>
-            <a:r>
-              <a:rPr lang="en-US" dirty="0" smtClean="0"/>
-              <a:t>Every C program has statements, most of them saying what to do to memory locations.</a:t>
-            </a:r>
-          </a:p>
-          <a:p>
-            <a:r>
-              <a:rPr lang="en-US" dirty="0" smtClean="0"/>
-              <a:t>The statements are grouped together in chunks for special reasons. These chunks are called </a:t>
-            </a:r>
-            <a:r>
-              <a:rPr lang="en-US" b="1" dirty="0" smtClean="0"/>
-              <a:t>functions</a:t>
-            </a:r>
-            <a:r>
-              <a:rPr lang="en-US" dirty="0" smtClean="0"/>
-              <a:t>. </a:t>
-            </a:r>
-            <a:r>
-              <a:rPr lang="en-US" dirty="0" err="1" smtClean="0"/>
-              <a:t>Eg</a:t>
-            </a:r>
-            <a:r>
-              <a:rPr lang="en-US" dirty="0" smtClean="0"/>
-              <a:t>.</a:t>
-            </a:r>
-          </a:p>
-          <a:p>
-            <a:pPr marL="0" indent="0">
-              <a:buNone/>
-            </a:pPr>
-            <a:r>
-              <a:rPr lang="en-US" i="1" dirty="0" smtClean="0"/>
-              <a:t>// function defined</a:t>
-            </a:r>
-            <a:r>
-              <a:rPr lang="en-US" dirty="0" smtClean="0"/>
-              <a:t> </a:t>
-            </a:r>
-            <a:r>
-              <a:rPr lang="en-US" dirty="0" smtClean="0">
-                <a:latin typeface="Courier New" panose="02070309020205020404" pitchFamily="49" charset="0"/>
-                <a:cs typeface="Courier New" panose="02070309020205020404" pitchFamily="49" charset="0"/>
-              </a:rPr>
-              <a:t>main()</a:t>
-            </a:r>
-            <a:r>
-              <a:rPr lang="en-US" dirty="0" smtClean="0"/>
-              <a:t>                    </a:t>
-            </a:r>
-            <a:r>
-              <a:rPr lang="en-US" i="1" dirty="0" smtClean="0"/>
-              <a:t>// function defined </a:t>
-            </a:r>
-            <a:r>
-              <a:rPr lang="en-US" dirty="0" smtClean="0">
-                <a:latin typeface="Courier New" panose="02070309020205020404" pitchFamily="49" charset="0"/>
-                <a:cs typeface="Courier New" panose="02070309020205020404" pitchFamily="49" charset="0"/>
-              </a:rPr>
-              <a:t>max()</a:t>
-            </a:r>
-            <a:r>
-              <a:rPr lang="en-US" dirty="0" smtClean="0"/>
-              <a:t/>
-            </a:r>
-            <a:br>
-              <a:rPr lang="en-US" dirty="0" smtClean="0"/>
-            </a:br>
-            <a:r>
-              <a:rPr lang="en-US" sz="2400" dirty="0" smtClean="0">
-                <a:latin typeface="Courier New" panose="02070309020205020404" pitchFamily="49" charset="0"/>
-                <a:cs typeface="Courier New" panose="02070309020205020404" pitchFamily="49" charset="0"/>
-              </a:rPr>
-              <a:t>void main() </a:t>
-            </a:r>
-            <a:r>
-              <a:rPr lang="en-US" sz="2400" b="1" dirty="0" smtClean="0">
-                <a:latin typeface="Courier New" panose="02070309020205020404" pitchFamily="49" charset="0"/>
-                <a:cs typeface="Courier New" panose="02070309020205020404" pitchFamily="49" charset="0"/>
-              </a:rPr>
-              <a:t>{ </a:t>
-            </a:r>
-            <a:r>
-              <a:rPr lang="en-US" sz="2400" dirty="0" smtClean="0">
-                <a:latin typeface="Courier New" panose="02070309020205020404" pitchFamily="49" charset="0"/>
-                <a:cs typeface="Courier New" panose="02070309020205020404" pitchFamily="49" charset="0"/>
-              </a:rPr>
-              <a:t>               </a:t>
-            </a:r>
-            <a:r>
-              <a:rPr lang="en-US" sz="2400" dirty="0" err="1" smtClean="0">
-                <a:latin typeface="Courier New" panose="02070309020205020404" pitchFamily="49" charset="0"/>
-                <a:cs typeface="Courier New" panose="02070309020205020404" pitchFamily="49" charset="0"/>
-              </a:rPr>
-              <a:t>int</a:t>
-            </a:r>
-            <a:r>
-              <a:rPr lang="en-US" sz="2400" dirty="0" smtClean="0">
-                <a:latin typeface="Courier New" panose="02070309020205020404" pitchFamily="49" charset="0"/>
-                <a:cs typeface="Courier New" panose="02070309020205020404" pitchFamily="49" charset="0"/>
-              </a:rPr>
-              <a:t> max(</a:t>
-            </a:r>
-            <a:r>
-              <a:rPr lang="en-US" sz="2400" dirty="0" err="1" smtClean="0">
-                <a:latin typeface="Courier New" panose="02070309020205020404" pitchFamily="49" charset="0"/>
-                <a:cs typeface="Courier New" panose="02070309020205020404" pitchFamily="49" charset="0"/>
-              </a:rPr>
-              <a:t>int</a:t>
-            </a:r>
-            <a:r>
-              <a:rPr lang="en-US" sz="2400" dirty="0" smtClean="0">
-                <a:latin typeface="Courier New" panose="02070309020205020404" pitchFamily="49" charset="0"/>
-                <a:cs typeface="Courier New" panose="02070309020205020404" pitchFamily="49" charset="0"/>
-              </a:rPr>
-              <a:t> </a:t>
-            </a:r>
-            <a:r>
-              <a:rPr lang="en-US" sz="2400" dirty="0" err="1" smtClean="0">
-                <a:latin typeface="Courier New" panose="02070309020205020404" pitchFamily="49" charset="0"/>
-                <a:cs typeface="Courier New" panose="02070309020205020404" pitchFamily="49" charset="0"/>
-              </a:rPr>
-              <a:t>i</a:t>
-            </a:r>
-            <a:r>
-              <a:rPr lang="en-US" sz="2400" dirty="0" smtClean="0">
-                <a:latin typeface="Courier New" panose="02070309020205020404" pitchFamily="49" charset="0"/>
-                <a:cs typeface="Courier New" panose="02070309020205020404" pitchFamily="49" charset="0"/>
-              </a:rPr>
-              <a:t>, </a:t>
-            </a:r>
-            <a:r>
-              <a:rPr lang="en-US" sz="2400" dirty="0" err="1" smtClean="0">
-                <a:latin typeface="Courier New" panose="02070309020205020404" pitchFamily="49" charset="0"/>
-                <a:cs typeface="Courier New" panose="02070309020205020404" pitchFamily="49" charset="0"/>
-              </a:rPr>
-              <a:t>int</a:t>
-            </a:r>
-            <a:r>
-              <a:rPr lang="en-US" sz="2400" dirty="0" smtClean="0">
-                <a:latin typeface="Courier New" panose="02070309020205020404" pitchFamily="49" charset="0"/>
-                <a:cs typeface="Courier New" panose="02070309020205020404" pitchFamily="49" charset="0"/>
-              </a:rPr>
-              <a:t> j)</a:t>
-            </a:r>
-            <a:r>
-              <a:rPr lang="en-US" sz="2400" b="1" dirty="0">
-                <a:latin typeface="Courier New" panose="02070309020205020404" pitchFamily="49" charset="0"/>
-                <a:cs typeface="Courier New" panose="02070309020205020404" pitchFamily="49" charset="0"/>
-              </a:rPr>
-              <a:t>{</a:t>
-            </a:r>
-            <a:r>
-              <a:rPr lang="en-US" sz="2400" dirty="0" smtClean="0">
-                <a:latin typeface="Courier New" panose="02070309020205020404" pitchFamily="49" charset="0"/>
-                <a:cs typeface="Courier New" panose="02070309020205020404" pitchFamily="49" charset="0"/>
-              </a:rPr>
-              <a:t/>
-            </a:r>
-            <a:br>
-              <a:rPr lang="en-US" sz="2400" dirty="0" smtClean="0">
-                <a:latin typeface="Courier New" panose="02070309020205020404" pitchFamily="49" charset="0"/>
-                <a:cs typeface="Courier New" panose="02070309020205020404" pitchFamily="49" charset="0"/>
-              </a:rPr>
-            </a:br>
-            <a:r>
-              <a:rPr lang="en-US" sz="2400" dirty="0" smtClean="0">
-                <a:latin typeface="Courier New" panose="02070309020205020404" pitchFamily="49" charset="0"/>
-                <a:cs typeface="Courier New" panose="02070309020205020404" pitchFamily="49" charset="0"/>
-              </a:rPr>
-              <a:t>    </a:t>
-            </a:r>
-            <a:r>
-              <a:rPr lang="en-US" sz="2400" dirty="0" err="1" smtClean="0">
-                <a:latin typeface="Courier New" panose="02070309020205020404" pitchFamily="49" charset="0"/>
-                <a:cs typeface="Courier New" panose="02070309020205020404" pitchFamily="49" charset="0"/>
-              </a:rPr>
-              <a:t>int</a:t>
-            </a:r>
-            <a:r>
-              <a:rPr lang="en-US" sz="2400" dirty="0" smtClean="0">
-                <a:latin typeface="Courier New" panose="02070309020205020404" pitchFamily="49" charset="0"/>
-                <a:cs typeface="Courier New" panose="02070309020205020404" pitchFamily="49" charset="0"/>
-              </a:rPr>
-              <a:t> x;                        if (</a:t>
-            </a:r>
-            <a:r>
-              <a:rPr lang="en-US" sz="2400" dirty="0" err="1" smtClean="0">
-                <a:latin typeface="Courier New" panose="02070309020205020404" pitchFamily="49" charset="0"/>
-                <a:cs typeface="Courier New" panose="02070309020205020404" pitchFamily="49" charset="0"/>
-              </a:rPr>
-              <a:t>i</a:t>
-            </a:r>
-            <a:r>
-              <a:rPr lang="en-US" sz="2400" dirty="0" smtClean="0">
-                <a:latin typeface="Courier New" panose="02070309020205020404" pitchFamily="49" charset="0"/>
-                <a:cs typeface="Courier New" panose="02070309020205020404" pitchFamily="49" charset="0"/>
-              </a:rPr>
-              <a:t> &gt; j)</a:t>
-            </a:r>
-            <a:br>
-              <a:rPr lang="en-US" sz="2400" dirty="0" smtClean="0">
-                <a:latin typeface="Courier New" panose="02070309020205020404" pitchFamily="49" charset="0"/>
-                <a:cs typeface="Courier New" panose="02070309020205020404" pitchFamily="49" charset="0"/>
-              </a:rPr>
-            </a:br>
-            <a:r>
-              <a:rPr lang="en-US" sz="2400" dirty="0" smtClean="0">
-                <a:latin typeface="Courier New" panose="02070309020205020404" pitchFamily="49" charset="0"/>
-                <a:cs typeface="Courier New" panose="02070309020205020404" pitchFamily="49" charset="0"/>
-              </a:rPr>
-              <a:t>    x = 1023 + 4097;                  return </a:t>
-            </a:r>
-            <a:r>
-              <a:rPr lang="en-US" sz="2400" dirty="0" err="1" smtClean="0">
-                <a:latin typeface="Courier New" panose="02070309020205020404" pitchFamily="49" charset="0"/>
-                <a:cs typeface="Courier New" panose="02070309020205020404" pitchFamily="49" charset="0"/>
-              </a:rPr>
-              <a:t>i</a:t>
-            </a:r>
-            <a:r>
-              <a:rPr lang="en-US" sz="2400" dirty="0" smtClean="0">
-                <a:latin typeface="Courier New" panose="02070309020205020404" pitchFamily="49" charset="0"/>
-                <a:cs typeface="Courier New" panose="02070309020205020404" pitchFamily="49" charset="0"/>
-              </a:rPr>
-              <a:t>;</a:t>
-            </a:r>
-            <a:br>
-              <a:rPr lang="en-US" sz="2400" dirty="0" smtClean="0">
-                <a:latin typeface="Courier New" panose="02070309020205020404" pitchFamily="49" charset="0"/>
-                <a:cs typeface="Courier New" panose="02070309020205020404" pitchFamily="49" charset="0"/>
-              </a:rPr>
-            </a:br>
-            <a:r>
-              <a:rPr lang="en-US" sz="2400" dirty="0" smtClean="0">
-                <a:latin typeface="Courier New" panose="02070309020205020404" pitchFamily="49" charset="0"/>
-                <a:cs typeface="Courier New" panose="02070309020205020404" pitchFamily="49" charset="0"/>
-              </a:rPr>
-              <a:t>    </a:t>
-            </a:r>
-            <a:r>
-              <a:rPr lang="en-US" sz="2400" dirty="0" err="1" smtClean="0">
-                <a:latin typeface="Courier New" panose="02070309020205020404" pitchFamily="49" charset="0"/>
-                <a:cs typeface="Courier New" panose="02070309020205020404" pitchFamily="49" charset="0"/>
-              </a:rPr>
-              <a:t>printf</a:t>
-            </a:r>
-            <a:r>
-              <a:rPr lang="en-US" sz="2400" dirty="0" smtClean="0">
-                <a:latin typeface="Courier New" panose="02070309020205020404" pitchFamily="49" charset="0"/>
-                <a:cs typeface="Courier New" panose="02070309020205020404" pitchFamily="49" charset="0"/>
-              </a:rPr>
-              <a:t>(“%d\</a:t>
-            </a:r>
-            <a:r>
-              <a:rPr lang="en-US" sz="2400" dirty="0" err="1" smtClean="0">
-                <a:latin typeface="Courier New" panose="02070309020205020404" pitchFamily="49" charset="0"/>
-                <a:cs typeface="Courier New" panose="02070309020205020404" pitchFamily="49" charset="0"/>
-              </a:rPr>
-              <a:t>n”,x</a:t>
-            </a:r>
-            <a:r>
-              <a:rPr lang="en-US" sz="2400" dirty="0" smtClean="0">
-                <a:latin typeface="Courier New" panose="02070309020205020404" pitchFamily="49" charset="0"/>
-                <a:cs typeface="Courier New" panose="02070309020205020404" pitchFamily="49" charset="0"/>
-              </a:rPr>
-              <a:t>);              else</a:t>
-            </a:r>
-            <a:br>
-              <a:rPr lang="en-US" sz="2400" dirty="0" smtClean="0">
-                <a:latin typeface="Courier New" panose="02070309020205020404" pitchFamily="49" charset="0"/>
-                <a:cs typeface="Courier New" panose="02070309020205020404" pitchFamily="49" charset="0"/>
-              </a:rPr>
-            </a:br>
-            <a:r>
-              <a:rPr lang="en-US" sz="2400" b="1" dirty="0" smtClean="0">
-                <a:latin typeface="Courier New" panose="02070309020205020404" pitchFamily="49" charset="0"/>
-                <a:cs typeface="Courier New" panose="02070309020205020404" pitchFamily="49" charset="0"/>
-              </a:rPr>
-              <a:t>} </a:t>
-            </a:r>
-            <a:r>
-              <a:rPr lang="en-US" sz="2400" dirty="0" smtClean="0">
-                <a:latin typeface="Courier New" panose="02070309020205020404" pitchFamily="49" charset="0"/>
-                <a:cs typeface="Courier New" panose="02070309020205020404" pitchFamily="49" charset="0"/>
-              </a:rPr>
-              <a:t>                                    return j;</a:t>
-            </a:r>
-          </a:p>
-          <a:p>
-            <a:pPr marL="0" indent="0">
-              <a:buNone/>
-            </a:pPr>
-            <a:r>
-              <a:rPr lang="en-US" sz="2400" dirty="0">
-                <a:latin typeface="Courier New" panose="02070309020205020404" pitchFamily="49" charset="0"/>
-                <a:cs typeface="Courier New" panose="02070309020205020404" pitchFamily="49" charset="0"/>
-              </a:rPr>
-              <a:t> </a:t>
-            </a:r>
-            <a:r>
-              <a:rPr lang="en-US" sz="2400" dirty="0" smtClean="0">
-                <a:latin typeface="Courier New" panose="02070309020205020404" pitchFamily="49" charset="0"/>
-                <a:cs typeface="Courier New" panose="02070309020205020404" pitchFamily="49" charset="0"/>
-              </a:rPr>
-              <a:t>                           </a:t>
-            </a:r>
-            <a:r>
-              <a:rPr lang="en-US" sz="2400" b="1" dirty="0">
-                <a:latin typeface="Courier New" panose="02070309020205020404" pitchFamily="49" charset="0"/>
-                <a:cs typeface="Courier New" panose="02070309020205020404" pitchFamily="49" charset="0"/>
-              </a:rPr>
-              <a:t> }</a:t>
-            </a:r>
-          </a:p>
-          <a:p>
-            <a:r>
-              <a:rPr lang="en-US" sz="2400" dirty="0" smtClean="0">
-                <a:cs typeface="Courier New" panose="02070309020205020404" pitchFamily="49" charset="0"/>
-              </a:rPr>
-              <a:t>Notice how flower brackets are used to group statements – that is called a block.</a:t>
-            </a:r>
-            <a:br>
-              <a:rPr lang="en-US" sz="2400" dirty="0" smtClean="0">
-                <a:cs typeface="Courier New" panose="02070309020205020404" pitchFamily="49" charset="0"/>
-              </a:rPr>
-            </a:br>
-            <a:r>
-              <a:rPr lang="en-US" sz="2400" dirty="0" smtClean="0">
-                <a:cs typeface="Courier New" panose="02070309020205020404" pitchFamily="49" charset="0"/>
-              </a:rPr>
-              <a:t>Blocks</a:t>
-            </a:r>
-            <a:r>
-              <a:rPr lang="en-US" sz="2400" b="1" dirty="0" smtClean="0">
-                <a:cs typeface="Courier New" panose="02070309020205020404" pitchFamily="49" charset="0"/>
-              </a:rPr>
-              <a:t> don’t </a:t>
-            </a:r>
-            <a:r>
-              <a:rPr lang="en-US" sz="2400" dirty="0" smtClean="0">
-                <a:cs typeface="Courier New" panose="02070309020205020404" pitchFamily="49" charset="0"/>
-              </a:rPr>
-              <a:t>have semicolons in the end!</a:t>
-            </a:r>
-          </a:p>
-        </p:txBody>
-      </p:sp>
-    </p:spTree>
-    <p:extLst>
-      <p:ext uri="{BB962C8B-B14F-4D97-AF65-F5344CB8AC3E}">
-        <p14:creationId xmlns:p14="http://schemas.microsoft.com/office/powerpoint/2010/main" val="2310222490"/>
-      </p:ext>
-    </p:extLst>
-  </p:cSld>
-  <p:clrMapOvr>
-    <a:masterClrMapping/>
-  </p:clrMapOvr>
-  <p:timing>
-    <p:tnLst>
-      <p:par>
-        <p:cTn id="1" dur="indefinite" restart="never" nodeType="tmRoot"/>
-      </p:par>
-    </p:tnLst>
-  </p:timing>
 </p:sld>
 </file>
 
@@ -11535,10 +10886,9 @@
           <a:lstStyle/>
           <a:p>
             <a:r>
-              <a:rPr lang="en-US" dirty="0" smtClean="0"/>
+              <a:rPr lang="en-US" dirty="0"/>
               <a:t>Practicalities</a:t>
             </a:r>
-            <a:endParaRPr lang="en-US" dirty="0"/>
           </a:p>
         </p:txBody>
       </p:sp>
@@ -11565,61 +10915,61 @@
           <a:lstStyle/>
           <a:p>
             <a:r>
-              <a:rPr lang="en-US" dirty="0" smtClean="0"/>
+              <a:rPr lang="en-US" dirty="0"/>
               <a:t>You’ll find all these details on the LMS:</a:t>
             </a:r>
           </a:p>
           <a:p>
             <a:pPr lvl="1"/>
             <a:r>
-              <a:rPr lang="en-US" dirty="0" smtClean="0"/>
+              <a:rPr lang="en-US" dirty="0"/>
               <a:t>Course content, Lab and theory hours, assessment schedule</a:t>
             </a:r>
           </a:p>
           <a:p>
             <a:pPr lvl="1"/>
             <a:r>
-              <a:rPr lang="en-US" dirty="0" smtClean="0"/>
+              <a:rPr lang="en-US" dirty="0"/>
               <a:t>Course material – Lecture notes, references, programs</a:t>
             </a:r>
           </a:p>
           <a:p>
             <a:pPr lvl="1"/>
             <a:r>
-              <a:rPr lang="en-US" dirty="0" smtClean="0"/>
+              <a:rPr lang="en-US" dirty="0"/>
               <a:t>Instructor availability for consultation</a:t>
             </a:r>
           </a:p>
           <a:p>
             <a:pPr lvl="1"/>
             <a:r>
-              <a:rPr lang="en-US" dirty="0" smtClean="0"/>
+              <a:rPr lang="en-US" dirty="0"/>
               <a:t>Teaching assistant’s information</a:t>
             </a:r>
           </a:p>
           <a:p>
             <a:r>
-              <a:rPr lang="en-US" dirty="0" smtClean="0"/>
+              <a:rPr lang="en-US" dirty="0"/>
               <a:t>Your lab systems will have Linux OS and the vim editor, you will need a similar environment on your laptop if you wish to practice outside the lab.</a:t>
             </a:r>
           </a:p>
           <a:p>
             <a:r>
-              <a:rPr lang="en-US" dirty="0" smtClean="0"/>
+              <a:rPr lang="en-US" dirty="0"/>
               <a:t>Text books: </a:t>
             </a:r>
           </a:p>
           <a:p>
             <a:pPr lvl="1"/>
             <a:r>
-              <a:rPr lang="en-US" dirty="0" smtClean="0"/>
+              <a:rPr lang="en-US" dirty="0"/>
               <a:t>The C Programming Language by Kernighan &amp; Ritchie (“K&amp;R”) – suggest to buy this.</a:t>
             </a:r>
           </a:p>
           <a:p>
             <a:pPr lvl="2"/>
             <a:r>
-              <a:rPr lang="en-US" dirty="0" smtClean="0"/>
+              <a:rPr lang="en-US" dirty="0"/>
               <a:t>It is more of a reference book and a  great way to discover many things about C.</a:t>
             </a:r>
           </a:p>
@@ -11627,46 +10977,22 @@
             <a:pPr lvl="1"/>
             <a:r>
               <a:rPr lang="en-US" dirty="0"/>
-              <a:t>Robert </a:t>
-            </a:r>
-            <a:r>
-              <a:rPr lang="en-US" dirty="0" smtClean="0"/>
-              <a:t>Sedgewick's </a:t>
-            </a:r>
-            <a:r>
-              <a:rPr lang="en-US" dirty="0"/>
-              <a:t>algorithms book: A free downloadable version is available </a:t>
-            </a:r>
-            <a:r>
-              <a:rPr lang="en-US" dirty="0" smtClean="0"/>
-              <a:t>here: </a:t>
-            </a:r>
-            <a:r>
-              <a:rPr lang="en-US" dirty="0" smtClean="0">
-                <a:hlinkClick r:id="rId2"/>
-              </a:rPr>
-              <a:t>https</a:t>
+              <a:t>Robert Sedgewick's algorithms book: A free downloadable version is available here: </a:t>
             </a:r>
             <a:r>
               <a:rPr lang="en-US" dirty="0">
                 <a:hlinkClick r:id="rId2"/>
               </a:rPr>
-              <a:t>://</a:t>
-            </a:r>
-            <a:r>
-              <a:rPr lang="en-US" dirty="0" smtClean="0">
-                <a:hlinkClick r:id="rId2"/>
-              </a:rPr>
-              <a:t>theswissbay.ch/pdf/Gentoomen%20Library/Algorithms/Algorithms%20in%20C.pdf</a:t>
-            </a:r>
-            <a:r>
-              <a:rPr lang="en-US" dirty="0" smtClean="0"/>
+              <a:t>https://theswissbay.ch/pdf/Gentoomen%20Library/Algorithms/Algorithms%20in%20C.pdf</a:t>
+            </a:r>
+            <a:r>
+              <a:rPr lang="en-US" dirty="0"/>
               <a:t> </a:t>
             </a:r>
           </a:p>
           <a:p>
             <a:pPr lvl="1"/>
-            <a:endParaRPr lang="en-US" dirty="0" smtClean="0"/>
+            <a:endParaRPr lang="en-US" dirty="0"/>
           </a:p>
         </p:txBody>
       </p:sp>
@@ -12099,6 +11425,410 @@
       </p:grpSpPr>
       <p:sp>
         <p:nvSpPr>
+          <p:cNvPr id="2" name="Title 1"/>
+          <p:cNvSpPr>
+            <a:spLocks noGrp="1"/>
+          </p:cNvSpPr>
+          <p:nvPr>
+            <p:ph type="title"/>
+          </p:nvPr>
+        </p:nvSpPr>
+        <p:spPr/>
+        <p:txBody>
+          <a:bodyPr/>
+          <a:lstStyle/>
+          <a:p>
+            <a:r>
+              <a:rPr lang="en-US" dirty="0"/>
+              <a:t>The idea of a function</a:t>
+            </a:r>
+          </a:p>
+        </p:txBody>
+      </p:sp>
+      <p:sp>
+        <p:nvSpPr>
+          <p:cNvPr id="6" name="Content Placeholder 5"/>
+          <p:cNvSpPr>
+            <a:spLocks noGrp="1"/>
+          </p:cNvSpPr>
+          <p:nvPr>
+            <p:ph idx="1"/>
+          </p:nvPr>
+        </p:nvSpPr>
+        <p:spPr>
+          <a:xfrm>
+            <a:off x="838200" y="1825624"/>
+            <a:ext cx="10515600" cy="4691908"/>
+          </a:xfrm>
+        </p:spPr>
+        <p:txBody>
+          <a:bodyPr>
+            <a:normAutofit lnSpcReduction="10000"/>
+          </a:bodyPr>
+          <a:lstStyle/>
+          <a:p>
+            <a:r>
+              <a:rPr lang="en-US" dirty="0"/>
+              <a:t>Every C program has statements, most of them saying what to do to memory locations.</a:t>
+            </a:r>
+          </a:p>
+          <a:p>
+            <a:r>
+              <a:rPr lang="en-US" dirty="0"/>
+              <a:t>The statements are grouped together in chunks for special reasons. These chunks are called </a:t>
+            </a:r>
+            <a:r>
+              <a:rPr lang="en-US" b="1" dirty="0"/>
+              <a:t>functions</a:t>
+            </a:r>
+            <a:r>
+              <a:rPr lang="en-US" dirty="0"/>
+              <a:t>. </a:t>
+            </a:r>
+            <a:r>
+              <a:rPr lang="en-US" dirty="0" err="1"/>
+              <a:t>Eg</a:t>
+            </a:r>
+            <a:r>
+              <a:rPr lang="en-US" dirty="0"/>
+              <a:t>.</a:t>
+            </a:r>
+          </a:p>
+          <a:p>
+            <a:pPr marL="0" indent="0">
+              <a:buNone/>
+            </a:pPr>
+            <a:r>
+              <a:rPr lang="en-US" i="1" dirty="0"/>
+              <a:t>// function defined</a:t>
+            </a:r>
+            <a:r>
+              <a:rPr lang="en-US" dirty="0"/>
+              <a:t> </a:t>
+            </a:r>
+            <a:r>
+              <a:rPr lang="en-US" dirty="0">
+                <a:latin typeface="Courier New" panose="02070309020205020404" pitchFamily="49" charset="0"/>
+                <a:cs typeface="Courier New" panose="02070309020205020404" pitchFamily="49" charset="0"/>
+              </a:rPr>
+              <a:t>main()</a:t>
+            </a:r>
+            <a:r>
+              <a:rPr lang="en-US" dirty="0"/>
+              <a:t>                    </a:t>
+            </a:r>
+            <a:r>
+              <a:rPr lang="en-US" i="1" dirty="0"/>
+              <a:t>// function defined </a:t>
+            </a:r>
+            <a:r>
+              <a:rPr lang="en-US" dirty="0">
+                <a:latin typeface="Courier New" panose="02070309020205020404" pitchFamily="49" charset="0"/>
+                <a:cs typeface="Courier New" panose="02070309020205020404" pitchFamily="49" charset="0"/>
+              </a:rPr>
+              <a:t>max()</a:t>
+            </a:r>
+            <a:br>
+              <a:rPr lang="en-US" dirty="0"/>
+            </a:br>
+            <a:r>
+              <a:rPr lang="en-US" sz="2400" dirty="0">
+                <a:latin typeface="Courier New" panose="02070309020205020404" pitchFamily="49" charset="0"/>
+                <a:cs typeface="Courier New" panose="02070309020205020404" pitchFamily="49" charset="0"/>
+              </a:rPr>
+              <a:t>void main() </a:t>
+            </a:r>
+            <a:r>
+              <a:rPr lang="en-US" sz="2400" b="1" dirty="0">
+                <a:latin typeface="Courier New" panose="02070309020205020404" pitchFamily="49" charset="0"/>
+                <a:cs typeface="Courier New" panose="02070309020205020404" pitchFamily="49" charset="0"/>
+              </a:rPr>
+              <a:t>{ </a:t>
+            </a:r>
+            <a:r>
+              <a:rPr lang="en-US" sz="2400" dirty="0">
+                <a:latin typeface="Courier New" panose="02070309020205020404" pitchFamily="49" charset="0"/>
+                <a:cs typeface="Courier New" panose="02070309020205020404" pitchFamily="49" charset="0"/>
+              </a:rPr>
+              <a:t>               </a:t>
+            </a:r>
+            <a:r>
+              <a:rPr lang="en-US" sz="2400" dirty="0" err="1">
+                <a:latin typeface="Courier New" panose="02070309020205020404" pitchFamily="49" charset="0"/>
+                <a:cs typeface="Courier New" panose="02070309020205020404" pitchFamily="49" charset="0"/>
+              </a:rPr>
+              <a:t>int</a:t>
+            </a:r>
+            <a:r>
+              <a:rPr lang="en-US" sz="2400" dirty="0">
+                <a:latin typeface="Courier New" panose="02070309020205020404" pitchFamily="49" charset="0"/>
+                <a:cs typeface="Courier New" panose="02070309020205020404" pitchFamily="49" charset="0"/>
+              </a:rPr>
+              <a:t> max(</a:t>
+            </a:r>
+            <a:r>
+              <a:rPr lang="en-US" sz="2400" dirty="0" err="1">
+                <a:latin typeface="Courier New" panose="02070309020205020404" pitchFamily="49" charset="0"/>
+                <a:cs typeface="Courier New" panose="02070309020205020404" pitchFamily="49" charset="0"/>
+              </a:rPr>
+              <a:t>int</a:t>
+            </a:r>
+            <a:r>
+              <a:rPr lang="en-US" sz="2400" dirty="0">
+                <a:latin typeface="Courier New" panose="02070309020205020404" pitchFamily="49" charset="0"/>
+                <a:cs typeface="Courier New" panose="02070309020205020404" pitchFamily="49" charset="0"/>
+              </a:rPr>
+              <a:t> </a:t>
+            </a:r>
+            <a:r>
+              <a:rPr lang="en-US" sz="2400" dirty="0" err="1">
+                <a:latin typeface="Courier New" panose="02070309020205020404" pitchFamily="49" charset="0"/>
+                <a:cs typeface="Courier New" panose="02070309020205020404" pitchFamily="49" charset="0"/>
+              </a:rPr>
+              <a:t>i</a:t>
+            </a:r>
+            <a:r>
+              <a:rPr lang="en-US" sz="2400" dirty="0">
+                <a:latin typeface="Courier New" panose="02070309020205020404" pitchFamily="49" charset="0"/>
+                <a:cs typeface="Courier New" panose="02070309020205020404" pitchFamily="49" charset="0"/>
+              </a:rPr>
+              <a:t>, </a:t>
+            </a:r>
+            <a:r>
+              <a:rPr lang="en-US" sz="2400" dirty="0" err="1">
+                <a:latin typeface="Courier New" panose="02070309020205020404" pitchFamily="49" charset="0"/>
+                <a:cs typeface="Courier New" panose="02070309020205020404" pitchFamily="49" charset="0"/>
+              </a:rPr>
+              <a:t>int</a:t>
+            </a:r>
+            <a:r>
+              <a:rPr lang="en-US" sz="2400" dirty="0">
+                <a:latin typeface="Courier New" panose="02070309020205020404" pitchFamily="49" charset="0"/>
+                <a:cs typeface="Courier New" panose="02070309020205020404" pitchFamily="49" charset="0"/>
+              </a:rPr>
+              <a:t> j)</a:t>
+            </a:r>
+            <a:r>
+              <a:rPr lang="en-US" sz="2400" b="1" dirty="0">
+                <a:latin typeface="Courier New" panose="02070309020205020404" pitchFamily="49" charset="0"/>
+                <a:cs typeface="Courier New" panose="02070309020205020404" pitchFamily="49" charset="0"/>
+              </a:rPr>
+              <a:t>{</a:t>
+            </a:r>
+            <a:br>
+              <a:rPr lang="en-US" sz="2400" dirty="0">
+                <a:latin typeface="Courier New" panose="02070309020205020404" pitchFamily="49" charset="0"/>
+                <a:cs typeface="Courier New" panose="02070309020205020404" pitchFamily="49" charset="0"/>
+              </a:rPr>
+            </a:br>
+            <a:r>
+              <a:rPr lang="en-US" sz="2400" dirty="0">
+                <a:latin typeface="Courier New" panose="02070309020205020404" pitchFamily="49" charset="0"/>
+                <a:cs typeface="Courier New" panose="02070309020205020404" pitchFamily="49" charset="0"/>
+              </a:rPr>
+              <a:t>    </a:t>
+            </a:r>
+            <a:r>
+              <a:rPr lang="en-US" sz="2400" dirty="0" err="1">
+                <a:latin typeface="Courier New" panose="02070309020205020404" pitchFamily="49" charset="0"/>
+                <a:cs typeface="Courier New" panose="02070309020205020404" pitchFamily="49" charset="0"/>
+              </a:rPr>
+              <a:t>int</a:t>
+            </a:r>
+            <a:r>
+              <a:rPr lang="en-US" sz="2400" dirty="0">
+                <a:latin typeface="Courier New" panose="02070309020205020404" pitchFamily="49" charset="0"/>
+                <a:cs typeface="Courier New" panose="02070309020205020404" pitchFamily="49" charset="0"/>
+              </a:rPr>
+              <a:t> x;                        if (</a:t>
+            </a:r>
+            <a:r>
+              <a:rPr lang="en-US" sz="2400" dirty="0" err="1">
+                <a:latin typeface="Courier New" panose="02070309020205020404" pitchFamily="49" charset="0"/>
+                <a:cs typeface="Courier New" panose="02070309020205020404" pitchFamily="49" charset="0"/>
+              </a:rPr>
+              <a:t>i</a:t>
+            </a:r>
+            <a:r>
+              <a:rPr lang="en-US" sz="2400" dirty="0">
+                <a:latin typeface="Courier New" panose="02070309020205020404" pitchFamily="49" charset="0"/>
+                <a:cs typeface="Courier New" panose="02070309020205020404" pitchFamily="49" charset="0"/>
+              </a:rPr>
+              <a:t> &gt; j)</a:t>
+            </a:r>
+            <a:br>
+              <a:rPr lang="en-US" sz="2400" dirty="0">
+                <a:latin typeface="Courier New" panose="02070309020205020404" pitchFamily="49" charset="0"/>
+                <a:cs typeface="Courier New" panose="02070309020205020404" pitchFamily="49" charset="0"/>
+              </a:rPr>
+            </a:br>
+            <a:r>
+              <a:rPr lang="en-US" sz="2400" dirty="0">
+                <a:latin typeface="Courier New" panose="02070309020205020404" pitchFamily="49" charset="0"/>
+                <a:cs typeface="Courier New" panose="02070309020205020404" pitchFamily="49" charset="0"/>
+              </a:rPr>
+              <a:t>    x = 1023 + 4097;                  return </a:t>
+            </a:r>
+            <a:r>
+              <a:rPr lang="en-US" sz="2400" dirty="0" err="1">
+                <a:latin typeface="Courier New" panose="02070309020205020404" pitchFamily="49" charset="0"/>
+                <a:cs typeface="Courier New" panose="02070309020205020404" pitchFamily="49" charset="0"/>
+              </a:rPr>
+              <a:t>i</a:t>
+            </a:r>
+            <a:r>
+              <a:rPr lang="en-US" sz="2400" dirty="0">
+                <a:latin typeface="Courier New" panose="02070309020205020404" pitchFamily="49" charset="0"/>
+                <a:cs typeface="Courier New" panose="02070309020205020404" pitchFamily="49" charset="0"/>
+              </a:rPr>
+              <a:t>;</a:t>
+            </a:r>
+            <a:br>
+              <a:rPr lang="en-US" sz="2400" dirty="0">
+                <a:latin typeface="Courier New" panose="02070309020205020404" pitchFamily="49" charset="0"/>
+                <a:cs typeface="Courier New" panose="02070309020205020404" pitchFamily="49" charset="0"/>
+              </a:rPr>
+            </a:br>
+            <a:r>
+              <a:rPr lang="en-US" sz="2400" dirty="0">
+                <a:latin typeface="Courier New" panose="02070309020205020404" pitchFamily="49" charset="0"/>
+                <a:cs typeface="Courier New" panose="02070309020205020404" pitchFamily="49" charset="0"/>
+              </a:rPr>
+              <a:t>    </a:t>
+            </a:r>
+            <a:r>
+              <a:rPr lang="en-US" sz="2400" dirty="0" err="1">
+                <a:latin typeface="Courier New" panose="02070309020205020404" pitchFamily="49" charset="0"/>
+                <a:cs typeface="Courier New" panose="02070309020205020404" pitchFamily="49" charset="0"/>
+              </a:rPr>
+              <a:t>printf</a:t>
+            </a:r>
+            <a:r>
+              <a:rPr lang="en-US" sz="2400" dirty="0">
+                <a:latin typeface="Courier New" panose="02070309020205020404" pitchFamily="49" charset="0"/>
+                <a:cs typeface="Courier New" panose="02070309020205020404" pitchFamily="49" charset="0"/>
+              </a:rPr>
+              <a:t>(“%d\</a:t>
+            </a:r>
+            <a:r>
+              <a:rPr lang="en-US" sz="2400" dirty="0" err="1">
+                <a:latin typeface="Courier New" panose="02070309020205020404" pitchFamily="49" charset="0"/>
+                <a:cs typeface="Courier New" panose="02070309020205020404" pitchFamily="49" charset="0"/>
+              </a:rPr>
+              <a:t>n”,x</a:t>
+            </a:r>
+            <a:r>
+              <a:rPr lang="en-US" sz="2400" dirty="0">
+                <a:latin typeface="Courier New" panose="02070309020205020404" pitchFamily="49" charset="0"/>
+                <a:cs typeface="Courier New" panose="02070309020205020404" pitchFamily="49" charset="0"/>
+              </a:rPr>
+              <a:t>);              else</a:t>
+            </a:r>
+            <a:br>
+              <a:rPr lang="en-US" sz="2400" dirty="0">
+                <a:latin typeface="Courier New" panose="02070309020205020404" pitchFamily="49" charset="0"/>
+                <a:cs typeface="Courier New" panose="02070309020205020404" pitchFamily="49" charset="0"/>
+              </a:rPr>
+            </a:br>
+            <a:r>
+              <a:rPr lang="en-US" sz="2400" b="1" dirty="0">
+                <a:latin typeface="Courier New" panose="02070309020205020404" pitchFamily="49" charset="0"/>
+                <a:cs typeface="Courier New" panose="02070309020205020404" pitchFamily="49" charset="0"/>
+              </a:rPr>
+              <a:t>} </a:t>
+            </a:r>
+            <a:r>
+              <a:rPr lang="en-US" sz="2400" dirty="0">
+                <a:latin typeface="Courier New" panose="02070309020205020404" pitchFamily="49" charset="0"/>
+                <a:cs typeface="Courier New" panose="02070309020205020404" pitchFamily="49" charset="0"/>
+              </a:rPr>
+              <a:t>                                    return j;</a:t>
+            </a:r>
+          </a:p>
+          <a:p>
+            <a:pPr marL="0" indent="0">
+              <a:buNone/>
+            </a:pPr>
+            <a:r>
+              <a:rPr lang="en-US" sz="2400" dirty="0">
+                <a:latin typeface="Courier New" panose="02070309020205020404" pitchFamily="49" charset="0"/>
+                <a:cs typeface="Courier New" panose="02070309020205020404" pitchFamily="49" charset="0"/>
+              </a:rPr>
+              <a:t>                            </a:t>
+            </a:r>
+            <a:r>
+              <a:rPr lang="en-US" sz="2400" b="1" dirty="0">
+                <a:latin typeface="Courier New" panose="02070309020205020404" pitchFamily="49" charset="0"/>
+                <a:cs typeface="Courier New" panose="02070309020205020404" pitchFamily="49" charset="0"/>
+              </a:rPr>
+              <a:t> }</a:t>
+            </a:r>
+          </a:p>
+          <a:p>
+            <a:r>
+              <a:rPr lang="en-US" sz="2400" dirty="0">
+                <a:cs typeface="Courier New" panose="02070309020205020404" pitchFamily="49" charset="0"/>
+              </a:rPr>
+              <a:t>Notice how flower brackets are used to group statements – that is called a block.</a:t>
+            </a:r>
+            <a:br>
+              <a:rPr lang="en-US" sz="2400" dirty="0">
+                <a:cs typeface="Courier New" panose="02070309020205020404" pitchFamily="49" charset="0"/>
+              </a:rPr>
+            </a:br>
+            <a:r>
+              <a:rPr lang="en-US" sz="2400" dirty="0">
+                <a:cs typeface="Courier New" panose="02070309020205020404" pitchFamily="49" charset="0"/>
+              </a:rPr>
+              <a:t>Blocks</a:t>
+            </a:r>
+            <a:r>
+              <a:rPr lang="en-US" sz="2400" b="1" dirty="0">
+                <a:cs typeface="Courier New" panose="02070309020205020404" pitchFamily="49" charset="0"/>
+              </a:rPr>
+              <a:t> don’t </a:t>
+            </a:r>
+            <a:r>
+              <a:rPr lang="en-US" sz="2400" dirty="0">
+                <a:cs typeface="Courier New" panose="02070309020205020404" pitchFamily="49" charset="0"/>
+              </a:rPr>
+              <a:t>have semicolons in the end!</a:t>
+            </a:r>
+          </a:p>
+        </p:txBody>
+      </p:sp>
+    </p:spTree>
+    <p:extLst>
+      <p:ext uri="{BB962C8B-B14F-4D97-AF65-F5344CB8AC3E}">
+        <p14:creationId xmlns:p14="http://schemas.microsoft.com/office/powerpoint/2010/main" val="2310222490"/>
+      </p:ext>
+    </p:extLst>
+  </p:cSld>
+  <p:clrMapOvr>
+    <a:masterClrMapping/>
+  </p:clrMapOvr>
+</p:sld>
+</file>
+
+<file path=ppt/slides/slide21.xml><?xml version="1.0" encoding="utf-8"?>
+<p:sld xmlns:a="http://schemas.openxmlformats.org/drawingml/2006/main" xmlns:r="http://schemas.openxmlformats.org/officeDocument/2006/relationships" xmlns:p="http://schemas.openxmlformats.org/presentationml/2006/main">
+  <p:cSld>
+    <p:spTree>
+      <p:nvGrpSpPr>
+        <p:cNvPr id="1" name=""/>
+        <p:cNvGrpSpPr/>
+        <p:nvPr/>
+      </p:nvGrpSpPr>
+      <p:grpSpPr>
+        <a:xfrm>
+          <a:off x="0" y="0"/>
+          <a:ext cx="0" cy="0"/>
+          <a:chOff x="0" y="0"/>
+          <a:chExt cx="0" cy="0"/>
+        </a:xfrm>
+      </p:grpSpPr>
+      <p:sp>
+        <p:nvSpPr>
           <p:cNvPr id="4" name="Left Bracket 3"/>
           <p:cNvSpPr/>
           <p:nvPr/>
@@ -12132,10 +11862,9 @@
           <a:p>
             <a:pPr algn="ctr"/>
             <a:r>
-              <a:rPr lang="en-US" dirty="0" smtClean="0"/>
+              <a:rPr lang="en-US" dirty="0"/>
               <a:t>C PROGRAM</a:t>
             </a:r>
-            <a:endParaRPr lang="en-US" dirty="0"/>
           </a:p>
         </p:txBody>
       </p:sp>
@@ -12179,10 +11908,9 @@
           <a:p>
             <a:pPr algn="ctr"/>
             <a:r>
-              <a:rPr lang="en-US" dirty="0" smtClean="0"/>
+              <a:rPr lang="en-US" dirty="0"/>
               <a:t>Function1()</a:t>
             </a:r>
-            <a:endParaRPr lang="en-US" dirty="0"/>
           </a:p>
         </p:txBody>
       </p:sp>
@@ -12226,10 +11954,9 @@
           <a:p>
             <a:pPr algn="ctr"/>
             <a:r>
-              <a:rPr lang="en-US" dirty="0" smtClean="0"/>
+              <a:rPr lang="en-US" dirty="0"/>
               <a:t>Function2()</a:t>
             </a:r>
-            <a:endParaRPr lang="en-US" dirty="0"/>
           </a:p>
         </p:txBody>
       </p:sp>
@@ -12273,10 +12000,9 @@
           <a:p>
             <a:pPr algn="ctr"/>
             <a:r>
-              <a:rPr lang="en-US" dirty="0" smtClean="0"/>
+              <a:rPr lang="en-US" dirty="0"/>
               <a:t>Function3()</a:t>
             </a:r>
-            <a:endParaRPr lang="en-US" dirty="0"/>
           </a:p>
         </p:txBody>
       </p:sp>
@@ -12331,7 +12057,7 @@
           <a:p>
             <a:pPr algn="ctr"/>
             <a:r>
-              <a:rPr lang="en-US" dirty="0" smtClean="0">
+              <a:rPr lang="en-US" dirty="0">
                 <a:solidFill>
                   <a:schemeClr val="tx1"/>
                 </a:solidFill>
@@ -12342,18 +12068,13 @@
           <a:p>
             <a:pPr algn="ctr"/>
             <a:r>
-              <a:rPr lang="en-US" dirty="0" smtClean="0">
+              <a:rPr lang="en-US" dirty="0">
                 <a:solidFill>
                   <a:schemeClr val="tx1"/>
                 </a:solidFill>
               </a:rPr>
               <a:t>And statements</a:t>
             </a:r>
-            <a:endParaRPr lang="en-US" dirty="0">
-              <a:solidFill>
-                <a:schemeClr val="tx1"/>
-              </a:solidFill>
-            </a:endParaRPr>
           </a:p>
         </p:txBody>
       </p:sp>
@@ -12408,18 +12129,13 @@
           <a:p>
             <a:pPr algn="ctr"/>
             <a:r>
-              <a:rPr lang="en-US" dirty="0" smtClean="0">
+              <a:rPr lang="en-US" dirty="0">
                 <a:solidFill>
                   <a:schemeClr val="tx1"/>
                 </a:solidFill>
               </a:rPr>
               <a:t>Variables and statements</a:t>
             </a:r>
-            <a:endParaRPr lang="en-US" dirty="0">
-              <a:solidFill>
-                <a:schemeClr val="tx1"/>
-              </a:solidFill>
-            </a:endParaRPr>
           </a:p>
         </p:txBody>
       </p:sp>
@@ -12474,18 +12190,13 @@
           <a:p>
             <a:pPr algn="ctr"/>
             <a:r>
-              <a:rPr lang="en-US" dirty="0" smtClean="0">
+              <a:rPr lang="en-US" dirty="0">
                 <a:solidFill>
                   <a:schemeClr val="tx1"/>
                 </a:solidFill>
               </a:rPr>
               <a:t>Variables and statements</a:t>
             </a:r>
-            <a:endParaRPr lang="en-US" dirty="0">
-              <a:solidFill>
-                <a:schemeClr val="tx1"/>
-              </a:solidFill>
-            </a:endParaRPr>
           </a:p>
         </p:txBody>
       </p:sp>
@@ -12514,263 +12225,262 @@
           <a:lstStyle/>
           <a:p>
             <a:r>
-              <a:rPr lang="en-US" dirty="0" smtClean="0"/>
+              <a:rPr lang="en-US" dirty="0"/>
               <a:t>#include &lt;</a:t>
             </a:r>
             <a:r>
-              <a:rPr lang="en-US" dirty="0" err="1" smtClean="0"/>
+              <a:rPr lang="en-US" dirty="0" err="1"/>
               <a:t>stdio.h</a:t>
             </a:r>
             <a:r>
-              <a:rPr lang="en-US" dirty="0" smtClean="0"/>
+              <a:rPr lang="en-US" dirty="0"/>
               <a:t>&gt;</a:t>
             </a:r>
           </a:p>
           <a:p>
             <a:r>
-              <a:rPr lang="en-US" dirty="0" smtClean="0"/>
+              <a:rPr lang="en-US" dirty="0"/>
               <a:t>// This is about arrays pointers and functions</a:t>
             </a:r>
           </a:p>
           <a:p>
-            <a:endParaRPr lang="en-US" dirty="0" smtClean="0"/>
-          </a:p>
-          <a:p>
-            <a:r>
-              <a:rPr lang="en-US" dirty="0" smtClean="0"/>
+            <a:endParaRPr lang="en-US" dirty="0"/>
+          </a:p>
+          <a:p>
+            <a:r>
+              <a:rPr lang="en-US" dirty="0"/>
               <a:t>void f1( </a:t>
             </a:r>
             <a:r>
-              <a:rPr lang="en-US" dirty="0" err="1" smtClean="0"/>
+              <a:rPr lang="en-US" dirty="0" err="1"/>
               <a:t>int</a:t>
             </a:r>
             <a:r>
-              <a:rPr lang="en-US" dirty="0" smtClean="0"/>
+              <a:rPr lang="en-US" dirty="0"/>
               <a:t> x ){</a:t>
             </a:r>
           </a:p>
           <a:p>
             <a:r>
-              <a:rPr lang="en-US" dirty="0" smtClean="0"/>
+              <a:rPr lang="en-US" dirty="0"/>
               <a:t>	x = 55;</a:t>
             </a:r>
           </a:p>
           <a:p>
             <a:r>
-              <a:rPr lang="en-US" dirty="0" smtClean="0"/>
+              <a:rPr lang="en-US" dirty="0"/>
               <a:t>}</a:t>
             </a:r>
           </a:p>
           <a:p>
-            <a:endParaRPr lang="en-US" dirty="0" smtClean="0"/>
-          </a:p>
-          <a:p>
-            <a:endParaRPr lang="en-US" dirty="0" smtClean="0"/>
-          </a:p>
-          <a:p>
-            <a:r>
-              <a:rPr lang="en-US" dirty="0" smtClean="0"/>
+            <a:endParaRPr lang="en-US" dirty="0"/>
+          </a:p>
+          <a:p>
+            <a:endParaRPr lang="en-US" dirty="0"/>
+          </a:p>
+          <a:p>
+            <a:r>
+              <a:rPr lang="en-US" dirty="0"/>
               <a:t>void f2( </a:t>
             </a:r>
             <a:r>
-              <a:rPr lang="en-US" dirty="0" err="1" smtClean="0"/>
+              <a:rPr lang="en-US" dirty="0" err="1"/>
               <a:t>int</a:t>
             </a:r>
             <a:r>
-              <a:rPr lang="en-US" dirty="0" smtClean="0"/>
+              <a:rPr lang="en-US" dirty="0"/>
               <a:t> *p ){</a:t>
             </a:r>
           </a:p>
           <a:p>
             <a:r>
-              <a:rPr lang="en-US" dirty="0" smtClean="0"/>
+              <a:rPr lang="en-US" dirty="0"/>
               <a:t>	*p = 55;</a:t>
             </a:r>
           </a:p>
           <a:p>
             <a:r>
-              <a:rPr lang="en-US" dirty="0" smtClean="0"/>
+              <a:rPr lang="en-US" dirty="0"/>
               <a:t>}</a:t>
             </a:r>
           </a:p>
           <a:p>
-            <a:endParaRPr lang="en-US" dirty="0" smtClean="0"/>
-          </a:p>
-          <a:p>
-            <a:r>
-              <a:rPr lang="en-US" dirty="0" smtClean="0"/>
+            <a:endParaRPr lang="en-US" dirty="0"/>
+          </a:p>
+          <a:p>
+            <a:r>
+              <a:rPr lang="en-US" dirty="0"/>
               <a:t>void f3( </a:t>
             </a:r>
             <a:r>
-              <a:rPr lang="en-US" dirty="0" err="1" smtClean="0"/>
+              <a:rPr lang="en-US" dirty="0" err="1"/>
               <a:t>int</a:t>
             </a:r>
             <a:r>
-              <a:rPr lang="en-US" dirty="0" smtClean="0"/>
+              <a:rPr lang="en-US" dirty="0"/>
               <a:t> *p ){</a:t>
             </a:r>
           </a:p>
           <a:p>
             <a:r>
-              <a:rPr lang="en-US" dirty="0" smtClean="0"/>
+              <a:rPr lang="en-US" dirty="0"/>
               <a:t>	</a:t>
             </a:r>
             <a:r>
-              <a:rPr lang="en-US" dirty="0" err="1" smtClean="0"/>
+              <a:rPr lang="en-US" dirty="0" err="1"/>
               <a:t>int</a:t>
             </a:r>
             <a:r>
-              <a:rPr lang="en-US" dirty="0" smtClean="0"/>
+              <a:rPr lang="en-US" dirty="0"/>
               <a:t> </a:t>
             </a:r>
             <a:r>
-              <a:rPr lang="en-US" dirty="0" err="1" smtClean="0"/>
+              <a:rPr lang="en-US" dirty="0" err="1"/>
               <a:t>i</a:t>
             </a:r>
             <a:r>
-              <a:rPr lang="en-US" dirty="0" smtClean="0"/>
+              <a:rPr lang="en-US" dirty="0"/>
               <a:t>;</a:t>
             </a:r>
           </a:p>
           <a:p>
             <a:r>
-              <a:rPr lang="en-US" dirty="0" smtClean="0"/>
+              <a:rPr lang="en-US" dirty="0"/>
               <a:t>	for(</a:t>
             </a:r>
             <a:r>
-              <a:rPr lang="en-US" dirty="0" err="1" smtClean="0"/>
+              <a:rPr lang="en-US" dirty="0" err="1"/>
               <a:t>i</a:t>
             </a:r>
             <a:r>
-              <a:rPr lang="en-US" dirty="0" smtClean="0"/>
+              <a:rPr lang="en-US" dirty="0"/>
               <a:t>=0;i&lt;10;i++)</a:t>
             </a:r>
           </a:p>
           <a:p>
             <a:r>
-              <a:rPr lang="en-US" dirty="0" smtClean="0"/>
+              <a:rPr lang="en-US" dirty="0"/>
               <a:t>		*(</a:t>
             </a:r>
             <a:r>
-              <a:rPr lang="en-US" dirty="0" err="1" smtClean="0"/>
+              <a:rPr lang="en-US" dirty="0" err="1"/>
               <a:t>p+i</a:t>
             </a:r>
             <a:r>
-              <a:rPr lang="en-US" dirty="0" smtClean="0"/>
+              <a:rPr lang="en-US" dirty="0"/>
               <a:t>)=i+55; // </a:t>
             </a:r>
             <a:r>
-              <a:rPr lang="en-US" dirty="0" err="1" smtClean="0"/>
+              <a:rPr lang="en-US" dirty="0" err="1"/>
               <a:t>alernately</a:t>
             </a:r>
             <a:r>
-              <a:rPr lang="en-US" dirty="0" smtClean="0"/>
+              <a:rPr lang="en-US" dirty="0"/>
               <a:t> p[</a:t>
             </a:r>
             <a:r>
-              <a:rPr lang="en-US" dirty="0" err="1" smtClean="0"/>
+              <a:rPr lang="en-US" dirty="0" err="1"/>
               <a:t>i</a:t>
             </a:r>
             <a:r>
-              <a:rPr lang="en-US" dirty="0" smtClean="0"/>
+              <a:rPr lang="en-US" dirty="0"/>
               <a:t>]=i+55 ;</a:t>
             </a:r>
           </a:p>
           <a:p>
             <a:r>
-              <a:rPr lang="en-US" dirty="0" smtClean="0"/>
+              <a:rPr lang="en-US" dirty="0"/>
               <a:t>}</a:t>
             </a:r>
           </a:p>
           <a:p>
-            <a:endParaRPr lang="en-US" dirty="0" smtClean="0"/>
-          </a:p>
-          <a:p>
-            <a:r>
-              <a:rPr lang="en-US" dirty="0" smtClean="0"/>
+            <a:endParaRPr lang="en-US" dirty="0"/>
+          </a:p>
+          <a:p>
+            <a:r>
+              <a:rPr lang="en-US" dirty="0"/>
               <a:t>void f4( </a:t>
             </a:r>
             <a:r>
-              <a:rPr lang="en-US" dirty="0" err="1" smtClean="0"/>
+              <a:rPr lang="en-US" dirty="0" err="1"/>
               <a:t>int</a:t>
             </a:r>
             <a:r>
-              <a:rPr lang="en-US" dirty="0" smtClean="0"/>
+              <a:rPr lang="en-US" dirty="0"/>
               <a:t> *p , </a:t>
             </a:r>
             <a:r>
-              <a:rPr lang="en-US" dirty="0" err="1" smtClean="0"/>
+              <a:rPr lang="en-US" dirty="0" err="1"/>
               <a:t>int</a:t>
             </a:r>
             <a:r>
-              <a:rPr lang="en-US" dirty="0" smtClean="0"/>
+              <a:rPr lang="en-US" dirty="0"/>
               <a:t> n){</a:t>
             </a:r>
           </a:p>
           <a:p>
             <a:r>
-              <a:rPr lang="en-US" dirty="0" smtClean="0"/>
+              <a:rPr lang="en-US" dirty="0"/>
               <a:t>	</a:t>
             </a:r>
             <a:r>
-              <a:rPr lang="en-US" dirty="0" err="1" smtClean="0"/>
+              <a:rPr lang="en-US" dirty="0" err="1"/>
               <a:t>int</a:t>
             </a:r>
             <a:r>
-              <a:rPr lang="en-US" dirty="0" smtClean="0"/>
+              <a:rPr lang="en-US" dirty="0"/>
               <a:t> </a:t>
             </a:r>
             <a:r>
-              <a:rPr lang="en-US" dirty="0" err="1" smtClean="0"/>
+              <a:rPr lang="en-US" dirty="0" err="1"/>
               <a:t>i</a:t>
             </a:r>
             <a:r>
-              <a:rPr lang="en-US" dirty="0" smtClean="0"/>
+              <a:rPr lang="en-US" dirty="0"/>
               <a:t>;</a:t>
             </a:r>
           </a:p>
           <a:p>
             <a:r>
-              <a:rPr lang="en-US" dirty="0" smtClean="0"/>
+              <a:rPr lang="en-US" dirty="0"/>
               <a:t>	for(</a:t>
             </a:r>
             <a:r>
-              <a:rPr lang="en-US" dirty="0" err="1" smtClean="0"/>
+              <a:rPr lang="en-US" dirty="0" err="1"/>
               <a:t>i</a:t>
             </a:r>
             <a:r>
-              <a:rPr lang="en-US" dirty="0" smtClean="0"/>
+              <a:rPr lang="en-US" dirty="0"/>
               <a:t>=0;i&lt;</a:t>
             </a:r>
             <a:r>
-              <a:rPr lang="en-US" dirty="0" err="1" smtClean="0"/>
+              <a:rPr lang="en-US" dirty="0" err="1"/>
               <a:t>n;i</a:t>
             </a:r>
             <a:r>
-              <a:rPr lang="en-US" dirty="0" smtClean="0"/>
+              <a:rPr lang="en-US" dirty="0"/>
               <a:t>++)</a:t>
             </a:r>
           </a:p>
           <a:p>
             <a:r>
-              <a:rPr lang="en-US" dirty="0" smtClean="0"/>
+              <a:rPr lang="en-US" dirty="0"/>
               <a:t>		p[</a:t>
             </a:r>
             <a:r>
-              <a:rPr lang="en-US" dirty="0" err="1" smtClean="0"/>
+              <a:rPr lang="en-US" dirty="0" err="1"/>
               <a:t>i</a:t>
             </a:r>
             <a:r>
-              <a:rPr lang="en-US" dirty="0" smtClean="0"/>
+              <a:rPr lang="en-US" dirty="0"/>
               <a:t>]=i+5;</a:t>
             </a:r>
           </a:p>
           <a:p>
             <a:r>
-              <a:rPr lang="en-US" dirty="0" smtClean="0"/>
+              <a:rPr lang="en-US" dirty="0"/>
               <a:t>}</a:t>
             </a:r>
-            <a:endParaRPr lang="en-US" dirty="0"/>
           </a:p>
         </p:txBody>
       </p:sp>
@@ -12797,18 +12507,18 @@
           <a:lstStyle/>
           <a:p>
             <a:r>
-              <a:rPr lang="en-US" dirty="0" smtClean="0"/>
+              <a:rPr lang="en-US" dirty="0"/>
               <a:t>See </a:t>
             </a:r>
             <a:r>
-              <a:rPr lang="en-US" dirty="0" smtClean="0">
+              <a:rPr lang="en-US" dirty="0">
                 <a:latin typeface="Courier New" panose="02070309020205020404" pitchFamily="49" charset="0"/>
                 <a:cs typeface="Courier New" panose="02070309020205020404" pitchFamily="49" charset="0"/>
               </a:rPr>
               <a:t> </a:t>
             </a:r>
             <a:r>
-              <a:rPr lang="en-US" dirty="0" err="1" smtClean="0">
+              <a:rPr lang="en-US" dirty="0" err="1">
                 <a:latin typeface="Courier New" panose="02070309020205020404" pitchFamily="49" charset="0"/>
                 <a:cs typeface="Courier New" panose="02070309020205020404" pitchFamily="49" charset="0"/>
               </a:rPr>
@@ -12850,7 +12560,7 @@
           <a:lstStyle/>
           <a:p>
             <a:r>
-              <a:rPr lang="en-US" dirty="0" smtClean="0">
+              <a:rPr lang="en-US" dirty="0">
                 <a:solidFill>
                   <a:schemeClr val="accent2"/>
                 </a:solidFill>
@@ -12859,7 +12569,7 @@
               <a:t>DON’T  TRY   TO</a:t>
             </a:r>
             <a:br>
-              <a:rPr lang="en-US" dirty="0" smtClean="0">
+              <a:rPr lang="en-US" dirty="0">
                 <a:solidFill>
                   <a:schemeClr val="accent2"/>
                 </a:solidFill>
@@ -12867,7 +12577,7 @@
               </a:rPr>
             </a:br>
             <a:r>
-              <a:rPr lang="en-US" dirty="0" smtClean="0">
+              <a:rPr lang="en-US" dirty="0">
                 <a:solidFill>
                   <a:schemeClr val="accent2"/>
                 </a:solidFill>
@@ -12876,7 +12586,7 @@
               <a:t>UNDERSTAND THIS CODE</a:t>
             </a:r>
             <a:br>
-              <a:rPr lang="en-US" dirty="0" smtClean="0">
+              <a:rPr lang="en-US" dirty="0">
                 <a:solidFill>
                   <a:schemeClr val="accent2"/>
                 </a:solidFill>
@@ -12884,7 +12594,7 @@
               </a:rPr>
             </a:br>
             <a:r>
-              <a:rPr lang="en-US" dirty="0" smtClean="0">
+              <a:rPr lang="en-US" dirty="0">
                 <a:solidFill>
                   <a:schemeClr val="accent2"/>
                 </a:solidFill>
@@ -12903,7 +12613,7 @@
           </a:p>
           <a:p>
             <a:r>
-              <a:rPr lang="en-US" dirty="0" smtClean="0">
+              <a:rPr lang="en-US" dirty="0">
                 <a:solidFill>
                   <a:schemeClr val="accent2"/>
                 </a:solidFill>
@@ -12914,7 +12624,7 @@
           </a:p>
           <a:p>
             <a:r>
-              <a:rPr lang="en-US" dirty="0" smtClean="0">
+              <a:rPr lang="en-US" dirty="0">
                 <a:solidFill>
                   <a:schemeClr val="accent2"/>
                 </a:solidFill>
@@ -12925,7 +12635,7 @@
           </a:p>
           <a:p>
             <a:r>
-              <a:rPr lang="en-US" dirty="0" smtClean="0">
+              <a:rPr lang="en-US" dirty="0">
                 <a:solidFill>
                   <a:schemeClr val="accent2"/>
                 </a:solidFill>
@@ -12933,12 +12643,6 @@
               </a:rPr>
               <a:t>C programs</a:t>
             </a:r>
-            <a:endParaRPr lang="en-US" dirty="0">
-              <a:solidFill>
-                <a:schemeClr val="accent2"/>
-              </a:solidFill>
-              <a:latin typeface="Felix Titling" panose="04060505060202020A04" pitchFamily="82" charset="0"/>
-            </a:endParaRPr>
           </a:p>
         </p:txBody>
       </p:sp>
@@ -12952,17 +12656,10 @@
   <p:clrMapOvr>
     <a:masterClrMapping/>
   </p:clrMapOvr>
-  <p:timing>
-    <p:tnLst>
-      <p:par>
-        <p:cTn id="1" dur="indefinite" restart="never" nodeType="tmRoot"/>
-      </p:par>
-    </p:tnLst>
-  </p:timing>
 </p:sld>
 </file>
 
-<file path=ppt/slides/slide21.xml><?xml version="1.0" encoding="utf-8"?>
+<file path=ppt/slides/slide22.xml><?xml version="1.0" encoding="utf-8"?>
 <p:sld xmlns:a="http://schemas.openxmlformats.org/drawingml/2006/main" xmlns:r="http://schemas.openxmlformats.org/officeDocument/2006/relationships" xmlns:p="http://schemas.openxmlformats.org/presentationml/2006/main">
   <p:cSld>
     <p:spTree>
@@ -12995,10 +12692,9 @@
           <a:lstStyle/>
           <a:p>
             <a:r>
-              <a:rPr lang="en-US" dirty="0" smtClean="0"/>
+              <a:rPr lang="en-US" dirty="0"/>
               <a:t>First word about functions</a:t>
             </a:r>
-            <a:endParaRPr lang="en-US" dirty="0"/>
           </a:p>
         </p:txBody>
       </p:sp>
@@ -13020,7 +12716,7 @@
           <a:lstStyle/>
           <a:p>
             <a:r>
-              <a:rPr lang="en-US" dirty="0" smtClean="0"/>
+              <a:rPr lang="en-US" dirty="0"/>
               <a:t>The above are two function definitions, i.e., they say what statements are executed when the function is executed.</a:t>
             </a:r>
           </a:p>
@@ -13030,132 +12726,125 @@
                 <a:latin typeface="Courier New" panose="02070309020205020404" pitchFamily="49" charset="0"/>
                 <a:cs typeface="Courier New" panose="02070309020205020404" pitchFamily="49" charset="0"/>
               </a:rPr>
-              <a:t>m</a:t>
-            </a:r>
-            <a:r>
-              <a:rPr lang="en-US" dirty="0" smtClean="0">
-                <a:latin typeface="Courier New" panose="02070309020205020404" pitchFamily="49" charset="0"/>
-                <a:cs typeface="Courier New" panose="02070309020205020404" pitchFamily="49" charset="0"/>
-              </a:rPr>
-              <a:t>ain()</a:t>
-            </a:r>
-            <a:r>
-              <a:rPr lang="en-US" dirty="0" smtClean="0"/>
+              <a:t>main()</a:t>
+            </a:r>
+            <a:r>
+              <a:rPr lang="en-US" dirty="0"/>
               <a:t> is a special function. It’s  statements is what is </a:t>
             </a:r>
             <a:r>
-              <a:rPr lang="en-US" b="1" dirty="0" smtClean="0"/>
+              <a:rPr lang="en-US" b="1" dirty="0"/>
               <a:t>done</a:t>
             </a:r>
             <a:r>
-              <a:rPr lang="en-US" dirty="0" smtClean="0"/>
+              <a:rPr lang="en-US" dirty="0"/>
               <a:t> when the program is </a:t>
             </a:r>
             <a:r>
-              <a:rPr lang="en-US" b="1" dirty="0" smtClean="0"/>
+              <a:rPr lang="en-US" b="1" dirty="0"/>
               <a:t>executed</a:t>
             </a:r>
             <a:r>
-              <a:rPr lang="en-US" dirty="0" smtClean="0"/>
+              <a:rPr lang="en-US" dirty="0"/>
               <a:t> by the user.</a:t>
             </a:r>
           </a:p>
           <a:p>
             <a:r>
-              <a:rPr lang="en-US" dirty="0" smtClean="0"/>
+              <a:rPr lang="en-US" dirty="0"/>
               <a:t>Hmmm… then when is any other function’s statements executed</a:t>
             </a:r>
           </a:p>
           <a:p>
             <a:pPr lvl="1"/>
             <a:r>
-              <a:rPr lang="en-US" dirty="0" err="1" smtClean="0"/>
+              <a:rPr lang="en-US" dirty="0" err="1"/>
               <a:t>Ans</a:t>
             </a:r>
             <a:r>
-              <a:rPr lang="en-US" dirty="0" smtClean="0"/>
+              <a:rPr lang="en-US" dirty="0"/>
               <a:t>: when it is </a:t>
             </a:r>
             <a:r>
-              <a:rPr lang="en-US" b="1" dirty="0" smtClean="0"/>
+              <a:rPr lang="en-US" b="1" dirty="0"/>
               <a:t>call</a:t>
             </a:r>
             <a:r>
-              <a:rPr lang="en-US" dirty="0" smtClean="0"/>
+              <a:rPr lang="en-US" dirty="0"/>
               <a:t>ed.</a:t>
             </a:r>
           </a:p>
           <a:p>
             <a:r>
-              <a:rPr lang="en-US" dirty="0" smtClean="0"/>
+              <a:rPr lang="en-US" dirty="0"/>
               <a:t>A “function call” is a  function name followed by parenthesis “()”.</a:t>
             </a:r>
           </a:p>
           <a:p>
             <a:pPr lvl="1"/>
             <a:r>
-              <a:rPr lang="en-US" dirty="0" smtClean="0"/>
+              <a:rPr lang="en-US" dirty="0"/>
               <a:t>Recall </a:t>
             </a:r>
             <a:r>
-              <a:rPr lang="en-US" dirty="0" err="1" smtClean="0">
+              <a:rPr lang="en-US" dirty="0" err="1">
                 <a:latin typeface="Courier New" panose="02070309020205020404" pitchFamily="49" charset="0"/>
                 <a:cs typeface="Courier New" panose="02070309020205020404" pitchFamily="49" charset="0"/>
               </a:rPr>
               <a:t>printf</a:t>
             </a:r>
             <a:r>
-              <a:rPr lang="en-US" dirty="0" smtClean="0">
+              <a:rPr lang="en-US" dirty="0">
                 <a:latin typeface="Courier New" panose="02070309020205020404" pitchFamily="49" charset="0"/>
                 <a:cs typeface="Courier New" panose="02070309020205020404" pitchFamily="49" charset="0"/>
               </a:rPr>
               <a:t>(“%d\</a:t>
             </a:r>
             <a:r>
-              <a:rPr lang="en-US" dirty="0" err="1" smtClean="0">
+              <a:rPr lang="en-US" dirty="0" err="1">
                 <a:latin typeface="Courier New" panose="02070309020205020404" pitchFamily="49" charset="0"/>
                 <a:cs typeface="Courier New" panose="02070309020205020404" pitchFamily="49" charset="0"/>
               </a:rPr>
               <a:t>n”,x</a:t>
             </a:r>
             <a:r>
-              <a:rPr lang="en-US" dirty="0" smtClean="0">
+              <a:rPr lang="en-US" dirty="0">
                 <a:latin typeface="Courier New" panose="02070309020205020404" pitchFamily="49" charset="0"/>
                 <a:cs typeface="Courier New" panose="02070309020205020404" pitchFamily="49" charset="0"/>
               </a:rPr>
               <a:t>); </a:t>
             </a:r>
             <a:r>
-              <a:rPr lang="en-US" dirty="0" smtClean="0"/>
+              <a:rPr lang="en-US" dirty="0"/>
               <a:t>    ?   That is a function call.</a:t>
             </a:r>
           </a:p>
           <a:p>
             <a:r>
-              <a:rPr lang="en-US" dirty="0" smtClean="0"/>
+              <a:rPr lang="en-US" dirty="0"/>
               <a:t>Let’s see </a:t>
             </a:r>
             <a:r>
-              <a:rPr lang="en-US" dirty="0" err="1" smtClean="0">
+              <a:rPr lang="en-US" dirty="0" err="1">
                 <a:latin typeface="Courier New" panose="02070309020205020404" pitchFamily="49" charset="0"/>
                 <a:cs typeface="Courier New" panose="02070309020205020404" pitchFamily="49" charset="0"/>
               </a:rPr>
               <a:t>discriminant.c</a:t>
             </a:r>
             <a:r>
-              <a:rPr lang="en-US" dirty="0" smtClean="0">
+              <a:rPr lang="en-US" dirty="0">
                 <a:latin typeface="Courier New" panose="02070309020205020404" pitchFamily="49" charset="0"/>
                 <a:cs typeface="Courier New" panose="02070309020205020404" pitchFamily="49" charset="0"/>
               </a:rPr>
               <a:t>  </a:t>
             </a:r>
             <a:r>
-              <a:rPr lang="en-US" dirty="0" smtClean="0">
+              <a:rPr lang="en-US" dirty="0">
                 <a:cs typeface="Courier New" panose="02070309020205020404" pitchFamily="49" charset="0"/>
               </a:rPr>
               <a:t>to understand this better.</a:t>
             </a:r>
-            <a:endParaRPr lang="en-US" dirty="0" smtClean="0">
+            <a:endParaRPr lang="en-US" dirty="0">
               <a:latin typeface="Courier New" panose="02070309020205020404" pitchFamily="49" charset="0"/>
               <a:cs typeface="Courier New" panose="02070309020205020404" pitchFamily="49" charset="0"/>
             </a:endParaRPr>
@@ -13214,17 +12903,10 @@
   <p:clrMapOvr>
     <a:masterClrMapping/>
   </p:clrMapOvr>
-  <p:timing>
-    <p:tnLst>
-      <p:par>
-        <p:cTn id="1" dur="indefinite" restart="never" nodeType="tmRoot"/>
-      </p:par>
-    </p:tnLst>
-  </p:timing>
 </p:sld>
 </file>
 
-<file path=ppt/slides/slide22.xml><?xml version="1.0" encoding="utf-8"?>
+<file path=ppt/slides/slide23.xml><?xml version="1.0" encoding="utf-8"?>
 <p:sld xmlns:a="http://schemas.openxmlformats.org/drawingml/2006/main" xmlns:r="http://schemas.openxmlformats.org/officeDocument/2006/relationships" xmlns:p="http://schemas.openxmlformats.org/presentationml/2006/main">
   <p:cSld>
     <p:spTree>
@@ -13257,21 +12939,20 @@
           <a:lstStyle/>
           <a:p>
             <a:r>
-              <a:rPr lang="en-US" dirty="0" smtClean="0"/>
+              <a:rPr lang="en-US" dirty="0"/>
               <a:t>A word about </a:t>
             </a:r>
             <a:r>
-              <a:rPr lang="en-US" b="1" dirty="0" err="1" smtClean="0">
+              <a:rPr lang="en-US" b="1" dirty="0" err="1">
                 <a:latin typeface="Courier New" panose="02070309020205020404" pitchFamily="49" charset="0"/>
                 <a:cs typeface="Courier New" panose="02070309020205020404" pitchFamily="49" charset="0"/>
               </a:rPr>
               <a:t>printf</a:t>
             </a:r>
             <a:r>
-              <a:rPr lang="en-US" dirty="0" smtClean="0"/>
+              <a:rPr lang="en-US" dirty="0"/>
               <a:t> function call</a:t>
             </a:r>
-            <a:endParaRPr lang="en-US" dirty="0"/>
           </a:p>
         </p:txBody>
       </p:sp>
@@ -13291,21 +12972,21 @@
           <a:lstStyle/>
           <a:p>
             <a:r>
-              <a:rPr lang="en-US" dirty="0" err="1" smtClean="0">
+              <a:rPr lang="en-US" dirty="0" err="1">
                 <a:latin typeface="Courier New" panose="02070309020205020404" pitchFamily="49" charset="0"/>
                 <a:cs typeface="Courier New" panose="02070309020205020404" pitchFamily="49" charset="0"/>
               </a:rPr>
               <a:t>printf</a:t>
             </a:r>
             <a:r>
-              <a:rPr lang="en-US" dirty="0" smtClean="0">
+              <a:rPr lang="en-US" dirty="0">
                 <a:latin typeface="Courier New" panose="02070309020205020404" pitchFamily="49" charset="0"/>
                 <a:cs typeface="Courier New" panose="02070309020205020404" pitchFamily="49" charset="0"/>
               </a:rPr>
               <a:t>(</a:t>
             </a:r>
             <a:r>
-              <a:rPr lang="en-US" dirty="0" smtClean="0">
+              <a:rPr lang="en-US" dirty="0">
                 <a:solidFill>
                   <a:srgbClr val="FF0000"/>
                 </a:solidFill>
@@ -13314,164 +12995,8 @@
               <a:t>“Hello world!\n”</a:t>
             </a:r>
             <a:r>
-              <a:rPr lang="en-US" dirty="0" smtClean="0"/>
+              <a:rPr lang="en-US" dirty="0"/>
               <a:t>)  just prints what is in the </a:t>
-            </a:r>
-            <a:r>
-              <a:rPr lang="en-US" dirty="0" smtClean="0">
-                <a:solidFill>
-                  <a:srgbClr val="FF0000"/>
-                </a:solidFill>
-              </a:rPr>
-              <a:t>format string</a:t>
-            </a:r>
-            <a:r>
-              <a:rPr lang="en-US" dirty="0" smtClean="0"/>
-              <a:t>. The </a:t>
-            </a:r>
-            <a:r>
-              <a:rPr lang="en-US" dirty="0" smtClean="0">
-                <a:solidFill>
-                  <a:srgbClr val="FF0000"/>
-                </a:solidFill>
-              </a:rPr>
-              <a:t>‘\n</a:t>
-            </a:r>
-            <a:r>
-              <a:rPr lang="en-US" smtClean="0">
-                <a:solidFill>
-                  <a:srgbClr val="FF0000"/>
-                </a:solidFill>
-              </a:rPr>
-              <a:t>’ </a:t>
-            </a:r>
-            <a:r>
-              <a:rPr lang="en-US" smtClean="0"/>
-              <a:t>stands </a:t>
-            </a:r>
-            <a:r>
-              <a:rPr lang="en-US" dirty="0" smtClean="0"/>
-              <a:t>for ‘go to a </a:t>
-            </a:r>
-            <a:r>
-              <a:rPr lang="en-US" dirty="0" smtClean="0">
-                <a:solidFill>
-                  <a:schemeClr val="tx2"/>
-                </a:solidFill>
-              </a:rPr>
-              <a:t>new line</a:t>
-            </a:r>
-            <a:r>
-              <a:rPr lang="en-US" dirty="0" smtClean="0"/>
-              <a:t>’ (</a:t>
-            </a:r>
-            <a:r>
-              <a:rPr lang="en-US" dirty="0" smtClean="0">
-                <a:solidFill>
-                  <a:srgbClr val="FF0000"/>
-                </a:solidFill>
-              </a:rPr>
-              <a:t>newline</a:t>
-            </a:r>
-            <a:r>
-              <a:rPr lang="en-US" dirty="0" smtClean="0"/>
-              <a:t> character)</a:t>
-            </a:r>
-          </a:p>
-          <a:p>
-            <a:r>
-              <a:rPr lang="en-US" dirty="0" smtClean="0"/>
-              <a:t>The format string can also have </a:t>
-            </a:r>
-            <a:r>
-              <a:rPr lang="en-US" dirty="0" smtClean="0">
-                <a:solidFill>
-                  <a:srgbClr val="FF0000"/>
-                </a:solidFill>
-              </a:rPr>
-              <a:t>conversion specifiers </a:t>
-            </a:r>
-            <a:r>
-              <a:rPr lang="en-US" dirty="0" smtClean="0"/>
-              <a:t>for </a:t>
-            </a:r>
-            <a:r>
-              <a:rPr lang="en-US" dirty="0" smtClean="0">
-                <a:solidFill>
-                  <a:srgbClr val="FF0000"/>
-                </a:solidFill>
-              </a:rPr>
-              <a:t>values</a:t>
-            </a:r>
-            <a:r>
-              <a:rPr lang="en-US" dirty="0" smtClean="0"/>
-              <a:t> to print: conversion specifiers begin with a % sign like:</a:t>
-            </a:r>
-          </a:p>
-          <a:p>
-            <a:r>
-              <a:rPr lang="en-US" dirty="0" err="1" smtClean="0">
-                <a:latin typeface="Courier New" panose="02070309020205020404" pitchFamily="49" charset="0"/>
-                <a:cs typeface="Courier New" panose="02070309020205020404" pitchFamily="49" charset="0"/>
-              </a:rPr>
-              <a:t>printf</a:t>
-            </a:r>
-            <a:r>
-              <a:rPr lang="en-US" dirty="0" smtClean="0"/>
-              <a:t>(</a:t>
-            </a:r>
-            <a:r>
-              <a:rPr lang="en-US" dirty="0" smtClean="0">
-                <a:solidFill>
-                  <a:srgbClr val="FF0000"/>
-                </a:solidFill>
-              </a:rPr>
-              <a:t>“%d”</a:t>
-            </a:r>
-            <a:r>
-              <a:rPr lang="en-US" dirty="0" smtClean="0"/>
-              <a:t>, x )      will cause the value of the expression x to be printed.</a:t>
-            </a:r>
-          </a:p>
-          <a:p>
-            <a:r>
-              <a:rPr lang="en-US" dirty="0" err="1">
-                <a:latin typeface="Courier New" panose="02070309020205020404" pitchFamily="49" charset="0"/>
-                <a:cs typeface="Courier New" panose="02070309020205020404" pitchFamily="49" charset="0"/>
-              </a:rPr>
-              <a:t>p</a:t>
-            </a:r>
-            <a:r>
-              <a:rPr lang="en-US" dirty="0" err="1" smtClean="0">
-                <a:latin typeface="Courier New" panose="02070309020205020404" pitchFamily="49" charset="0"/>
-                <a:cs typeface="Courier New" panose="02070309020205020404" pitchFamily="49" charset="0"/>
-              </a:rPr>
-              <a:t>rintf</a:t>
-            </a:r>
-            <a:r>
-              <a:rPr lang="en-US" dirty="0" smtClean="0"/>
-              <a:t>(</a:t>
-            </a:r>
-            <a:r>
-              <a:rPr lang="en-US" dirty="0" smtClean="0">
-                <a:solidFill>
-                  <a:srgbClr val="FF0000"/>
-                </a:solidFill>
-              </a:rPr>
-              <a:t>“%d   %f”</a:t>
-            </a:r>
-            <a:r>
-              <a:rPr lang="en-US" dirty="0" smtClean="0"/>
-              <a:t>,  1024,   6.023) will cause the two numbers to be printed.</a:t>
-            </a:r>
-          </a:p>
-          <a:p>
-            <a:pPr marL="0" indent="0">
-              <a:buNone/>
-            </a:pPr>
-            <a:r>
-              <a:rPr lang="en-US" dirty="0" smtClean="0"/>
-              <a:t>example </a:t>
             </a:r>
             <a:r>
               <a:rPr lang="en-US" dirty="0">
@@ -13479,6 +13004,72 @@
                   <a:srgbClr val="FF0000"/>
                 </a:solidFill>
               </a:rPr>
+              <a:t>format string</a:t>
+            </a:r>
+            <a:r>
+              <a:rPr lang="en-US" dirty="0"/>
+              <a:t>. The </a:t>
+            </a:r>
+            <a:r>
+              <a:rPr lang="en-US" dirty="0">
+                <a:solidFill>
+                  <a:srgbClr val="FF0000"/>
+                </a:solidFill>
+              </a:rPr>
+              <a:t>‘\n</a:t>
+            </a:r>
+            <a:r>
+              <a:rPr lang="en-US">
+                <a:solidFill>
+                  <a:srgbClr val="FF0000"/>
+                </a:solidFill>
+              </a:rPr>
+              <a:t>’ </a:t>
+            </a:r>
+            <a:r>
+              <a:rPr lang="en-US"/>
+              <a:t>stands </a:t>
+            </a:r>
+            <a:r>
+              <a:rPr lang="en-US" dirty="0"/>
+              <a:t>for ‘go to a </a:t>
+            </a:r>
+            <a:r>
+              <a:rPr lang="en-US" dirty="0">
+                <a:solidFill>
+                  <a:schemeClr val="tx2"/>
+                </a:solidFill>
+              </a:rPr>
+              <a:t>new line</a:t>
+            </a:r>
+            <a:r>
+              <a:rPr lang="en-US" dirty="0"/>
+              <a:t>’ (</a:t>
+            </a:r>
+            <a:r>
+              <a:rPr lang="en-US" dirty="0">
+                <a:solidFill>
+                  <a:srgbClr val="FF0000"/>
+                </a:solidFill>
+              </a:rPr>
+              <a:t>newline</a:t>
+            </a:r>
+            <a:r>
+              <a:rPr lang="en-US" dirty="0"/>
+              <a:t> character)</a:t>
+            </a:r>
+          </a:p>
+          <a:p>
+            <a:r>
+              <a:rPr lang="en-US" dirty="0"/>
+              <a:t>The format string can also have </a:t>
+            </a:r>
+            <a:r>
+              <a:rPr lang="en-US" dirty="0">
+                <a:solidFill>
+                  <a:srgbClr val="FF0000"/>
+                </a:solidFill>
+              </a:rPr>
               <a:t>conversion specifiers </a:t>
             </a:r>
             <a:r>
@@ -13486,7 +13077,90 @@
               <a:t>for </a:t>
             </a:r>
             <a:r>
-              <a:rPr lang="en-US" dirty="0" smtClean="0">
+              <a:rPr lang="en-US" dirty="0">
+                <a:solidFill>
+                  <a:srgbClr val="FF0000"/>
+                </a:solidFill>
+              </a:rPr>
+              <a:t>values</a:t>
+            </a:r>
+            <a:r>
+              <a:rPr lang="en-US" dirty="0"/>
+              <a:t> to print: conversion specifiers begin with a % sign like:</a:t>
+            </a:r>
+          </a:p>
+          <a:p>
+            <a:r>
+              <a:rPr lang="en-US" dirty="0" err="1">
+                <a:latin typeface="Courier New" panose="02070309020205020404" pitchFamily="49" charset="0"/>
+                <a:cs typeface="Courier New" panose="02070309020205020404" pitchFamily="49" charset="0"/>
+              </a:rPr>
+              <a:t>printf</a:t>
+            </a:r>
+            <a:r>
+              <a:rPr lang="en-US" dirty="0"/>
+              <a:t>(</a:t>
+            </a:r>
+            <a:r>
+              <a:rPr lang="en-US" dirty="0">
+                <a:solidFill>
+                  <a:srgbClr val="FF0000"/>
+                </a:solidFill>
+              </a:rPr>
+              <a:t>“%d”</a:t>
+            </a:r>
+            <a:r>
+              <a:rPr lang="en-US" dirty="0"/>
+              <a:t>, x )      will cause the value of the expression x to be printed.</a:t>
+            </a:r>
+          </a:p>
+          <a:p>
+            <a:r>
+              <a:rPr lang="en-US" dirty="0" err="1">
+                <a:latin typeface="Courier New" panose="02070309020205020404" pitchFamily="49" charset="0"/>
+                <a:cs typeface="Courier New" panose="02070309020205020404" pitchFamily="49" charset="0"/>
+              </a:rPr>
+              <a:t>printf</a:t>
+            </a:r>
+            <a:r>
+              <a:rPr lang="en-US" dirty="0"/>
+              <a:t>(</a:t>
+            </a:r>
+            <a:r>
+              <a:rPr lang="en-US" dirty="0">
+                <a:solidFill>
+                  <a:srgbClr val="FF0000"/>
+                </a:solidFill>
+              </a:rPr>
+              <a:t>“%d   %f”</a:t>
+            </a:r>
+            <a:r>
+              <a:rPr lang="en-US" dirty="0"/>
+              <a:t>,  1024,   6.023) will cause the two numbers to be printed.</a:t>
+            </a:r>
+          </a:p>
+          <a:p>
+            <a:pPr marL="0" indent="0">
+              <a:buNone/>
+            </a:pPr>
+            <a:r>
+              <a:rPr lang="en-US" dirty="0"/>
+              <a:t>example </a:t>
+            </a:r>
+            <a:r>
+              <a:rPr lang="en-US" dirty="0">
+                <a:solidFill>
+                  <a:srgbClr val="FF0000"/>
+                </a:solidFill>
+              </a:rPr>
+              <a:t>conversion specifiers </a:t>
+            </a:r>
+            <a:r>
+              <a:rPr lang="en-US" dirty="0"/>
+              <a:t>for </a:t>
+            </a:r>
+            <a:r>
+              <a:rPr lang="en-US" dirty="0">
                 <a:solidFill>
                   <a:srgbClr val="FF0000"/>
                 </a:solidFill>
@@ -13677,17 +13351,10 @@
   <p:clrMapOvr>
     <a:masterClrMapping/>
   </p:clrMapOvr>
-  <p:timing>
-    <p:tnLst>
-      <p:par>
-        <p:cTn id="1" dur="indefinite" restart="never" nodeType="tmRoot"/>
-      </p:par>
-    </p:tnLst>
-  </p:timing>
 </p:sld>
 </file>
 
-<file path=ppt/slides/slide23.xml><?xml version="1.0" encoding="utf-8"?>
+<file path=ppt/slides/slide24.xml><?xml version="1.0" encoding="utf-8"?>
 <p:sld xmlns:a="http://schemas.openxmlformats.org/drawingml/2006/main" xmlns:r="http://schemas.openxmlformats.org/officeDocument/2006/relationships" xmlns:p="http://schemas.openxmlformats.org/presentationml/2006/main">
   <p:cSld>
     <p:spTree>
@@ -13720,21 +13387,20 @@
           <a:lstStyle/>
           <a:p>
             <a:r>
-              <a:rPr lang="en-US" dirty="0" smtClean="0"/>
+              <a:rPr lang="en-US" dirty="0"/>
               <a:t>A word about </a:t>
             </a:r>
             <a:r>
-              <a:rPr lang="en-US" b="1" dirty="0" err="1" smtClean="0">
+              <a:rPr lang="en-US" b="1" dirty="0" err="1">
                 <a:latin typeface="Courier New" panose="02070309020205020404" pitchFamily="49" charset="0"/>
                 <a:cs typeface="Courier New" panose="02070309020205020404" pitchFamily="49" charset="0"/>
               </a:rPr>
               <a:t>scanf</a:t>
             </a:r>
             <a:r>
-              <a:rPr lang="en-US" dirty="0" smtClean="0"/>
+              <a:rPr lang="en-US" dirty="0"/>
               <a:t> function call</a:t>
             </a:r>
-            <a:endParaRPr lang="en-US" dirty="0"/>
           </a:p>
         </p:txBody>
       </p:sp>
@@ -13761,49 +13427,49 @@
           <a:lstStyle/>
           <a:p>
             <a:r>
-              <a:rPr lang="en-US" dirty="0" err="1" smtClean="0">
+              <a:rPr lang="en-US" dirty="0" err="1">
                 <a:latin typeface="Courier New" panose="02070309020205020404" pitchFamily="49" charset="0"/>
                 <a:cs typeface="Courier New" panose="02070309020205020404" pitchFamily="49" charset="0"/>
               </a:rPr>
               <a:t>scanf</a:t>
             </a:r>
             <a:r>
-              <a:rPr lang="en-US" dirty="0" smtClean="0">
+              <a:rPr lang="en-US" dirty="0">
                 <a:latin typeface="Courier New" panose="02070309020205020404" pitchFamily="49" charset="0"/>
                 <a:cs typeface="Courier New" panose="02070309020205020404" pitchFamily="49" charset="0"/>
               </a:rPr>
               <a:t>(</a:t>
             </a:r>
             <a:r>
-              <a:rPr lang="en-US" dirty="0" smtClean="0"/>
+              <a:rPr lang="en-US" dirty="0"/>
               <a:t>)  is similar to </a:t>
             </a:r>
             <a:r>
-              <a:rPr lang="en-US" dirty="0" err="1" smtClean="0">
+              <a:rPr lang="en-US" dirty="0" err="1">
                 <a:latin typeface="Courier New" panose="02070309020205020404" pitchFamily="49" charset="0"/>
                 <a:cs typeface="Courier New" panose="02070309020205020404" pitchFamily="49" charset="0"/>
               </a:rPr>
               <a:t>printf</a:t>
             </a:r>
             <a:r>
-              <a:rPr lang="en-US" dirty="0" smtClean="0">
+              <a:rPr lang="en-US" dirty="0">
                 <a:latin typeface="Courier New" panose="02070309020205020404" pitchFamily="49" charset="0"/>
                 <a:cs typeface="Courier New" panose="02070309020205020404" pitchFamily="49" charset="0"/>
               </a:rPr>
               <a:t>()</a:t>
             </a:r>
             <a:r>
-              <a:rPr lang="en-US" dirty="0" smtClean="0"/>
+              <a:rPr lang="en-US" dirty="0"/>
               <a:t>.</a:t>
             </a:r>
           </a:p>
           <a:p>
             <a:r>
-              <a:rPr lang="en-US" dirty="0" smtClean="0"/>
+              <a:rPr lang="en-US" dirty="0"/>
               <a:t>The format string must have </a:t>
             </a:r>
             <a:r>
-              <a:rPr lang="en-US" dirty="0" smtClean="0">
+              <a:rPr lang="en-US" dirty="0">
                 <a:solidFill>
                   <a:srgbClr val="FF0000"/>
                 </a:solidFill>
@@ -13811,11 +13477,11 @@
               <a:t>conversion specifiers </a:t>
             </a:r>
             <a:r>
-              <a:rPr lang="en-US" dirty="0" smtClean="0"/>
+              <a:rPr lang="en-US" dirty="0"/>
               <a:t>for </a:t>
             </a:r>
             <a:r>
-              <a:rPr lang="en-US" dirty="0" smtClean="0">
+              <a:rPr lang="en-US" dirty="0">
                 <a:solidFill>
                   <a:srgbClr val="FF0000"/>
                 </a:solidFill>
@@ -13823,11 +13489,11 @@
               <a:t>values</a:t>
             </a:r>
             <a:r>
-              <a:rPr lang="en-US" dirty="0" smtClean="0"/>
+              <a:rPr lang="en-US" dirty="0"/>
               <a:t> to read into </a:t>
             </a:r>
             <a:r>
-              <a:rPr lang="en-US" dirty="0" smtClean="0">
+              <a:rPr lang="en-US" dirty="0">
                 <a:solidFill>
                   <a:srgbClr val="FF0000"/>
                 </a:solidFill>
@@ -13835,45 +13501,45 @@
               <a:t>variables</a:t>
             </a:r>
             <a:r>
-              <a:rPr lang="en-US" dirty="0" smtClean="0"/>
+              <a:rPr lang="en-US" dirty="0"/>
               <a:t>. </a:t>
             </a:r>
           </a:p>
           <a:p>
             <a:r>
-              <a:rPr lang="en-US" dirty="0" smtClean="0"/>
+              <a:rPr lang="en-US" dirty="0"/>
               <a:t>Main difference: corresponding </a:t>
             </a:r>
             <a:r>
-              <a:rPr lang="en-US" b="1" dirty="0" smtClean="0"/>
+              <a:rPr lang="en-US" b="1" dirty="0"/>
               <a:t>variables must be used with the </a:t>
             </a:r>
             <a:r>
-              <a:rPr lang="en-US" b="1" u="sng" dirty="0" smtClean="0"/>
+              <a:rPr lang="en-US" b="1" u="sng" dirty="0"/>
               <a:t> &amp; </a:t>
             </a:r>
             <a:r>
-              <a:rPr lang="en-US" dirty="0" smtClean="0"/>
+              <a:rPr lang="en-US" dirty="0"/>
               <a:t>(ampersand) to give the address.</a:t>
             </a:r>
           </a:p>
           <a:p>
             <a:r>
-              <a:rPr lang="en-US" dirty="0" err="1" smtClean="0">
+              <a:rPr lang="en-US" dirty="0" err="1">
                 <a:latin typeface="Courier New" panose="02070309020205020404" pitchFamily="49" charset="0"/>
                 <a:cs typeface="Courier New" panose="02070309020205020404" pitchFamily="49" charset="0"/>
               </a:rPr>
               <a:t>printf</a:t>
             </a:r>
             <a:r>
-              <a:rPr lang="en-US" dirty="0" smtClean="0">
+              <a:rPr lang="en-US" dirty="0">
                 <a:latin typeface="Courier New" panose="02070309020205020404" pitchFamily="49" charset="0"/>
                 <a:cs typeface="Courier New" panose="02070309020205020404" pitchFamily="49" charset="0"/>
               </a:rPr>
               <a:t>(</a:t>
             </a:r>
             <a:r>
-              <a:rPr lang="en-US" dirty="0" smtClean="0">
+              <a:rPr lang="en-US" dirty="0">
                 <a:solidFill>
                   <a:srgbClr val="FF0000"/>
                 </a:solidFill>
@@ -13883,35 +13549,35 @@
               <a:t>“%d”</a:t>
             </a:r>
             <a:r>
-              <a:rPr lang="en-US" dirty="0" smtClean="0">
+              <a:rPr lang="en-US" dirty="0">
                 <a:latin typeface="Courier New" panose="02070309020205020404" pitchFamily="49" charset="0"/>
                 <a:cs typeface="Courier New" panose="02070309020205020404" pitchFamily="49" charset="0"/>
               </a:rPr>
               <a:t>, x)    </a:t>
             </a:r>
             <a:r>
-              <a:rPr lang="en-US" dirty="0" smtClean="0"/>
+              <a:rPr lang="en-US" dirty="0"/>
               <a:t>will print on the display</a:t>
             </a:r>
             <a:br>
-              <a:rPr lang="en-US" dirty="0" smtClean="0"/>
+              <a:rPr lang="en-US" dirty="0"/>
             </a:br>
             <a:r>
-              <a:rPr lang="en-US" dirty="0" err="1" smtClean="0">
+              <a:rPr lang="en-US" dirty="0" err="1">
                 <a:latin typeface="Courier New" panose="02070309020205020404" pitchFamily="49" charset="0"/>
                 <a:cs typeface="Courier New" panose="02070309020205020404" pitchFamily="49" charset="0"/>
               </a:rPr>
               <a:t>scanf</a:t>
             </a:r>
             <a:r>
-              <a:rPr lang="en-US" dirty="0" smtClean="0">
+              <a:rPr lang="en-US" dirty="0">
                 <a:latin typeface="Courier New" panose="02070309020205020404" pitchFamily="49" charset="0"/>
                 <a:cs typeface="Courier New" panose="02070309020205020404" pitchFamily="49" charset="0"/>
               </a:rPr>
               <a:t>(</a:t>
             </a:r>
             <a:r>
-              <a:rPr lang="en-US" dirty="0" smtClean="0">
+              <a:rPr lang="en-US" dirty="0">
                 <a:solidFill>
                   <a:srgbClr val="FF0000"/>
                 </a:solidFill>
@@ -13921,14 +13587,14 @@
               <a:t>“%d”</a:t>
             </a:r>
             <a:r>
-              <a:rPr lang="en-US" dirty="0" smtClean="0">
+              <a:rPr lang="en-US" dirty="0">
                 <a:latin typeface="Courier New" panose="02070309020205020404" pitchFamily="49" charset="0"/>
                 <a:cs typeface="Courier New" panose="02070309020205020404" pitchFamily="49" charset="0"/>
               </a:rPr>
               <a:t>, </a:t>
             </a:r>
             <a:r>
-              <a:rPr lang="en-US" sz="3200" b="1" dirty="0" smtClean="0">
+              <a:rPr lang="en-US" sz="3200" b="1" dirty="0">
                 <a:solidFill>
                   <a:srgbClr val="7030A0"/>
                 </a:solidFill>
@@ -13937,54 +13603,54 @@
               <a:t>&amp;</a:t>
             </a:r>
             <a:r>
-              <a:rPr lang="en-US" dirty="0" smtClean="0">
+              <a:rPr lang="en-US" dirty="0">
                 <a:latin typeface="Courier New" panose="02070309020205020404" pitchFamily="49" charset="0"/>
                 <a:cs typeface="Courier New" panose="02070309020205020404" pitchFamily="49" charset="0"/>
               </a:rPr>
               <a:t>x)    </a:t>
             </a:r>
             <a:r>
-              <a:rPr lang="en-US" dirty="0" smtClean="0"/>
+              <a:rPr lang="en-US" dirty="0"/>
               <a:t>will read from the keyboard</a:t>
             </a:r>
             <a:br>
-              <a:rPr lang="en-US" dirty="0" smtClean="0"/>
+              <a:rPr lang="en-US" dirty="0"/>
             </a:br>
             <a:r>
-              <a:rPr lang="en-US" dirty="0" smtClean="0"/>
+              <a:rPr lang="en-US" dirty="0"/>
               <a:t>cause the value of the </a:t>
             </a:r>
             <a:r>
-              <a:rPr lang="en-US" b="1" dirty="0" smtClean="0"/>
+              <a:rPr lang="en-US" b="1" dirty="0"/>
               <a:t>variable x </a:t>
             </a:r>
             <a:r>
-              <a:rPr lang="en-US" dirty="0" smtClean="0"/>
+              <a:rPr lang="en-US" dirty="0"/>
               <a:t>to be </a:t>
             </a:r>
             <a:r>
-              <a:rPr lang="en-US" b="1" dirty="0" smtClean="0"/>
+              <a:rPr lang="en-US" b="1" dirty="0"/>
               <a:t>changed</a:t>
             </a:r>
             <a:r>
-              <a:rPr lang="en-US" dirty="0" smtClean="0"/>
+              <a:rPr lang="en-US" dirty="0"/>
               <a:t>.</a:t>
             </a:r>
           </a:p>
           <a:p>
             <a:r>
-              <a:rPr lang="en-US" dirty="0" err="1" smtClean="0">
+              <a:rPr lang="en-US" dirty="0" err="1">
                 <a:latin typeface="Courier New" panose="02070309020205020404" pitchFamily="49" charset="0"/>
                 <a:cs typeface="Courier New" panose="02070309020205020404" pitchFamily="49" charset="0"/>
               </a:rPr>
               <a:t>scanf</a:t>
             </a:r>
             <a:r>
-              <a:rPr lang="en-US" dirty="0" smtClean="0"/>
+              <a:rPr lang="en-US" dirty="0"/>
               <a:t>(</a:t>
             </a:r>
             <a:r>
-              <a:rPr lang="en-US" dirty="0" smtClean="0">
+              <a:rPr lang="en-US" dirty="0">
                 <a:solidFill>
                   <a:srgbClr val="FF0000"/>
                 </a:solidFill>
@@ -13992,58 +13658,58 @@
               <a:t>“%d   %f”</a:t>
             </a:r>
             <a:r>
-              <a:rPr lang="en-US" dirty="0" smtClean="0"/>
+              <a:rPr lang="en-US" dirty="0"/>
               <a:t>,   &amp;x,     &amp;f)  will read values into two</a:t>
             </a:r>
             <a:r>
-              <a:rPr lang="en-US" b="1" dirty="0" smtClean="0"/>
+              <a:rPr lang="en-US" b="1" dirty="0"/>
               <a:t> variables  </a:t>
             </a:r>
             <a:br>
-              <a:rPr lang="en-US" b="1" dirty="0" smtClean="0"/>
+              <a:rPr lang="en-US" b="1" dirty="0"/>
             </a:br>
             <a:r>
-              <a:rPr lang="en-US" b="1" dirty="0" smtClean="0"/>
+              <a:rPr lang="en-US" b="1" dirty="0"/>
               <a:t>                                                             of type </a:t>
             </a:r>
             <a:r>
-              <a:rPr lang="en-US" dirty="0" err="1" smtClean="0">
+              <a:rPr lang="en-US" dirty="0" err="1">
                 <a:latin typeface="Courier New" panose="02070309020205020404" pitchFamily="49" charset="0"/>
                 <a:cs typeface="Courier New" panose="02070309020205020404" pitchFamily="49" charset="0"/>
               </a:rPr>
               <a:t>int</a:t>
             </a:r>
             <a:r>
-              <a:rPr lang="en-US" dirty="0" smtClean="0"/>
+              <a:rPr lang="en-US" dirty="0"/>
               <a:t> and </a:t>
             </a:r>
             <a:r>
-              <a:rPr lang="en-US" dirty="0" smtClean="0">
+              <a:rPr lang="en-US" dirty="0">
                 <a:latin typeface="Courier New" panose="02070309020205020404" pitchFamily="49" charset="0"/>
                 <a:cs typeface="Courier New" panose="02070309020205020404" pitchFamily="49" charset="0"/>
               </a:rPr>
               <a:t>float</a:t>
             </a:r>
             <a:r>
-              <a:rPr lang="en-US" dirty="0" smtClean="0"/>
+              <a:rPr lang="en-US" dirty="0"/>
               <a:t>.</a:t>
             </a:r>
           </a:p>
           <a:p>
             <a:r>
-              <a:rPr lang="en-US" b="1" dirty="0" smtClean="0"/>
+              <a:rPr lang="en-US" b="1" dirty="0"/>
               <a:t>Do not </a:t>
             </a:r>
             <a:r>
-              <a:rPr lang="en-US" dirty="0" smtClean="0"/>
+              <a:rPr lang="en-US" dirty="0"/>
               <a:t>use newlines or other special characters in </a:t>
             </a:r>
             <a:r>
-              <a:rPr lang="en-US" dirty="0" err="1" smtClean="0"/>
+              <a:rPr lang="en-US" dirty="0" err="1"/>
               <a:t>scanf</a:t>
             </a:r>
             <a:r>
-              <a:rPr lang="en-US" dirty="0" smtClean="0"/>
+              <a:rPr lang="en-US" dirty="0"/>
               <a:t> (unless…)</a:t>
             </a:r>
           </a:p>
@@ -14319,7 +13985,7 @@
           <a:p>
             <a:pPr algn="ctr"/>
             <a:r>
-              <a:rPr lang="en-US" sz="3200" b="1" dirty="0" smtClean="0">
+              <a:rPr lang="en-US" sz="3200" b="1" dirty="0">
                 <a:solidFill>
                   <a:schemeClr val="tx1"/>
                 </a:solidFill>
@@ -14344,166 +14010,6 @@
   <p:clrMapOvr>
     <a:masterClrMapping/>
   </p:clrMapOvr>
-  <p:timing>
-    <p:tnLst>
-      <p:par>
-        <p:cTn id="1" dur="indefinite" restart="never" nodeType="tmRoot"/>
-      </p:par>
-    </p:tnLst>
-  </p:timing>
-</p:sld>
-</file>
-
-<file path=ppt/slides/slide24.xml><?xml version="1.0" encoding="utf-8"?>
-<p:sld xmlns:a="http://schemas.openxmlformats.org/drawingml/2006/main" xmlns:r="http://schemas.openxmlformats.org/officeDocument/2006/relationships" xmlns:p="http://schemas.openxmlformats.org/presentationml/2006/main">
-  <p:cSld>
-    <p:spTree>
-      <p:nvGrpSpPr>
-        <p:cNvPr id="1" name=""/>
-        <p:cNvGrpSpPr/>
-        <p:nvPr/>
-      </p:nvGrpSpPr>
-      <p:grpSpPr>
-        <a:xfrm>
-          <a:off x="0" y="0"/>
-          <a:ext cx="0" cy="0"/>
-          <a:chOff x="0" y="0"/>
-          <a:chExt cx="0" cy="0"/>
-        </a:xfrm>
-      </p:grpSpPr>
-      <p:sp>
-        <p:nvSpPr>
-          <p:cNvPr id="2" name="Title 1"/>
-          <p:cNvSpPr>
-            <a:spLocks noGrp="1"/>
-          </p:cNvSpPr>
-          <p:nvPr>
-            <p:ph type="title"/>
-          </p:nvPr>
-        </p:nvSpPr>
-        <p:spPr/>
-        <p:txBody>
-          <a:bodyPr/>
-          <a:lstStyle/>
-          <a:p>
-            <a:r>
-              <a:rPr lang="en-US" dirty="0" smtClean="0"/>
-              <a:t>Exercises for exploration</a:t>
-            </a:r>
-            <a:endParaRPr lang="en-US" dirty="0"/>
-          </a:p>
-        </p:txBody>
-      </p:sp>
-      <p:sp>
-        <p:nvSpPr>
-          <p:cNvPr id="3" name="Content Placeholder 2"/>
-          <p:cNvSpPr>
-            <a:spLocks noGrp="1"/>
-          </p:cNvSpPr>
-          <p:nvPr>
-            <p:ph idx="1"/>
-          </p:nvPr>
-        </p:nvSpPr>
-        <p:spPr/>
-        <p:txBody>
-          <a:bodyPr/>
-          <a:lstStyle/>
-          <a:p>
-            <a:r>
-              <a:rPr lang="en-US" dirty="0" smtClean="0"/>
-              <a:t>Take a look at some of the functions in the </a:t>
-            </a:r>
-            <a:r>
-              <a:rPr lang="en-US" b="1" dirty="0" err="1" smtClean="0"/>
-              <a:t>github</a:t>
-            </a:r>
-            <a:r>
-              <a:rPr lang="en-US" dirty="0" smtClean="0"/>
-              <a:t> repository</a:t>
-            </a:r>
-          </a:p>
-          <a:p>
-            <a:r>
-              <a:rPr lang="en-US" dirty="0" smtClean="0"/>
-              <a:t>Identify functions – their names and their blocks (bodies).</a:t>
-            </a:r>
-          </a:p>
-          <a:p>
-            <a:r>
-              <a:rPr lang="en-US" dirty="0" smtClean="0"/>
-              <a:t>Are there any things that are not in functions? If you see any, what do they look like, typically?</a:t>
-            </a:r>
-          </a:p>
-          <a:p>
-            <a:r>
-              <a:rPr lang="en-US" dirty="0" smtClean="0"/>
-              <a:t>Try to download any of the </a:t>
-            </a:r>
-            <a:r>
-              <a:rPr lang="en-US" b="1" dirty="0" err="1" smtClean="0"/>
-              <a:t>github</a:t>
-            </a:r>
-            <a:r>
-              <a:rPr lang="en-US" dirty="0" smtClean="0"/>
-              <a:t> programs. (some have errors on purpose).</a:t>
-            </a:r>
-          </a:p>
-          <a:p>
-            <a:r>
-              <a:rPr lang="en-US" dirty="0" smtClean="0"/>
-              <a:t>If any of them creates an </a:t>
-            </a:r>
-            <a:r>
-              <a:rPr lang="en-US" dirty="0" err="1" smtClean="0">
-                <a:latin typeface="Courier New" panose="02070309020205020404" pitchFamily="49" charset="0"/>
-                <a:cs typeface="Courier New" panose="02070309020205020404" pitchFamily="49" charset="0"/>
-              </a:rPr>
-              <a:t>a.out</a:t>
-            </a:r>
-            <a:r>
-              <a:rPr lang="en-US" dirty="0" smtClean="0"/>
-              <a:t> try to execute it.</a:t>
-            </a:r>
-          </a:p>
-          <a:p>
-            <a:r>
-              <a:rPr lang="en-US" dirty="0" smtClean="0"/>
-              <a:t>Modify any program by changing the </a:t>
-            </a:r>
-            <a:r>
-              <a:rPr lang="en-US" dirty="0" err="1" smtClean="0">
-                <a:latin typeface="Courier New" panose="02070309020205020404" pitchFamily="49" charset="0"/>
-                <a:cs typeface="Courier New" panose="02070309020205020404" pitchFamily="49" charset="0"/>
-              </a:rPr>
-              <a:t>printf</a:t>
-            </a:r>
-            <a:r>
-              <a:rPr lang="en-US" dirty="0" smtClean="0"/>
-              <a:t> just a little bit. Then again compile and run and see what happens.</a:t>
-            </a:r>
-          </a:p>
-          <a:p>
-            <a:endParaRPr lang="en-US" dirty="0"/>
-          </a:p>
-        </p:txBody>
-      </p:sp>
-    </p:spTree>
-    <p:extLst>
-      <p:ext uri="{BB962C8B-B14F-4D97-AF65-F5344CB8AC3E}">
-        <p14:creationId xmlns:p14="http://schemas.microsoft.com/office/powerpoint/2010/main" val="2572631999"/>
-      </p:ext>
-    </p:extLst>
-  </p:cSld>
-  <p:clrMapOvr>
-    <a:masterClrMapping/>
-  </p:clrMapOvr>
-  <p:timing>
-    <p:tnLst>
-      <p:par>
-        <p:cTn id="1" dur="indefinite" restart="never" nodeType="tmRoot"/>
-      </p:par>
-    </p:tnLst>
-  </p:timing>
 </p:sld>
 </file>
 
@@ -14540,10 +14046,9 @@
           <a:lstStyle/>
           <a:p>
             <a:r>
-              <a:rPr lang="en-US" dirty="0" smtClean="0"/>
-              <a:t>Summary 1/2</a:t>
-            </a:r>
-            <a:endParaRPr lang="en-US" dirty="0"/>
+              <a:rPr lang="en-US" dirty="0"/>
+              <a:t>Exercises for exploration</a:t>
+            </a:r>
           </a:p>
         </p:txBody>
       </p:sp>
@@ -14557,232 +14062,99 @@
             <p:ph idx="1"/>
           </p:nvPr>
         </p:nvSpPr>
-        <p:spPr>
-          <a:xfrm>
-            <a:off x="838200" y="1480457"/>
-            <a:ext cx="11049000" cy="4644572"/>
-          </a:xfrm>
-        </p:spPr>
-        <p:txBody>
-          <a:bodyPr>
-            <a:noAutofit/>
-          </a:bodyPr>
+        <p:spPr/>
+        <p:txBody>
+          <a:bodyPr/>
           <a:lstStyle/>
           <a:p>
             <a:r>
               <a:rPr lang="en-US" dirty="0"/>
-              <a:t>W</a:t>
-            </a:r>
-            <a:r>
-              <a:rPr lang="en-US" dirty="0" smtClean="0"/>
-              <a:t>hat is programming, Why we program and Why we choose C.</a:t>
-            </a:r>
-          </a:p>
-          <a:p>
-            <a:r>
-              <a:rPr lang="en-US" dirty="0" smtClean="0"/>
-              <a:t>C programs consist of these artifacts (as we saw so far):</a:t>
-            </a:r>
-          </a:p>
-          <a:p>
-            <a:pPr lvl="1"/>
-            <a:r>
-              <a:rPr lang="en-US" b="1" dirty="0" smtClean="0"/>
-              <a:t>Values</a:t>
-            </a:r>
-            <a:r>
-              <a:rPr lang="en-US" dirty="0" smtClean="0"/>
-              <a:t> are stored in locations in memory – </a:t>
-            </a:r>
-            <a:r>
-              <a:rPr lang="en-US" b="1" dirty="0" smtClean="0"/>
-              <a:t>variables.</a:t>
-            </a:r>
-          </a:p>
-          <a:p>
-            <a:pPr lvl="1"/>
-            <a:r>
-              <a:rPr lang="en-US" dirty="0" smtClean="0"/>
-              <a:t>Instructions/ </a:t>
-            </a:r>
-            <a:r>
-              <a:rPr lang="en-US" b="1" dirty="0" smtClean="0"/>
-              <a:t>statements</a:t>
-            </a:r>
-            <a:r>
-              <a:rPr lang="en-US" dirty="0" smtClean="0"/>
-              <a:t> often </a:t>
-            </a:r>
-            <a:r>
-              <a:rPr lang="en-US" b="1" dirty="0" smtClean="0"/>
-              <a:t>modify variable </a:t>
-            </a:r>
-            <a:r>
-              <a:rPr lang="en-US" dirty="0" smtClean="0"/>
-              <a:t>values.</a:t>
-            </a:r>
-          </a:p>
-          <a:p>
-            <a:pPr lvl="2"/>
-            <a:r>
-              <a:rPr lang="en-US" dirty="0" smtClean="0"/>
-              <a:t>In C  ‘</a:t>
-            </a:r>
-            <a:r>
-              <a:rPr lang="en-US" b="1" dirty="0" smtClean="0">
-                <a:solidFill>
-                  <a:srgbClr val="FF0000"/>
-                </a:solidFill>
-              </a:rPr>
-              <a:t>=</a:t>
-            </a:r>
-            <a:r>
-              <a:rPr lang="en-US" dirty="0" smtClean="0"/>
-              <a:t>’ is an instruction to change memory </a:t>
-            </a:r>
-            <a:r>
-              <a:rPr lang="en-US" i="1" u="sng" dirty="0" smtClean="0"/>
-              <a:t>it is not </a:t>
-            </a:r>
-            <a:r>
-              <a:rPr lang="en-US" dirty="0" smtClean="0"/>
-              <a:t>a relation!</a:t>
-            </a:r>
-          </a:p>
-          <a:p>
-            <a:pPr lvl="1"/>
-            <a:r>
-              <a:rPr lang="en-US" dirty="0" smtClean="0"/>
-              <a:t>Statements often end with “;”</a:t>
-            </a:r>
-          </a:p>
-          <a:p>
-            <a:pPr lvl="1"/>
-            <a:r>
-              <a:rPr lang="en-US" dirty="0" smtClean="0"/>
-              <a:t>Statements often comprise of </a:t>
-            </a:r>
-            <a:r>
-              <a:rPr lang="en-US" b="1" dirty="0" smtClean="0"/>
-              <a:t>expressions</a:t>
-            </a:r>
-            <a:r>
-              <a:rPr lang="en-US" dirty="0" smtClean="0"/>
-              <a:t> like arithmetic expressions</a:t>
-            </a:r>
-          </a:p>
-          <a:p>
-            <a:pPr lvl="1"/>
+              <a:t>Take a look at some of the functions in the </a:t>
+            </a:r>
+            <a:r>
+              <a:rPr lang="en-US" b="1" dirty="0" err="1"/>
+              <a:t>github</a:t>
+            </a:r>
+            <a:r>
+              <a:rPr lang="en-US" dirty="0"/>
+              <a:t> repository</a:t>
+            </a:r>
+          </a:p>
+          <a:p>
+            <a:r>
+              <a:rPr lang="en-US" dirty="0"/>
+              <a:t>Identify functions – their names and their blocks (bodies).</a:t>
+            </a:r>
+          </a:p>
+          <a:p>
+            <a:r>
+              <a:rPr lang="en-US" dirty="0"/>
+              <a:t>Are there any things that are not in functions? If you see any, what do they look like, typically?</a:t>
+            </a:r>
+          </a:p>
+          <a:p>
+            <a:r>
+              <a:rPr lang="en-US" dirty="0"/>
+              <a:t>Try to download any of the </a:t>
+            </a:r>
+            <a:r>
+              <a:rPr lang="en-US" b="1" dirty="0" err="1"/>
+              <a:t>github</a:t>
+            </a:r>
+            <a:r>
+              <a:rPr lang="en-US" dirty="0"/>
+              <a:t> programs. (some have errors on purpose).</a:t>
+            </a:r>
+          </a:p>
+          <a:p>
+            <a:r>
+              <a:rPr lang="en-US" dirty="0"/>
+              <a:t>If any of them creates an </a:t>
+            </a:r>
+            <a:r>
+              <a:rPr lang="en-US" dirty="0" err="1">
+                <a:latin typeface="Courier New" panose="02070309020205020404" pitchFamily="49" charset="0"/>
+                <a:cs typeface="Courier New" panose="02070309020205020404" pitchFamily="49" charset="0"/>
+              </a:rPr>
+              <a:t>a.out</a:t>
+            </a:r>
+            <a:r>
+              <a:rPr lang="en-US" dirty="0"/>
+              <a:t> try to execute it.</a:t>
+            </a:r>
+          </a:p>
+          <a:p>
+            <a:r>
+              <a:rPr lang="en-US" dirty="0"/>
+              <a:t>Modify any program by changing the </a:t>
+            </a:r>
+            <a:r>
+              <a:rPr lang="en-US" dirty="0" err="1">
+                <a:latin typeface="Courier New" panose="02070309020205020404" pitchFamily="49" charset="0"/>
+                <a:cs typeface="Courier New" panose="02070309020205020404" pitchFamily="49" charset="0"/>
+              </a:rPr>
+              <a:t>printf</a:t>
+            </a:r>
+            <a:r>
+              <a:rPr lang="en-US" dirty="0"/>
+              <a:t> just a little bit. Then again compile and run and see what happens.</a:t>
+            </a:r>
+          </a:p>
+          <a:p>
             <a:endParaRPr lang="en-US" dirty="0"/>
-          </a:p>
-          <a:p>
-            <a:pPr lvl="1"/>
-            <a:r>
-              <a:rPr lang="en-US" dirty="0" smtClean="0"/>
-              <a:t>Statements are grouped into </a:t>
-            </a:r>
-            <a:r>
-              <a:rPr lang="en-US" b="1" dirty="0" smtClean="0"/>
-              <a:t>functions</a:t>
-            </a:r>
-            <a:r>
-              <a:rPr lang="en-US" dirty="0" smtClean="0"/>
-              <a:t> which have a </a:t>
-            </a:r>
-            <a:r>
-              <a:rPr lang="en-US" b="1" dirty="0" smtClean="0"/>
-              <a:t>name</a:t>
-            </a:r>
-            <a:r>
-              <a:rPr lang="en-US" dirty="0" smtClean="0"/>
-              <a:t> and </a:t>
-            </a:r>
-            <a:r>
-              <a:rPr lang="en-US" b="1" dirty="0" smtClean="0"/>
-              <a:t>parenthesis</a:t>
-            </a:r>
-          </a:p>
-          <a:p>
-            <a:pPr lvl="1"/>
-            <a:r>
-              <a:rPr lang="en-US" dirty="0" smtClean="0"/>
-              <a:t>A </a:t>
-            </a:r>
-            <a:r>
-              <a:rPr lang="en-US" b="1" dirty="0" smtClean="0"/>
-              <a:t>block</a:t>
-            </a:r>
-            <a:r>
-              <a:rPr lang="en-US" dirty="0" smtClean="0"/>
-              <a:t> (enclosed in “{ … }”) is a way to group a set of statements</a:t>
-            </a:r>
-          </a:p>
-          <a:p>
-            <a:pPr lvl="1"/>
-            <a:r>
-              <a:rPr lang="en-US" dirty="0" smtClean="0"/>
-              <a:t>A function definition </a:t>
-            </a:r>
-            <a:r>
-              <a:rPr lang="en-US" b="1" dirty="0" smtClean="0"/>
-              <a:t>body</a:t>
-            </a:r>
-            <a:r>
-              <a:rPr lang="en-US" dirty="0" smtClean="0"/>
-              <a:t> is a block of statements.</a:t>
-            </a:r>
-          </a:p>
-          <a:p>
-            <a:pPr lvl="1"/>
-            <a:r>
-              <a:rPr lang="en-US" dirty="0" err="1">
-                <a:latin typeface="Courier New" panose="02070309020205020404" pitchFamily="49" charset="0"/>
-                <a:cs typeface="Courier New" panose="02070309020205020404" pitchFamily="49" charset="0"/>
-              </a:rPr>
-              <a:t>p</a:t>
-            </a:r>
-            <a:r>
-              <a:rPr lang="en-US" dirty="0" err="1" smtClean="0">
-                <a:latin typeface="Courier New" panose="02070309020205020404" pitchFamily="49" charset="0"/>
-                <a:cs typeface="Courier New" panose="02070309020205020404" pitchFamily="49" charset="0"/>
-              </a:rPr>
-              <a:t>rintf</a:t>
-            </a:r>
-            <a:r>
-              <a:rPr lang="en-US" dirty="0" smtClean="0"/>
-              <a:t> and </a:t>
-            </a:r>
-            <a:r>
-              <a:rPr lang="en-US" dirty="0" err="1">
-                <a:latin typeface="Courier New" panose="02070309020205020404" pitchFamily="49" charset="0"/>
-                <a:cs typeface="Courier New" panose="02070309020205020404" pitchFamily="49" charset="0"/>
-              </a:rPr>
-              <a:t>scanf</a:t>
-            </a:r>
-            <a:r>
-              <a:rPr lang="en-US" dirty="0" smtClean="0"/>
-              <a:t> are library functions to write to display and read from keyboard.</a:t>
-            </a:r>
           </a:p>
         </p:txBody>
       </p:sp>
     </p:spTree>
     <p:extLst>
       <p:ext uri="{BB962C8B-B14F-4D97-AF65-F5344CB8AC3E}">
-        <p14:creationId xmlns:p14="http://schemas.microsoft.com/office/powerpoint/2010/main" val="2196347818"/>
+        <p14:creationId xmlns:p14="http://schemas.microsoft.com/office/powerpoint/2010/main" val="2572631999"/>
       </p:ext>
     </p:extLst>
   </p:cSld>
   <p:clrMapOvr>
     <a:masterClrMapping/>
   </p:clrMapOvr>
-  <p:timing>
-    <p:tnLst>
-      <p:par>
-        <p:cTn id="1" dur="indefinite" restart="never" nodeType="tmRoot"/>
-      </p:par>
-    </p:tnLst>
-  </p:timing>
 </p:sld>
 </file>
 
@@ -14819,10 +14191,9 @@
           <a:lstStyle/>
           <a:p>
             <a:r>
-              <a:rPr lang="en-US" dirty="0" smtClean="0"/>
-              <a:t>Summary 2/2</a:t>
-            </a:r>
-            <a:endParaRPr lang="en-US" dirty="0"/>
+              <a:rPr lang="en-US" dirty="0"/>
+              <a:t>Summary 1/2</a:t>
+            </a:r>
           </a:p>
         </p:txBody>
       </p:sp>
@@ -14838,6 +14209,266 @@
         </p:nvSpPr>
         <p:spPr>
           <a:xfrm>
+            <a:off x="838200" y="1480457"/>
+            <a:ext cx="11049000" cy="4644572"/>
+          </a:xfrm>
+        </p:spPr>
+        <p:txBody>
+          <a:bodyPr>
+            <a:noAutofit/>
+          </a:bodyPr>
+          <a:lstStyle/>
+          <a:p>
+            <a:r>
+              <a:rPr lang="en-US" dirty="0"/>
+              <a:t>What is programming, Why we program and Why we choose C.</a:t>
+            </a:r>
+          </a:p>
+          <a:p>
+            <a:r>
+              <a:rPr lang="en-US" dirty="0"/>
+              <a:t>C programs consist of these artifacts (as we saw so far):</a:t>
+            </a:r>
+          </a:p>
+          <a:p>
+            <a:pPr lvl="1"/>
+            <a:r>
+              <a:rPr lang="en-US" b="1" dirty="0"/>
+              <a:t>Values</a:t>
+            </a:r>
+            <a:r>
+              <a:rPr lang="en-US" dirty="0"/>
+              <a:t> are stored in locations in memory – </a:t>
+            </a:r>
+            <a:r>
+              <a:rPr lang="en-US" b="1" dirty="0"/>
+              <a:t>variables.</a:t>
+            </a:r>
+          </a:p>
+          <a:p>
+            <a:pPr lvl="1"/>
+            <a:r>
+              <a:rPr lang="en-US" dirty="0"/>
+              <a:t>Instructions/ </a:t>
+            </a:r>
+            <a:r>
+              <a:rPr lang="en-US" b="1" dirty="0"/>
+              <a:t>statements</a:t>
+            </a:r>
+            <a:r>
+              <a:rPr lang="en-US" dirty="0"/>
+              <a:t> often </a:t>
+            </a:r>
+            <a:r>
+              <a:rPr lang="en-US" b="1" dirty="0"/>
+              <a:t>modify variable </a:t>
+            </a:r>
+            <a:r>
+              <a:rPr lang="en-US" dirty="0"/>
+              <a:t>values.</a:t>
+            </a:r>
+          </a:p>
+          <a:p>
+            <a:pPr lvl="2"/>
+            <a:r>
+              <a:rPr lang="en-US" dirty="0"/>
+              <a:t>In C  ‘</a:t>
+            </a:r>
+            <a:r>
+              <a:rPr lang="en-US" b="1" dirty="0">
+                <a:solidFill>
+                  <a:srgbClr val="FF0000"/>
+                </a:solidFill>
+              </a:rPr>
+              <a:t>=</a:t>
+            </a:r>
+            <a:r>
+              <a:rPr lang="en-US" dirty="0"/>
+              <a:t>’ is an instruction to change memory </a:t>
+            </a:r>
+            <a:r>
+              <a:rPr lang="en-US" i="1" u="sng" dirty="0"/>
+              <a:t>it is not </a:t>
+            </a:r>
+            <a:r>
+              <a:rPr lang="en-US" dirty="0"/>
+              <a:t>a relation!</a:t>
+            </a:r>
+          </a:p>
+          <a:p>
+            <a:pPr lvl="1"/>
+            <a:r>
+              <a:rPr lang="en-US" dirty="0"/>
+              <a:t>Statements often end with “;”</a:t>
+            </a:r>
+          </a:p>
+          <a:p>
+            <a:pPr lvl="1"/>
+            <a:r>
+              <a:rPr lang="en-US" dirty="0"/>
+              <a:t>Statements often comprise of </a:t>
+            </a:r>
+            <a:r>
+              <a:rPr lang="en-US" b="1" dirty="0"/>
+              <a:t>expressions</a:t>
+            </a:r>
+            <a:r>
+              <a:rPr lang="en-US" dirty="0"/>
+              <a:t> like arithmetic expressions</a:t>
+            </a:r>
+          </a:p>
+          <a:p>
+            <a:pPr lvl="1"/>
+            <a:endParaRPr lang="en-US" dirty="0"/>
+          </a:p>
+          <a:p>
+            <a:pPr lvl="1"/>
+            <a:r>
+              <a:rPr lang="en-US" dirty="0"/>
+              <a:t>Statements are grouped into </a:t>
+            </a:r>
+            <a:r>
+              <a:rPr lang="en-US" b="1" dirty="0"/>
+              <a:t>functions</a:t>
+            </a:r>
+            <a:r>
+              <a:rPr lang="en-US" dirty="0"/>
+              <a:t> which have a </a:t>
+            </a:r>
+            <a:r>
+              <a:rPr lang="en-US" b="1" dirty="0"/>
+              <a:t>name</a:t>
+            </a:r>
+            <a:r>
+              <a:rPr lang="en-US" dirty="0"/>
+              <a:t> and </a:t>
+            </a:r>
+            <a:r>
+              <a:rPr lang="en-US" b="1" dirty="0"/>
+              <a:t>parenthesis</a:t>
+            </a:r>
+          </a:p>
+          <a:p>
+            <a:pPr lvl="1"/>
+            <a:r>
+              <a:rPr lang="en-US" dirty="0"/>
+              <a:t>A </a:t>
+            </a:r>
+            <a:r>
+              <a:rPr lang="en-US" b="1" dirty="0"/>
+              <a:t>block</a:t>
+            </a:r>
+            <a:r>
+              <a:rPr lang="en-US" dirty="0"/>
+              <a:t> (enclosed in “{ … }”) is a way to group a set of statements</a:t>
+            </a:r>
+          </a:p>
+          <a:p>
+            <a:pPr lvl="1"/>
+            <a:r>
+              <a:rPr lang="en-US" dirty="0"/>
+              <a:t>A function definition </a:t>
+            </a:r>
+            <a:r>
+              <a:rPr lang="en-US" b="1" dirty="0"/>
+              <a:t>body</a:t>
+            </a:r>
+            <a:r>
+              <a:rPr lang="en-US" dirty="0"/>
+              <a:t> is a block of statements.</a:t>
+            </a:r>
+          </a:p>
+          <a:p>
+            <a:pPr lvl="1"/>
+            <a:r>
+              <a:rPr lang="en-US" dirty="0" err="1">
+                <a:latin typeface="Courier New" panose="02070309020205020404" pitchFamily="49" charset="0"/>
+                <a:cs typeface="Courier New" panose="02070309020205020404" pitchFamily="49" charset="0"/>
+              </a:rPr>
+              <a:t>printf</a:t>
+            </a:r>
+            <a:r>
+              <a:rPr lang="en-US" dirty="0"/>
+              <a:t> and </a:t>
+            </a:r>
+            <a:r>
+              <a:rPr lang="en-US" dirty="0" err="1">
+                <a:latin typeface="Courier New" panose="02070309020205020404" pitchFamily="49" charset="0"/>
+                <a:cs typeface="Courier New" panose="02070309020205020404" pitchFamily="49" charset="0"/>
+              </a:rPr>
+              <a:t>scanf</a:t>
+            </a:r>
+            <a:r>
+              <a:rPr lang="en-US" dirty="0"/>
+              <a:t> are library functions to write to display and read from keyboard.</a:t>
+            </a:r>
+          </a:p>
+        </p:txBody>
+      </p:sp>
+    </p:spTree>
+    <p:extLst>
+      <p:ext uri="{BB962C8B-B14F-4D97-AF65-F5344CB8AC3E}">
+        <p14:creationId xmlns:p14="http://schemas.microsoft.com/office/powerpoint/2010/main" val="2196347818"/>
+      </p:ext>
+    </p:extLst>
+  </p:cSld>
+  <p:clrMapOvr>
+    <a:masterClrMapping/>
+  </p:clrMapOvr>
+</p:sld>
+</file>
+
+<file path=ppt/slides/slide27.xml><?xml version="1.0" encoding="utf-8"?>
+<p:sld xmlns:a="http://schemas.openxmlformats.org/drawingml/2006/main" xmlns:r="http://schemas.openxmlformats.org/officeDocument/2006/relationships" xmlns:p="http://schemas.openxmlformats.org/presentationml/2006/main">
+  <p:cSld>
+    <p:spTree>
+      <p:nvGrpSpPr>
+        <p:cNvPr id="1" name=""/>
+        <p:cNvGrpSpPr/>
+        <p:nvPr/>
+      </p:nvGrpSpPr>
+      <p:grpSpPr>
+        <a:xfrm>
+          <a:off x="0" y="0"/>
+          <a:ext cx="0" cy="0"/>
+          <a:chOff x="0" y="0"/>
+          <a:chExt cx="0" cy="0"/>
+        </a:xfrm>
+      </p:grpSpPr>
+      <p:sp>
+        <p:nvSpPr>
+          <p:cNvPr id="2" name="Title 1"/>
+          <p:cNvSpPr>
+            <a:spLocks noGrp="1"/>
+          </p:cNvSpPr>
+          <p:nvPr>
+            <p:ph type="title"/>
+          </p:nvPr>
+        </p:nvSpPr>
+        <p:spPr/>
+        <p:txBody>
+          <a:bodyPr/>
+          <a:lstStyle/>
+          <a:p>
+            <a:r>
+              <a:rPr lang="en-US" dirty="0"/>
+              <a:t>Summary 2/2</a:t>
+            </a:r>
+          </a:p>
+        </p:txBody>
+      </p:sp>
+      <p:sp>
+        <p:nvSpPr>
+          <p:cNvPr id="3" name="Content Placeholder 2"/>
+          <p:cNvSpPr>
+            <a:spLocks noGrp="1"/>
+          </p:cNvSpPr>
+          <p:nvPr>
+            <p:ph idx="1"/>
+          </p:nvPr>
+        </p:nvSpPr>
+        <p:spPr>
+          <a:xfrm>
             <a:off x="838201" y="1825625"/>
             <a:ext cx="6364457" cy="4351338"/>
           </a:xfrm>
@@ -14847,7 +14478,7 @@
           <a:lstStyle/>
           <a:p>
             <a:r>
-              <a:rPr lang="en-US" dirty="0" smtClean="0"/>
+              <a:rPr lang="en-US" dirty="0"/>
               <a:t>Broadly 3 steps</a:t>
             </a:r>
           </a:p>
@@ -14857,7 +14488,7 @@
               <a:buAutoNum type="arabicPeriod"/>
             </a:pPr>
             <a:r>
-              <a:rPr lang="en-US" dirty="0" smtClean="0">
+              <a:rPr lang="en-US" dirty="0">
                 <a:solidFill>
                   <a:schemeClr val="accent6"/>
                 </a:solidFill>
@@ -14865,7 +14496,7 @@
               <a:t>Edit to create or update a file </a:t>
             </a:r>
             <a:r>
-              <a:rPr lang="en-US" dirty="0" smtClean="0"/>
+              <a:rPr lang="en-US" dirty="0"/>
               <a:t>with the C source program statements using an editor</a:t>
             </a:r>
           </a:p>
@@ -14875,7 +14506,7 @@
               <a:buAutoNum type="arabicPeriod"/>
             </a:pPr>
             <a:r>
-              <a:rPr lang="en-US" dirty="0" smtClean="0">
+              <a:rPr lang="en-US" dirty="0">
                 <a:solidFill>
                   <a:schemeClr val="accent1"/>
                 </a:solidFill>
@@ -14893,7 +14524,7 @@
           <a:p>
             <a:pPr lvl="2"/>
             <a:r>
-              <a:rPr lang="en-US" dirty="0" smtClean="0"/>
+              <a:rPr lang="en-US" dirty="0"/>
               <a:t>If there are errors go back to the previous step and correct the C statements of the program</a:t>
             </a:r>
           </a:p>
@@ -14903,7 +14534,7 @@
               <a:buAutoNum type="arabicPeriod"/>
             </a:pPr>
             <a:r>
-              <a:rPr lang="en-US" dirty="0" smtClean="0">
+              <a:rPr lang="en-US" dirty="0">
                 <a:solidFill>
                   <a:schemeClr val="accent2">
                     <a:lumMod val="75000"/>
@@ -14917,15 +14548,7 @@
             <a:pPr lvl="2"/>
             <a:r>
               <a:rPr lang="en-US" dirty="0"/>
-              <a:t>If there are </a:t>
-            </a:r>
-            <a:r>
-              <a:rPr lang="en-US" dirty="0" smtClean="0"/>
-              <a:t>errors </a:t>
-            </a:r>
-            <a:r>
-              <a:rPr lang="en-US" dirty="0"/>
-              <a:t>go back to step 1 and correct the program</a:t>
+              <a:t>If there are errors go back to step 1 and correct the program</a:t>
             </a:r>
           </a:p>
         </p:txBody>
@@ -15117,7 +14740,7 @@
           </a:lstStyle>
           <a:p>
             <a:r>
-              <a:rPr lang="en-US" dirty="0" smtClean="0"/>
+              <a:rPr lang="en-US" dirty="0"/>
               <a:t> </a:t>
             </a:r>
           </a:p>
@@ -15127,11 +14750,11 @@
               <a:buAutoNum type="arabicPeriod"/>
             </a:pPr>
             <a:r>
-              <a:rPr lang="en-US" dirty="0" smtClean="0"/>
+              <a:rPr lang="en-US" dirty="0"/>
               <a:t>~$  </a:t>
             </a:r>
             <a:r>
-              <a:rPr lang="en-US" dirty="0" smtClean="0">
+              <a:rPr lang="en-US" dirty="0">
                 <a:solidFill>
                   <a:schemeClr val="accent6"/>
                 </a:solidFill>
@@ -15139,7 +14762,7 @@
               <a:t>vi </a:t>
             </a:r>
             <a:r>
-              <a:rPr lang="en-US" dirty="0" err="1" smtClean="0">
+              <a:rPr lang="en-US" dirty="0" err="1">
                 <a:solidFill>
                   <a:schemeClr val="accent6"/>
                 </a:solidFill>
@@ -15147,28 +14770,20 @@
               <a:t>first.c</a:t>
             </a:r>
             <a:r>
-              <a:rPr lang="en-US" dirty="0" smtClean="0">
+              <a:rPr lang="en-US" dirty="0">
                 <a:solidFill>
                   <a:schemeClr val="accent6"/>
                 </a:solidFill>
               </a:rPr>
               <a:t> </a:t>
             </a:r>
-            <a:r>
-              <a:rPr lang="en-US" dirty="0" smtClean="0"/>
-              <a:t/>
-            </a:r>
             <a:br>
-              <a:rPr lang="en-US" dirty="0" smtClean="0"/>
+              <a:rPr lang="en-US" dirty="0"/>
             </a:br>
-            <a:r>
-              <a:rPr lang="en-US" dirty="0" smtClean="0"/>
-              <a:t/>
-            </a:r>
             <a:br>
-              <a:rPr lang="en-US" dirty="0" smtClean="0"/>
+              <a:rPr lang="en-US" dirty="0"/>
             </a:br>
-            <a:endParaRPr lang="en-US" dirty="0" smtClean="0"/>
+            <a:endParaRPr lang="en-US" dirty="0"/>
           </a:p>
           <a:p>
             <a:pPr marL="914400" lvl="1" indent="-457200">
@@ -15176,11 +14791,11 @@
               <a:buAutoNum type="arabicPeriod"/>
             </a:pPr>
             <a:r>
-              <a:rPr lang="en-US" dirty="0" smtClean="0"/>
+              <a:rPr lang="en-US" dirty="0"/>
               <a:t>~$  </a:t>
             </a:r>
             <a:r>
-              <a:rPr lang="en-US" dirty="0" err="1" smtClean="0">
+              <a:rPr lang="en-US" dirty="0" err="1">
                 <a:solidFill>
                   <a:schemeClr val="accent1"/>
                 </a:solidFill>
@@ -15188,7 +14803,7 @@
               <a:t>gcc</a:t>
             </a:r>
             <a:r>
-              <a:rPr lang="en-US" dirty="0" smtClean="0">
+              <a:rPr lang="en-US" dirty="0">
                 <a:solidFill>
                   <a:schemeClr val="accent1"/>
                 </a:solidFill>
@@ -15196,28 +14811,20 @@
               <a:t> </a:t>
             </a:r>
             <a:r>
-              <a:rPr lang="en-US" dirty="0" err="1" smtClean="0">
+              <a:rPr lang="en-US" dirty="0" err="1">
                 <a:solidFill>
                   <a:schemeClr val="accent1"/>
                 </a:solidFill>
               </a:rPr>
               <a:t>first.c</a:t>
             </a:r>
-            <a:r>
-              <a:rPr lang="en-US" dirty="0" smtClean="0"/>
-              <a:t/>
-            </a:r>
             <a:br>
-              <a:rPr lang="en-US" dirty="0" smtClean="0"/>
+              <a:rPr lang="en-US" dirty="0"/>
             </a:br>
-            <a:r>
-              <a:rPr lang="en-US" dirty="0" smtClean="0"/>
-              <a:t/>
-            </a:r>
             <a:br>
-              <a:rPr lang="en-US" dirty="0" smtClean="0"/>
+              <a:rPr lang="en-US" dirty="0"/>
             </a:br>
-            <a:endParaRPr lang="en-US" dirty="0" smtClean="0"/>
+            <a:endParaRPr lang="en-US" dirty="0"/>
           </a:p>
           <a:p>
             <a:pPr marL="914400" lvl="1" indent="-457200">
@@ -15225,7 +14832,7 @@
               <a:buAutoNum type="arabicPeriod"/>
             </a:pPr>
             <a:r>
-              <a:rPr lang="en-US" dirty="0" smtClean="0">
+              <a:rPr lang="en-US" dirty="0">
                 <a:solidFill>
                   <a:schemeClr val="accent2">
                     <a:lumMod val="75000"/>
@@ -15235,7 +14842,7 @@
               <a:t>~$  ./</a:t>
             </a:r>
             <a:r>
-              <a:rPr lang="en-US" dirty="0" err="1" smtClean="0">
+              <a:rPr lang="en-US" dirty="0" err="1">
                 <a:solidFill>
                   <a:schemeClr val="accent2">
                     <a:lumMod val="75000"/>
@@ -15529,10 +15136,9 @@
           <a:lstStyle/>
           <a:p>
             <a:r>
-              <a:rPr lang="en-US" dirty="0" smtClean="0"/>
+              <a:rPr lang="en-US" dirty="0"/>
               <a:t>How to learn the most from this course</a:t>
             </a:r>
-            <a:endParaRPr lang="en-US" dirty="0"/>
           </a:p>
         </p:txBody>
       </p:sp>
@@ -15559,18 +15165,18 @@
           <a:lstStyle/>
           <a:p>
             <a:r>
-              <a:rPr lang="en-US" dirty="0" smtClean="0"/>
+              <a:rPr lang="en-US" dirty="0"/>
               <a:t>Focus on learning core concepts</a:t>
             </a:r>
           </a:p>
           <a:p>
             <a:pPr lvl="1"/>
             <a:r>
-              <a:rPr lang="en-US" dirty="0" smtClean="0"/>
+              <a:rPr lang="en-US" dirty="0"/>
               <a:t>Stay inquisitive;         </a:t>
             </a:r>
             <a:r>
-              <a:rPr lang="en-US" dirty="0" smtClean="0">
+              <a:rPr lang="en-US" dirty="0">
                 <a:solidFill>
                   <a:schemeClr val="accent1">
                     <a:lumMod val="75000"/>
@@ -15580,7 +15186,7 @@
               <a:t>Mantra: </a:t>
             </a:r>
             <a:r>
-              <a:rPr lang="en-US" sz="2600" i="1" u="sng" dirty="0" smtClean="0">
+              <a:rPr lang="en-US" sz="2600" i="1" u="sng" dirty="0">
                 <a:solidFill>
                   <a:schemeClr val="accent1">
                     <a:lumMod val="75000"/>
@@ -15590,7 +15196,7 @@
               </a:rPr>
               <a:t>Learn through discovery!</a:t>
             </a:r>
-            <a:endParaRPr lang="en-US" i="1" u="sng" dirty="0" smtClean="0">
+            <a:endParaRPr lang="en-US" i="1" u="sng" dirty="0">
               <a:solidFill>
                 <a:schemeClr val="accent1">
                   <a:lumMod val="75000"/>
@@ -15602,20 +15208,20 @@
           <a:p>
             <a:pPr lvl="1"/>
             <a:r>
-              <a:rPr lang="en-US" dirty="0" smtClean="0"/>
+              <a:rPr lang="en-US" dirty="0"/>
               <a:t>Access the TAs and the Instructor</a:t>
             </a:r>
           </a:p>
           <a:p>
             <a:r>
-              <a:rPr lang="en-US" dirty="0" smtClean="0"/>
+              <a:rPr lang="en-US" dirty="0"/>
               <a:t>Use labs to make sure you understood the theory class</a:t>
             </a:r>
           </a:p>
           <a:p>
             <a:pPr lvl="1"/>
             <a:r>
-              <a:rPr lang="en-US" dirty="0" smtClean="0"/>
+              <a:rPr lang="en-US" dirty="0"/>
               <a:t>Learn by doing</a:t>
             </a:r>
           </a:p>
@@ -15628,13 +15234,13 @@
           </a:p>
           <a:p>
             <a:r>
-              <a:rPr lang="en-US" dirty="0" smtClean="0"/>
+              <a:rPr lang="en-US" dirty="0"/>
               <a:t>Try out all programs and exercises mentioned in class</a:t>
             </a:r>
           </a:p>
           <a:p>
             <a:r>
-              <a:rPr lang="en-US" dirty="0" smtClean="0"/>
+              <a:rPr lang="en-US" dirty="0"/>
               <a:t>The beginning is the most important part, don’t slacken; keep no backlog!</a:t>
             </a:r>
           </a:p>
@@ -15869,10 +15475,9 @@
           <a:lstStyle/>
           <a:p>
             <a:r>
-              <a:rPr lang="en-US" dirty="0" smtClean="0"/>
+              <a:rPr lang="en-US" dirty="0"/>
               <a:t>Introduction</a:t>
             </a:r>
-            <a:endParaRPr lang="en-US" dirty="0"/>
           </a:p>
         </p:txBody>
       </p:sp>
@@ -15892,19 +15497,19 @@
           <a:lstStyle/>
           <a:p>
             <a:r>
-              <a:rPr lang="en-US" dirty="0" smtClean="0"/>
+              <a:rPr lang="en-US" dirty="0"/>
               <a:t>What is programming?</a:t>
             </a:r>
           </a:p>
           <a:p>
             <a:r>
-              <a:rPr lang="en-US" dirty="0" smtClean="0"/>
+              <a:rPr lang="en-US" dirty="0"/>
               <a:t>Why programming?</a:t>
             </a:r>
           </a:p>
           <a:p>
             <a:r>
-              <a:rPr lang="en-US" dirty="0" smtClean="0"/>
+              <a:rPr lang="en-US" dirty="0"/>
               <a:t>What is beneficial about learning C?</a:t>
             </a:r>
           </a:p>
@@ -15923,13 +15528,6 @@
   <p:clrMapOvr>
     <a:masterClrMapping/>
   </p:clrMapOvr>
-  <p:timing>
-    <p:tnLst>
-      <p:par>
-        <p:cTn id="1" dur="indefinite" restart="never" nodeType="tmRoot"/>
-      </p:par>
-    </p:tnLst>
-  </p:timing>
 </p:sld>
 </file>
 
@@ -15966,10 +15564,9 @@
           <a:lstStyle/>
           <a:p>
             <a:r>
-              <a:rPr lang="en-US" dirty="0" smtClean="0"/>
+              <a:rPr lang="en-US" dirty="0"/>
               <a:t>Lets find the maximum of these numbers</a:t>
             </a:r>
-            <a:endParaRPr lang="en-US" dirty="0"/>
           </a:p>
         </p:txBody>
       </p:sp>
@@ -15997,7 +15594,7 @@
               <a:buNone/>
             </a:pPr>
             <a:r>
-              <a:rPr lang="en-US" dirty="0" smtClean="0"/>
+              <a:rPr lang="en-US" dirty="0"/>
               <a:t>1672</a:t>
             </a:r>
           </a:p>
@@ -16011,7 +15608,7 @@
             <a:pPr marL="0" indent="0">
               <a:buNone/>
             </a:pPr>
-            <a:endParaRPr lang="en-US" dirty="0" smtClean="0"/>
+            <a:endParaRPr lang="en-US" dirty="0"/>
           </a:p>
           <a:p>
             <a:pPr marL="0" indent="0">
@@ -16019,18 +15616,8 @@
             </a:pPr>
             <a:r>
               <a:rPr lang="en-US" dirty="0"/>
-              <a:t>7</a:t>
-            </a:r>
-            <a:r>
-              <a:rPr lang="en-US" dirty="0" smtClean="0"/>
-              <a:t>658</a:t>
-            </a:r>
-          </a:p>
-          <a:p>
-            <a:pPr marL="0" indent="0">
-              <a:buNone/>
-            </a:pPr>
-            <a:endParaRPr lang="en-US" dirty="0" smtClean="0"/>
+              <a:t>7658</a:t>
+            </a:r>
           </a:p>
           <a:p>
             <a:pPr marL="0" indent="0">
@@ -16042,11 +15629,16 @@
             <a:pPr marL="0" indent="0">
               <a:buNone/>
             </a:pPr>
-            <a:r>
-              <a:rPr lang="en-US" dirty="0" smtClean="0"/>
+            <a:endParaRPr lang="en-US" dirty="0"/>
+          </a:p>
+          <a:p>
+            <a:pPr marL="0" indent="0">
+              <a:buNone/>
+            </a:pPr>
+            <a:r>
+              <a:rPr lang="en-US" dirty="0"/>
               <a:t>16</a:t>
             </a:r>
-            <a:endParaRPr lang="en-US" dirty="0"/>
           </a:p>
         </p:txBody>
       </p:sp>
@@ -16073,10 +15665,9 @@
           <a:lstStyle/>
           <a:p>
             <a:r>
-              <a:rPr lang="en-US" sz="2800" dirty="0" smtClean="0"/>
+              <a:rPr lang="en-US" sz="2800" dirty="0"/>
               <a:t>543</a:t>
             </a:r>
-            <a:endParaRPr lang="en-US" sz="2800" dirty="0"/>
           </a:p>
         </p:txBody>
       </p:sp>
@@ -16103,10 +15694,9 @@
           <a:lstStyle/>
           <a:p>
             <a:r>
-              <a:rPr lang="en-US" sz="2800" dirty="0" smtClean="0"/>
+              <a:rPr lang="en-US" sz="2800" dirty="0"/>
               <a:t>80001</a:t>
             </a:r>
-            <a:endParaRPr lang="en-US" sz="2800" dirty="0"/>
           </a:p>
         </p:txBody>
       </p:sp>
@@ -16262,10 +15852,9 @@
           <a:lstStyle/>
           <a:p>
             <a:r>
-              <a:rPr lang="en-US" dirty="0" smtClean="0"/>
+              <a:rPr lang="en-US" dirty="0"/>
               <a:t>Lets find the maximum of these numbers</a:t>
             </a:r>
-            <a:endParaRPr lang="en-US" dirty="0"/>
           </a:p>
         </p:txBody>
       </p:sp>
@@ -16293,7 +15882,7 @@
               <a:buNone/>
             </a:pPr>
             <a:r>
-              <a:rPr lang="en-US" dirty="0" smtClean="0"/>
+              <a:rPr lang="en-US" dirty="0"/>
               <a:t>1672543   84748449   8884749   73682336   87376682</a:t>
             </a:r>
           </a:p>
@@ -16302,17 +15891,16 @@
               <a:buNone/>
             </a:pPr>
             <a:r>
-              <a:rPr lang="en-US" dirty="0" smtClean="0"/>
+              <a:rPr lang="en-US" dirty="0"/>
               <a:t>8981374   84844748   8847493   98329879   287376328</a:t>
             </a:r>
-            <a:endParaRPr lang="en-US" dirty="0"/>
           </a:p>
           <a:p>
             <a:pPr marL="0" indent="0">
               <a:buNone/>
             </a:pPr>
             <a:r>
-              <a:rPr lang="en-US" dirty="0" smtClean="0"/>
+              <a:rPr lang="en-US" dirty="0"/>
               <a:t>9347620   49484740   3847439    87326821   782382832</a:t>
             </a:r>
           </a:p>
@@ -16321,7 +15909,7 @@
               <a:buNone/>
             </a:pPr>
             <a:r>
-              <a:rPr lang="en-US" dirty="0" smtClean="0"/>
+              <a:rPr lang="en-US" dirty="0"/>
               <a:t>7658500   82373638   3894374  83943939   277328289</a:t>
             </a:r>
           </a:p>
@@ -16330,7 +15918,7 @@
               <a:buNone/>
             </a:pPr>
             <a:r>
-              <a:rPr lang="en-US" dirty="0" smtClean="0"/>
+              <a:rPr lang="en-US" dirty="0"/>
               <a:t>8335220   38744749   4874386    767237328  238743743</a:t>
             </a:r>
           </a:p>
@@ -16339,7 +15927,7 @@
               <a:buNone/>
             </a:pPr>
             <a:r>
-              <a:rPr lang="en-US" dirty="0" smtClean="0"/>
+              <a:rPr lang="en-US" dirty="0"/>
               <a:t>7435829   84383939   8774499   87237623   98283763</a:t>
             </a:r>
           </a:p>
@@ -16348,7 +15936,7 @@
               <a:buNone/>
             </a:pPr>
             <a:r>
-              <a:rPr lang="en-US" dirty="0" smtClean="0"/>
+              <a:rPr lang="en-US" dirty="0"/>
               <a:t>1680001   33847448   8923892   753214246   932843174</a:t>
             </a:r>
           </a:p>
@@ -16357,10 +15945,9 @@
               <a:buNone/>
             </a:pPr>
             <a:r>
-              <a:rPr lang="en-US" dirty="0" smtClean="0"/>
+              <a:rPr lang="en-US" dirty="0"/>
               <a:t>2763648   38988943   9283739   1525632652  484638329</a:t>
             </a:r>
-            <a:endParaRPr lang="en-US" dirty="0"/>
           </a:p>
         </p:txBody>
       </p:sp>
@@ -16398,16 +15985,12 @@
           <a:lstStyle/>
           <a:p>
             <a:r>
-              <a:rPr lang="en-US" sz="2000" dirty="0" smtClean="0">
+              <a:rPr lang="en-US" sz="2000" dirty="0">
                 <a:latin typeface="Times New Roman" panose="02020603050405020304" pitchFamily="18" charset="0"/>
                 <a:cs typeface="Times New Roman" panose="02020603050405020304" pitchFamily="18" charset="0"/>
               </a:rPr>
               <a:t>Codifying a procedure is immensely valuable, especially if you have someone who can simply follow the procedure and do the job.</a:t>
             </a:r>
-            <a:endParaRPr lang="en-US" sz="2000" dirty="0">
-              <a:latin typeface="Times New Roman" panose="02020603050405020304" pitchFamily="18" charset="0"/>
-              <a:cs typeface="Times New Roman" panose="02020603050405020304" pitchFamily="18" charset="0"/>
-            </a:endParaRPr>
           </a:p>
         </p:txBody>
       </p:sp>
@@ -16445,20 +16028,20 @@
           <a:lstStyle/>
           <a:p>
             <a:r>
-              <a:rPr lang="en-US" sz="2000" dirty="0" smtClean="0">
+              <a:rPr lang="en-US" sz="2000" dirty="0">
                 <a:latin typeface="Times New Roman" panose="02020603050405020304" pitchFamily="18" charset="0"/>
                 <a:cs typeface="Times New Roman" panose="02020603050405020304" pitchFamily="18" charset="0"/>
               </a:rPr>
               <a:t>Programing is about codifying a procedure.</a:t>
             </a:r>
             <a:br>
-              <a:rPr lang="en-US" sz="2000" dirty="0" smtClean="0">
+              <a:rPr lang="en-US" sz="2000" dirty="0">
                 <a:latin typeface="Times New Roman" panose="02020603050405020304" pitchFamily="18" charset="0"/>
                 <a:cs typeface="Times New Roman" panose="02020603050405020304" pitchFamily="18" charset="0"/>
               </a:rPr>
             </a:br>
             <a:r>
-              <a:rPr lang="en-US" sz="2000" dirty="0" smtClean="0">
+              <a:rPr lang="en-US" sz="2000" dirty="0">
                 <a:latin typeface="Times New Roman" panose="02020603050405020304" pitchFamily="18" charset="0"/>
                 <a:cs typeface="Times New Roman" panose="02020603050405020304" pitchFamily="18" charset="0"/>
               </a:rPr>
@@ -16473,21 +16056,21 @@
           </a:p>
           <a:p>
             <a:r>
-              <a:rPr lang="en-US" sz="2000" dirty="0" smtClean="0">
+              <a:rPr lang="en-US" sz="2000" dirty="0">
                 <a:latin typeface="Times New Roman" panose="02020603050405020304" pitchFamily="18" charset="0"/>
                 <a:cs typeface="Times New Roman" panose="02020603050405020304" pitchFamily="18" charset="0"/>
               </a:rPr>
               <a:t>No wonder it is also called ‘coding’ </a:t>
             </a:r>
             <a:r>
-              <a:rPr lang="en-US" sz="2000" dirty="0" smtClean="0">
+              <a:rPr lang="en-US" sz="2000" dirty="0">
                 <a:latin typeface="Times New Roman" panose="02020603050405020304" pitchFamily="18" charset="0"/>
                 <a:cs typeface="Times New Roman" panose="02020603050405020304" pitchFamily="18" charset="0"/>
                 <a:sym typeface="Wingdings" panose="05000000000000000000" pitchFamily="2" charset="2"/>
               </a:rPr>
               <a:t></a:t>
             </a:r>
-            <a:endParaRPr lang="en-US" sz="2000" dirty="0" smtClean="0">
+            <a:endParaRPr lang="en-US" sz="2000" dirty="0">
               <a:latin typeface="Times New Roman" panose="02020603050405020304" pitchFamily="18" charset="0"/>
               <a:cs typeface="Times New Roman" panose="02020603050405020304" pitchFamily="18" charset="0"/>
             </a:endParaRPr>
@@ -16680,10 +16263,9 @@
           <a:lstStyle/>
           <a:p>
             <a:r>
-              <a:rPr lang="en-US" dirty="0" smtClean="0"/>
+              <a:rPr lang="en-US" dirty="0"/>
               <a:t>What is programming</a:t>
             </a:r>
-            <a:endParaRPr lang="en-US" dirty="0"/>
           </a:p>
         </p:txBody>
       </p:sp>
@@ -16703,34 +16285,34 @@
           <a:lstStyle/>
           <a:p>
             <a:r>
-              <a:rPr lang="en-US" dirty="0" smtClean="0">
+              <a:rPr lang="en-US" dirty="0">
                 <a:ea typeface="Microsoft Himalaya" panose="01010100010101010101" pitchFamily="2" charset="0"/>
                 <a:cs typeface="Microsoft Himalaya" panose="01010100010101010101" pitchFamily="2" charset="0"/>
               </a:rPr>
               <a:t>Explicit</a:t>
             </a:r>
             <a:r>
-              <a:rPr lang="en-US" dirty="0" smtClean="0"/>
+              <a:rPr lang="en-US" dirty="0"/>
               <a:t> sequence of instructions to achieve something</a:t>
             </a:r>
           </a:p>
           <a:p>
             <a:r>
-              <a:rPr lang="en-US" i="1" dirty="0" smtClean="0"/>
+              <a:rPr lang="en-US" i="1" dirty="0"/>
               <a:t>Explicit</a:t>
             </a:r>
             <a:r>
-              <a:rPr lang="en-US" dirty="0" smtClean="0"/>
+              <a:rPr lang="en-US" dirty="0"/>
               <a:t>: say everything you can, leave no room for guessing</a:t>
             </a:r>
           </a:p>
           <a:p>
             <a:r>
-              <a:rPr lang="en-US" b="1" i="1" dirty="0" smtClean="0"/>
+              <a:rPr lang="en-US" b="1" i="1" dirty="0"/>
               <a:t>Sequence</a:t>
             </a:r>
             <a:r>
-              <a:rPr lang="en-US" dirty="0" smtClean="0"/>
+              <a:rPr lang="en-US" dirty="0"/>
               <a:t>: Specify the order in which instructions are executed. </a:t>
             </a:r>
           </a:p>
@@ -16739,23 +16321,23 @@
               <a:buNone/>
             </a:pPr>
             <a:r>
-              <a:rPr lang="en-US" dirty="0" smtClean="0">
+              <a:rPr lang="en-US" dirty="0">
                 <a:sym typeface="Wingdings" panose="05000000000000000000" pitchFamily="2" charset="2"/>
               </a:rPr>
               <a:t> </a:t>
             </a:r>
             <a:r>
-              <a:rPr lang="en-US" dirty="0" smtClean="0"/>
+              <a:rPr lang="en-US" dirty="0"/>
               <a:t>there are language pieces that talk about order of execution.</a:t>
             </a:r>
           </a:p>
           <a:p>
             <a:r>
-              <a:rPr lang="en-US" b="1" i="1" dirty="0" smtClean="0"/>
+              <a:rPr lang="en-US" b="1" i="1" dirty="0"/>
               <a:t>Instructions</a:t>
             </a:r>
             <a:r>
-              <a:rPr lang="en-US" dirty="0" smtClean="0"/>
+              <a:rPr lang="en-US" dirty="0"/>
               <a:t>: These are the basic things to do. </a:t>
             </a:r>
           </a:p>
@@ -16764,13 +16346,13 @@
               <a:buNone/>
             </a:pPr>
             <a:r>
-              <a:rPr lang="en-US" b="1" dirty="0" smtClean="0">
+              <a:rPr lang="en-US" b="1" dirty="0">
                 <a:sym typeface="Wingdings" panose="05000000000000000000" pitchFamily="2" charset="2"/>
               </a:rPr>
               <a:t></a:t>
             </a:r>
             <a:r>
-              <a:rPr lang="en-US" dirty="0" smtClean="0"/>
+              <a:rPr lang="en-US" dirty="0"/>
               <a:t>So there are language pieces that talk about basic things to do.</a:t>
             </a:r>
           </a:p>
@@ -16783,21 +16365,21 @@
               <a:buNone/>
             </a:pPr>
             <a:r>
-              <a:rPr lang="en-US" dirty="0" smtClean="0">
+              <a:rPr lang="en-US" dirty="0">
                 <a:sym typeface="Wingdings" panose="05000000000000000000" pitchFamily="2" charset="2"/>
               </a:rPr>
               <a:t></a:t>
             </a:r>
             <a:r>
-              <a:rPr lang="en-US" dirty="0" smtClean="0"/>
+              <a:rPr lang="en-US" dirty="0"/>
               <a:t>we need a </a:t>
             </a:r>
             <a:r>
-              <a:rPr lang="en-US" b="1" i="1" dirty="0" smtClean="0"/>
+              <a:rPr lang="en-US" b="1" i="1" dirty="0"/>
               <a:t>programming language</a:t>
             </a:r>
             <a:r>
-              <a:rPr lang="en-US" dirty="0" smtClean="0"/>
+              <a:rPr lang="en-US" dirty="0"/>
               <a:t> to write out our program.</a:t>
             </a:r>
           </a:p>
@@ -16806,7 +16388,7 @@
               <a:buNone/>
             </a:pPr>
             <a:r>
-              <a:rPr lang="en-US" dirty="0" smtClean="0"/>
+              <a:rPr lang="en-US" dirty="0"/>
               <a:t>For this course we will choose the C programming language.</a:t>
             </a:r>
           </a:p>
@@ -16822,13 +16404,6 @@
   <p:clrMapOvr>
     <a:masterClrMapping/>
   </p:clrMapOvr>
-  <p:timing>
-    <p:tnLst>
-      <p:par>
-        <p:cTn id="1" dur="indefinite" restart="never" nodeType="tmRoot"/>
-      </p:par>
-    </p:tnLst>
-  </p:timing>
 </p:sld>
 </file>
 
@@ -16865,17 +16440,17 @@
           <a:lstStyle/>
           <a:p>
             <a:r>
-              <a:rPr lang="en-US" dirty="0" smtClean="0"/>
+              <a:rPr lang="en-US" dirty="0"/>
               <a:t>What is programming  </a:t>
             </a:r>
             <a:r>
-              <a:rPr lang="en-US" i="1" dirty="0" smtClean="0">
+              <a:rPr lang="en-US" i="1" dirty="0">
                 <a:latin typeface="Garamond" panose="02020404030301010803" pitchFamily="18" charset="0"/>
               </a:rPr>
               <a:t>explicit</a:t>
             </a:r>
             <a:r>
-              <a:rPr lang="en-US" dirty="0" smtClean="0"/>
+              <a:rPr lang="en-US" dirty="0"/>
               <a:t>, </a:t>
             </a:r>
             <a:r>
@@ -16905,22 +16480,22 @@
           <a:lstStyle/>
           <a:p>
             <a:r>
-              <a:rPr lang="en-US" dirty="0" smtClean="0"/>
+              <a:rPr lang="en-US" dirty="0"/>
               <a:t>Problem: compute the sum of two numbers  </a:t>
             </a:r>
             <a:r>
-              <a:rPr lang="en-US" dirty="0" smtClean="0">
+              <a:rPr lang="en-US" dirty="0">
                 <a:latin typeface="Courier New" panose="02070309020205020404" pitchFamily="49" charset="0"/>
                 <a:cs typeface="Courier New" panose="02070309020205020404" pitchFamily="49" charset="0"/>
               </a:rPr>
               <a:t>a</a:t>
             </a:r>
             <a:r>
-              <a:rPr lang="en-US" dirty="0" smtClean="0"/>
+              <a:rPr lang="en-US" dirty="0"/>
               <a:t>  and    </a:t>
             </a:r>
             <a:r>
-              <a:rPr lang="en-US" dirty="0" smtClean="0">
+              <a:rPr lang="en-US" dirty="0">
                 <a:latin typeface="Courier New" panose="02070309020205020404" pitchFamily="49" charset="0"/>
                 <a:cs typeface="Courier New" panose="02070309020205020404" pitchFamily="49" charset="0"/>
               </a:rPr>
@@ -16929,7 +16504,7 @@
           </a:p>
           <a:p>
             <a:r>
-              <a:rPr lang="en-US" dirty="0" smtClean="0">
+              <a:rPr lang="en-US" dirty="0">
                 <a:cs typeface="Courier New" panose="02070309020205020404" pitchFamily="49" charset="0"/>
               </a:rPr>
               <a:t>Statements:</a:t>
@@ -16944,22 +16519,15 @@
                 <a:latin typeface="Courier New" panose="02070309020205020404" pitchFamily="49" charset="0"/>
                 <a:cs typeface="Courier New" panose="02070309020205020404" pitchFamily="49" charset="0"/>
               </a:rPr>
-              <a:t>	</a:t>
-            </a:r>
-            <a:r>
-              <a:rPr lang="en-US" dirty="0" smtClean="0">
-                <a:latin typeface="Courier New" panose="02070309020205020404" pitchFamily="49" charset="0"/>
-                <a:cs typeface="Courier New" panose="02070309020205020404" pitchFamily="49" charset="0"/>
-              </a:rPr>
-              <a:t>51254 + 23456       </a:t>
-            </a:r>
-            <a:r>
-              <a:rPr lang="en-US" dirty="0" smtClean="0">
+              <a:t>	51254 + 23456       </a:t>
+            </a:r>
+            <a:r>
+              <a:rPr lang="en-US" dirty="0">
                 <a:cs typeface="Courier New" panose="02070309020205020404" pitchFamily="49" charset="0"/>
               </a:rPr>
               <a:t>is it obvious?</a:t>
             </a:r>
-            <a:endParaRPr lang="en-US" dirty="0" smtClean="0">
+            <a:endParaRPr lang="en-US" dirty="0">
               <a:latin typeface="Courier New" panose="02070309020205020404" pitchFamily="49" charset="0"/>
               <a:cs typeface="Courier New" panose="02070309020205020404" pitchFamily="49" charset="0"/>
             </a:endParaRPr>
@@ -16969,45 +16537,45 @@
               <a:buNone/>
             </a:pPr>
             <a:r>
-              <a:rPr lang="en-US" dirty="0" smtClean="0">
+              <a:rPr lang="en-US" dirty="0">
                 <a:latin typeface="Courier New" panose="02070309020205020404" pitchFamily="49" charset="0"/>
                 <a:cs typeface="Courier New" panose="02070309020205020404" pitchFamily="49" charset="0"/>
               </a:rPr>
               <a:t>	a + b               </a:t>
             </a:r>
             <a:r>
-              <a:rPr lang="en-US" dirty="0" smtClean="0">
+              <a:rPr lang="en-US" dirty="0">
                 <a:cs typeface="Courier New" panose="02070309020205020404" pitchFamily="49" charset="0"/>
               </a:rPr>
               <a:t>what are  </a:t>
             </a:r>
             <a:r>
-              <a:rPr lang="en-US" dirty="0" smtClean="0">
+              <a:rPr lang="en-US" dirty="0">
                 <a:latin typeface="Courier New" panose="02070309020205020404" pitchFamily="49" charset="0"/>
                 <a:cs typeface="Courier New" panose="02070309020205020404" pitchFamily="49" charset="0"/>
               </a:rPr>
               <a:t>a</a:t>
             </a:r>
             <a:r>
-              <a:rPr lang="en-US" dirty="0" smtClean="0">
+              <a:rPr lang="en-US" dirty="0">
                 <a:cs typeface="Courier New" panose="02070309020205020404" pitchFamily="49" charset="0"/>
               </a:rPr>
               <a:t>  and  </a:t>
             </a:r>
             <a:r>
-              <a:rPr lang="en-US" dirty="0" smtClean="0">
+              <a:rPr lang="en-US" dirty="0">
                 <a:latin typeface="Courier New" panose="02070309020205020404" pitchFamily="49" charset="0"/>
                 <a:cs typeface="Courier New" panose="02070309020205020404" pitchFamily="49" charset="0"/>
               </a:rPr>
               <a:t>b</a:t>
             </a:r>
             <a:r>
-              <a:rPr lang="en-US" dirty="0" smtClean="0">
+              <a:rPr lang="en-US" dirty="0">
                 <a:cs typeface="Courier New" panose="02070309020205020404" pitchFamily="49" charset="0"/>
               </a:rPr>
               <a:t>  ?</a:t>
             </a:r>
-            <a:endParaRPr lang="en-US" dirty="0" smtClean="0">
+            <a:endParaRPr lang="en-US" dirty="0">
               <a:latin typeface="Courier New" panose="02070309020205020404" pitchFamily="49" charset="0"/>
               <a:cs typeface="Courier New" panose="02070309020205020404" pitchFamily="49" charset="0"/>
             </a:endParaRPr>
@@ -17016,7 +16584,7 @@
             <a:pPr marL="0" indent="0">
               <a:buNone/>
             </a:pPr>
-            <a:endParaRPr lang="en-US" dirty="0" smtClean="0">
+            <a:endParaRPr lang="en-US" dirty="0">
               <a:latin typeface="Courier New" panose="02070309020205020404" pitchFamily="49" charset="0"/>
               <a:cs typeface="Courier New" panose="02070309020205020404" pitchFamily="49" charset="0"/>
             </a:endParaRPr>
@@ -17027,31 +16595,31 @@
               <a:buChar char="q"/>
             </a:pPr>
             <a:r>
-              <a:rPr lang="en-US" dirty="0" smtClean="0">
+              <a:rPr lang="en-US" dirty="0">
                 <a:cs typeface="Courier New" panose="02070309020205020404" pitchFamily="49" charset="0"/>
               </a:rPr>
               <a:t>This is a perfectly fine way to compute the sum of two integers.</a:t>
             </a:r>
             <a:br>
-              <a:rPr lang="en-US" dirty="0" smtClean="0">
+              <a:rPr lang="en-US" dirty="0">
                 <a:cs typeface="Courier New" panose="02070309020205020404" pitchFamily="49" charset="0"/>
               </a:rPr>
             </a:br>
             <a:r>
-              <a:rPr lang="en-US" dirty="0" smtClean="0">
+              <a:rPr lang="en-US" dirty="0">
                 <a:cs typeface="Courier New" panose="02070309020205020404" pitchFamily="49" charset="0"/>
               </a:rPr>
               <a:t>Lets see how it works. … We’ll see an ‘explicit sequence of instructions’ (</a:t>
             </a:r>
             <a:r>
-              <a:rPr lang="en-US" dirty="0" err="1" smtClean="0">
+              <a:rPr lang="en-US" dirty="0" err="1">
                 <a:latin typeface="Courier New" panose="02070309020205020404" pitchFamily="49" charset="0"/>
                 <a:cs typeface="Courier New" panose="02070309020205020404" pitchFamily="49" charset="0"/>
               </a:rPr>
               <a:t>very_first.c</a:t>
             </a:r>
             <a:r>
-              <a:rPr lang="en-US" dirty="0" smtClean="0">
+              <a:rPr lang="en-US" dirty="0">
                 <a:cs typeface="Courier New" panose="02070309020205020404" pitchFamily="49" charset="0"/>
               </a:rPr>
               <a:t>)</a:t>
@@ -17063,7 +16631,7 @@
               <a:buChar char="q"/>
             </a:pPr>
             <a:r>
-              <a:rPr lang="en-US" dirty="0" smtClean="0">
+              <a:rPr lang="en-US" dirty="0">
                 <a:cs typeface="Courier New" panose="02070309020205020404" pitchFamily="49" charset="0"/>
               </a:rPr>
               <a:t>More about C later.      … BTW, What is an algorithm?</a:t>
@@ -17075,7 +16643,7 @@
               <a:buChar char="q"/>
             </a:pPr>
             <a:r>
-              <a:rPr lang="en-US" dirty="0" smtClean="0">
+              <a:rPr lang="en-US" dirty="0">
                 <a:cs typeface="Courier New" panose="02070309020205020404" pitchFamily="49" charset="0"/>
               </a:rPr>
               <a:t>Now the next part..</a:t>
@@ -17137,13 +16705,6 @@
   <p:clrMapOvr>
     <a:masterClrMapping/>
   </p:clrMapOvr>
-  <p:timing>
-    <p:tnLst>
-      <p:par>
-        <p:cTn id="1" dur="indefinite" restart="never" nodeType="tmRoot"/>
-      </p:par>
-    </p:tnLst>
-  </p:timing>
 </p:sld>
 </file>
 
@@ -17180,10 +16741,9 @@
           <a:lstStyle/>
           <a:p>
             <a:r>
-              <a:rPr lang="en-US" dirty="0" smtClean="0"/>
+              <a:rPr lang="en-US" dirty="0"/>
               <a:t>Why program</a:t>
             </a:r>
-            <a:endParaRPr lang="en-US" dirty="0"/>
           </a:p>
         </p:txBody>
       </p:sp>
@@ -17205,11 +16765,11 @@
           <a:lstStyle/>
           <a:p>
             <a:r>
-              <a:rPr lang="en-US" dirty="0" smtClean="0"/>
+              <a:rPr lang="en-US" dirty="0"/>
               <a:t>We would like to </a:t>
             </a:r>
             <a:r>
-              <a:rPr lang="en-US" strike="sngStrike" dirty="0" smtClean="0">
+              <a:rPr lang="en-US" strike="sngStrike" dirty="0">
                 <a:solidFill>
                   <a:srgbClr val="FF0000"/>
                 </a:solidFill>
@@ -17217,60 +16777,60 @@
               <a:t>ask</a:t>
             </a:r>
             <a:r>
-              <a:rPr lang="en-US" dirty="0" smtClean="0"/>
+              <a:rPr lang="en-US" dirty="0"/>
               <a:t> make the computer to do something for us.</a:t>
             </a:r>
           </a:p>
           <a:p>
             <a:pPr lvl="1"/>
             <a:r>
-              <a:rPr lang="en-US" dirty="0" smtClean="0"/>
+              <a:rPr lang="en-US" dirty="0"/>
               <a:t>Perhaps find the smallest of a sequence of numbers.</a:t>
             </a:r>
           </a:p>
           <a:p>
             <a:pPr lvl="1"/>
             <a:r>
-              <a:rPr lang="en-US" dirty="0" smtClean="0"/>
+              <a:rPr lang="en-US" dirty="0"/>
               <a:t>Perhaps check spelling of words against a dictionary.</a:t>
             </a:r>
           </a:p>
           <a:p>
             <a:pPr lvl="1"/>
             <a:r>
-              <a:rPr lang="en-US" dirty="0" smtClean="0"/>
+              <a:rPr lang="en-US" dirty="0"/>
               <a:t>Perhaps capitalize all letters in a word.</a:t>
             </a:r>
           </a:p>
           <a:p>
             <a:r>
-              <a:rPr lang="en-US" dirty="0" smtClean="0"/>
+              <a:rPr lang="en-US" dirty="0"/>
               <a:t>We already have several </a:t>
             </a:r>
             <a:r>
-              <a:rPr lang="en-US" b="1" dirty="0" smtClean="0"/>
+              <a:rPr lang="en-US" b="1" dirty="0"/>
               <a:t>OS tools / utilities </a:t>
             </a:r>
             <a:r>
-              <a:rPr lang="en-US" dirty="0" smtClean="0"/>
+              <a:rPr lang="en-US" dirty="0"/>
               <a:t>on  a computer to do this. </a:t>
             </a:r>
           </a:p>
           <a:p>
             <a:pPr lvl="1"/>
             <a:r>
-              <a:rPr lang="en-US" dirty="0" smtClean="0"/>
+              <a:rPr lang="en-US" dirty="0"/>
               <a:t>Think of tools like apps on a mobile, if you wish.</a:t>
             </a:r>
           </a:p>
           <a:p>
             <a:pPr lvl="1"/>
             <a:r>
-              <a:rPr lang="en-US" dirty="0" smtClean="0"/>
+              <a:rPr lang="en-US" dirty="0"/>
               <a:t>Lets see this by example; </a:t>
             </a:r>
             <a:r>
-              <a:rPr lang="en-US" b="1" dirty="0" smtClean="0">
+              <a:rPr lang="en-US" b="1" dirty="0">
                 <a:solidFill>
                   <a:srgbClr val="0070C0"/>
                 </a:solidFill>
@@ -17280,7 +16840,7 @@
               <a:t>sort,  head,  </a:t>
             </a:r>
             <a:r>
-              <a:rPr lang="en-US" b="1" dirty="0" err="1" smtClean="0">
+              <a:rPr lang="en-US" b="1" dirty="0" err="1">
                 <a:solidFill>
                   <a:srgbClr val="0070C0"/>
                 </a:solidFill>
@@ -17289,7 +16849,7 @@
               </a:rPr>
               <a:t>tr</a:t>
             </a:r>
-            <a:endParaRPr lang="en-US" b="1" dirty="0" smtClean="0">
+            <a:endParaRPr lang="en-US" b="1" dirty="0">
               <a:solidFill>
                 <a:srgbClr val="0070C0"/>
               </a:solidFill>
@@ -17300,35 +16860,35 @@
           <a:p>
             <a:pPr lvl="1"/>
             <a:r>
-              <a:rPr lang="en-US" dirty="0" smtClean="0"/>
+              <a:rPr lang="en-US" dirty="0"/>
               <a:t>Clearly these are very useful and we can create much larger applications.</a:t>
             </a:r>
           </a:p>
           <a:p>
             <a:pPr lvl="1"/>
             <a:r>
-              <a:rPr lang="en-US" dirty="0" smtClean="0"/>
+              <a:rPr lang="en-US" dirty="0"/>
               <a:t>The OS itself is an example of a large collection of programs. Web servers, etc.</a:t>
             </a:r>
           </a:p>
           <a:p>
             <a:r>
-              <a:rPr lang="en-US" dirty="0" smtClean="0"/>
+              <a:rPr lang="en-US" dirty="0"/>
               <a:t>Note: As computer engineers, at the end of this course you will be able to create several of these tools yourselves. Here ‘</a:t>
             </a:r>
             <a:r>
-              <a:rPr lang="en-US" i="1" dirty="0" smtClean="0">
+              <a:rPr lang="en-US" i="1" dirty="0">
                 <a:latin typeface="Times New Roman" panose="02020603050405020304" pitchFamily="18" charset="0"/>
                 <a:cs typeface="Times New Roman" panose="02020603050405020304" pitchFamily="18" charset="0"/>
               </a:rPr>
               <a:t>create</a:t>
             </a:r>
             <a:r>
-              <a:rPr lang="en-US" dirty="0" smtClean="0"/>
+              <a:rPr lang="en-US" dirty="0"/>
               <a:t>’ means </a:t>
             </a:r>
             <a:r>
-              <a:rPr lang="en-US" b="1" dirty="0" smtClean="0">
+              <a:rPr lang="en-US" b="1" dirty="0">
                 <a:solidFill>
                   <a:srgbClr val="0070C0"/>
                 </a:solidFill>
@@ -17336,17 +16896,17 @@
               <a:t>write programs </a:t>
             </a:r>
             <a:r>
-              <a:rPr lang="en-US" dirty="0" smtClean="0"/>
+              <a:rPr lang="en-US" dirty="0"/>
               <a:t>for them.  .. See </a:t>
             </a:r>
             <a:r>
-              <a:rPr lang="en-US" dirty="0" err="1" smtClean="0">
+              <a:rPr lang="en-US" dirty="0" err="1">
                 <a:latin typeface="Courier New" panose="02070309020205020404" pitchFamily="49" charset="0"/>
                 <a:cs typeface="Courier New" panose="02070309020205020404" pitchFamily="49" charset="0"/>
               </a:rPr>
               <a:t>bub.c</a:t>
             </a:r>
-            <a:endParaRPr lang="en-US" dirty="0" smtClean="0">
+            <a:endParaRPr lang="en-US" dirty="0">
               <a:latin typeface="Courier New" panose="02070309020205020404" pitchFamily="49" charset="0"/>
               <a:cs typeface="Courier New" panose="02070309020205020404" pitchFamily="49" charset="0"/>
             </a:endParaRPr>

--- a/slides/00-Intro-memory-function.pptx
+++ b/slides/00-Intro-memory-function.pptx
@@ -143,18 +143,18 @@
   <pc:docChgLst>
     <pc:chgData name="Badrinath R" userId="155a43e7-1f5f-414f-9bca-c8a1af989a19" providerId="ADAL" clId="{B3415C0E-AC84-4EC3-BC04-72D0AF69EC24}"/>
     <pc:docChg chg="custSel addSld modSld">
-      <pc:chgData name="Badrinath R" userId="155a43e7-1f5f-414f-9bca-c8a1af989a19" providerId="ADAL" clId="{B3415C0E-AC84-4EC3-BC04-72D0AF69EC24}" dt="2025-06-27T09:00:14.195" v="320" actId="20577"/>
+      <pc:chgData name="Badrinath R" userId="155a43e7-1f5f-414f-9bca-c8a1af989a19" providerId="ADAL" clId="{B3415C0E-AC84-4EC3-BC04-72D0AF69EC24}" dt="2025-06-28T10:12:07.632" v="462" actId="20577"/>
       <pc:docMkLst>
         <pc:docMk/>
       </pc:docMkLst>
       <pc:sldChg chg="addSp modSp new mod modClrScheme chgLayout">
-        <pc:chgData name="Badrinath R" userId="155a43e7-1f5f-414f-9bca-c8a1af989a19" providerId="ADAL" clId="{B3415C0E-AC84-4EC3-BC04-72D0AF69EC24}" dt="2025-06-27T09:00:14.195" v="320" actId="20577"/>
+        <pc:chgData name="Badrinath R" userId="155a43e7-1f5f-414f-9bca-c8a1af989a19" providerId="ADAL" clId="{B3415C0E-AC84-4EC3-BC04-72D0AF69EC24}" dt="2025-06-28T10:12:07.632" v="462" actId="20577"/>
         <pc:sldMkLst>
           <pc:docMk/>
           <pc:sldMk cId="997026383" sldId="282"/>
         </pc:sldMkLst>
         <pc:spChg chg="mod ord">
-          <ac:chgData name="Badrinath R" userId="155a43e7-1f5f-414f-9bca-c8a1af989a19" providerId="ADAL" clId="{B3415C0E-AC84-4EC3-BC04-72D0AF69EC24}" dt="2025-06-27T08:58:23.087" v="11" actId="700"/>
+          <ac:chgData name="Badrinath R" userId="155a43e7-1f5f-414f-9bca-c8a1af989a19" providerId="ADAL" clId="{B3415C0E-AC84-4EC3-BC04-72D0AF69EC24}" dt="2025-06-28T10:11:33.883" v="439" actId="313"/>
           <ac:spMkLst>
             <pc:docMk/>
             <pc:sldMk cId="997026383" sldId="282"/>
@@ -162,7 +162,7 @@
           </ac:spMkLst>
         </pc:spChg>
         <pc:spChg chg="add mod ord">
-          <ac:chgData name="Badrinath R" userId="155a43e7-1f5f-414f-9bca-c8a1af989a19" providerId="ADAL" clId="{B3415C0E-AC84-4EC3-BC04-72D0AF69EC24}" dt="2025-06-27T09:00:14.195" v="320" actId="20577"/>
+          <ac:chgData name="Badrinath R" userId="155a43e7-1f5f-414f-9bca-c8a1af989a19" providerId="ADAL" clId="{B3415C0E-AC84-4EC3-BC04-72D0AF69EC24}" dt="2025-06-28T10:12:07.632" v="462" actId="20577"/>
           <ac:spMkLst>
             <pc:docMk/>
             <pc:sldMk cId="997026383" sldId="282"/>
@@ -1156,7 +1156,7 @@
           <a:p>
             <a:fld id="{4ACACA87-7038-476A-85F0-03D6E0AD7D58}" type="datetimeFigureOut">
               <a:rPr lang="en-US" smtClean="0"/>
-              <a:t>6/26/2025</a:t>
+              <a:t>6/28/2025</a:t>
             </a:fld>
             <a:endParaRPr lang="en-US"/>
           </a:p>
@@ -1324,7 +1324,7 @@
           <a:p>
             <a:fld id="{4ACACA87-7038-476A-85F0-03D6E0AD7D58}" type="datetimeFigureOut">
               <a:rPr lang="en-US" smtClean="0"/>
-              <a:t>6/26/2025</a:t>
+              <a:t>6/28/2025</a:t>
             </a:fld>
             <a:endParaRPr lang="en-US"/>
           </a:p>
@@ -1502,7 +1502,7 @@
           <a:p>
             <a:fld id="{4ACACA87-7038-476A-85F0-03D6E0AD7D58}" type="datetimeFigureOut">
               <a:rPr lang="en-US" smtClean="0"/>
-              <a:t>6/26/2025</a:t>
+              <a:t>6/28/2025</a:t>
             </a:fld>
             <a:endParaRPr lang="en-US"/>
           </a:p>
@@ -1670,7 +1670,7 @@
           <a:p>
             <a:fld id="{4ACACA87-7038-476A-85F0-03D6E0AD7D58}" type="datetimeFigureOut">
               <a:rPr lang="en-US" smtClean="0"/>
-              <a:t>6/26/2025</a:t>
+              <a:t>6/28/2025</a:t>
             </a:fld>
             <a:endParaRPr lang="en-US"/>
           </a:p>
@@ -1915,7 +1915,7 @@
           <a:p>
             <a:fld id="{4ACACA87-7038-476A-85F0-03D6E0AD7D58}" type="datetimeFigureOut">
               <a:rPr lang="en-US" smtClean="0"/>
-              <a:t>6/26/2025</a:t>
+              <a:t>6/28/2025</a:t>
             </a:fld>
             <a:endParaRPr lang="en-US"/>
           </a:p>
@@ -2144,7 +2144,7 @@
           <a:p>
             <a:fld id="{4ACACA87-7038-476A-85F0-03D6E0AD7D58}" type="datetimeFigureOut">
               <a:rPr lang="en-US" smtClean="0"/>
-              <a:t>6/26/2025</a:t>
+              <a:t>6/28/2025</a:t>
             </a:fld>
             <a:endParaRPr lang="en-US"/>
           </a:p>
@@ -2508,7 +2508,7 @@
           <a:p>
             <a:fld id="{4ACACA87-7038-476A-85F0-03D6E0AD7D58}" type="datetimeFigureOut">
               <a:rPr lang="en-US" smtClean="0"/>
-              <a:t>6/26/2025</a:t>
+              <a:t>6/28/2025</a:t>
             </a:fld>
             <a:endParaRPr lang="en-US"/>
           </a:p>
@@ -2625,7 +2625,7 @@
           <a:p>
             <a:fld id="{4ACACA87-7038-476A-85F0-03D6E0AD7D58}" type="datetimeFigureOut">
               <a:rPr lang="en-US" smtClean="0"/>
-              <a:t>6/26/2025</a:t>
+              <a:t>6/28/2025</a:t>
             </a:fld>
             <a:endParaRPr lang="en-US"/>
           </a:p>
@@ -2720,7 +2720,7 @@
           <a:p>
             <a:fld id="{4ACACA87-7038-476A-85F0-03D6E0AD7D58}" type="datetimeFigureOut">
               <a:rPr lang="en-US" smtClean="0"/>
-              <a:t>6/26/2025</a:t>
+              <a:t>6/28/2025</a:t>
             </a:fld>
             <a:endParaRPr lang="en-US"/>
           </a:p>
@@ -2995,7 +2995,7 @@
           <a:p>
             <a:fld id="{4ACACA87-7038-476A-85F0-03D6E0AD7D58}" type="datetimeFigureOut">
               <a:rPr lang="en-US" smtClean="0"/>
-              <a:t>6/26/2025</a:t>
+              <a:t>6/28/2025</a:t>
             </a:fld>
             <a:endParaRPr lang="en-US"/>
           </a:p>
@@ -3247,7 +3247,7 @@
           <a:p>
             <a:fld id="{4ACACA87-7038-476A-85F0-03D6E0AD7D58}" type="datetimeFigureOut">
               <a:rPr lang="en-US" smtClean="0"/>
-              <a:t>6/26/2025</a:t>
+              <a:t>6/28/2025</a:t>
             </a:fld>
             <a:endParaRPr lang="en-US"/>
           </a:p>
@@ -3458,7 +3458,7 @@
           <a:p>
             <a:fld id="{4ACACA87-7038-476A-85F0-03D6E0AD7D58}" type="datetimeFigureOut">
               <a:rPr lang="en-US" smtClean="0"/>
-              <a:t>6/26/2025</a:t>
+              <a:t>6/28/2025</a:t>
             </a:fld>
             <a:endParaRPr lang="en-US"/>
           </a:p>
@@ -7067,7 +7067,7 @@
           <a:p>
             <a:r>
               <a:rPr lang="en-US" dirty="0"/>
-              <a:t>Assumption</a:t>
+              <a:t>Assumption about familiarity with programming “Logic”</a:t>
             </a:r>
           </a:p>
         </p:txBody>
@@ -7101,13 +7101,16 @@
           <a:p>
             <a:r>
               <a:rPr lang="en-US" dirty="0"/>
-              <a:t>If you are not, then please spend some time on that using the additional slide set, which shows you how to do that </a:t>
+              <a:t>If you are not, then please spend some time on that using the additional slide set, which shows you how to do that with a visual </a:t>
             </a:r>
             <a:r>
               <a:rPr lang="en-US"/>
-              <a:t>with flowcharts.</a:t>
-            </a:r>
-            <a:endParaRPr lang="en-US" dirty="0"/>
+              <a:t>method called </a:t>
+            </a:r>
+            <a:r>
+              <a:rPr lang="en-US" dirty="0"/>
+              <a:t>flowcharts.</a:t>
+            </a:r>
           </a:p>
         </p:txBody>
       </p:sp>

--- a/slides/00-Intro-memory-function.pptx
+++ b/slides/00-Intro-memory-function.pptx
@@ -140,6 +140,115 @@
 
 <file path=ppt/changesInfos/changesInfo1.xml><?xml version="1.0" encoding="utf-8"?>
 <pc:chgInfo xmlns:a="http://schemas.openxmlformats.org/drawingml/2006/main" xmlns:r="http://schemas.openxmlformats.org/officeDocument/2006/relationships" xmlns:ac="http://schemas.microsoft.com/office/drawing/2013/main/command" xmlns:pc="http://schemas.microsoft.com/office/powerpoint/2013/main/command">
+  <pc:docChgLst>
+    <pc:chgData name="Badrinath R" userId="155a43e7-1f5f-414f-9bca-c8a1af989a19" providerId="ADAL" clId="{88A26AFE-0B94-4104-B23F-E1C47EF633DC}"/>
+    <pc:docChg chg="undo custSel modSld">
+      <pc:chgData name="Badrinath R" userId="155a43e7-1f5f-414f-9bca-c8a1af989a19" providerId="ADAL" clId="{88A26AFE-0B94-4104-B23F-E1C47EF633DC}" dt="2025-08-01T07:53:12.990" v="312" actId="729"/>
+      <pc:docMkLst>
+        <pc:docMk/>
+      </pc:docMkLst>
+      <pc:sldChg chg="addSp delSp modSp mod">
+        <pc:chgData name="Badrinath R" userId="155a43e7-1f5f-414f-9bca-c8a1af989a19" providerId="ADAL" clId="{88A26AFE-0B94-4104-B23F-E1C47EF633DC}" dt="2025-08-01T07:46:26.516" v="111" actId="1036"/>
+        <pc:sldMkLst>
+          <pc:docMk/>
+          <pc:sldMk cId="2870837715" sldId="263"/>
+        </pc:sldMkLst>
+        <pc:spChg chg="mod">
+          <ac:chgData name="Badrinath R" userId="155a43e7-1f5f-414f-9bca-c8a1af989a19" providerId="ADAL" clId="{88A26AFE-0B94-4104-B23F-E1C47EF633DC}" dt="2025-08-01T07:41:19.401" v="63" actId="20577"/>
+          <ac:spMkLst>
+            <pc:docMk/>
+            <pc:sldMk cId="2870837715" sldId="263"/>
+            <ac:spMk id="2" creationId="{00000000-0000-0000-0000-000000000000}"/>
+          </ac:spMkLst>
+        </pc:spChg>
+        <pc:spChg chg="add del mod">
+          <ac:chgData name="Badrinath R" userId="155a43e7-1f5f-414f-9bca-c8a1af989a19" providerId="ADAL" clId="{88A26AFE-0B94-4104-B23F-E1C47EF633DC}" dt="2025-08-01T07:43:07.805" v="69" actId="478"/>
+          <ac:spMkLst>
+            <pc:docMk/>
+            <pc:sldMk cId="2870837715" sldId="263"/>
+            <ac:spMk id="12" creationId="{4CD8E5B8-39E3-48F7-8437-54A2981E6C4F}"/>
+          </ac:spMkLst>
+        </pc:spChg>
+        <pc:spChg chg="add mod">
+          <ac:chgData name="Badrinath R" userId="155a43e7-1f5f-414f-9bca-c8a1af989a19" providerId="ADAL" clId="{88A26AFE-0B94-4104-B23F-E1C47EF633DC}" dt="2025-08-01T07:45:48.646" v="105" actId="1038"/>
+          <ac:spMkLst>
+            <pc:docMk/>
+            <pc:sldMk cId="2870837715" sldId="263"/>
+            <ac:spMk id="15" creationId="{0E2A0AA5-370C-2CDC-291C-5366C6D573A4}"/>
+          </ac:spMkLst>
+        </pc:spChg>
+        <pc:spChg chg="add del mod">
+          <ac:chgData name="Badrinath R" userId="155a43e7-1f5f-414f-9bca-c8a1af989a19" providerId="ADAL" clId="{88A26AFE-0B94-4104-B23F-E1C47EF633DC}" dt="2025-08-01T07:45:05.427" v="92" actId="478"/>
+          <ac:spMkLst>
+            <pc:docMk/>
+            <pc:sldMk cId="2870837715" sldId="263"/>
+            <ac:spMk id="18" creationId="{535C2E52-D5DE-F528-BB68-F673F584D84E}"/>
+          </ac:spMkLst>
+        </pc:spChg>
+        <pc:spChg chg="add mod">
+          <ac:chgData name="Badrinath R" userId="155a43e7-1f5f-414f-9bca-c8a1af989a19" providerId="ADAL" clId="{88A26AFE-0B94-4104-B23F-E1C47EF633DC}" dt="2025-08-01T07:45:48.646" v="105" actId="1038"/>
+          <ac:spMkLst>
+            <pc:docMk/>
+            <pc:sldMk cId="2870837715" sldId="263"/>
+            <ac:spMk id="20" creationId="{92B1250C-8D0C-4287-C234-67F24BFA68DE}"/>
+          </ac:spMkLst>
+        </pc:spChg>
+        <pc:cxnChg chg="mod">
+          <ac:chgData name="Badrinath R" userId="155a43e7-1f5f-414f-9bca-c8a1af989a19" providerId="ADAL" clId="{88A26AFE-0B94-4104-B23F-E1C47EF633DC}" dt="2025-08-01T07:46:26.516" v="111" actId="1036"/>
+          <ac:cxnSpMkLst>
+            <pc:docMk/>
+            <pc:sldMk cId="2870837715" sldId="263"/>
+            <ac:cxnSpMk id="19" creationId="{00000000-0000-0000-0000-000000000000}"/>
+          </ac:cxnSpMkLst>
+        </pc:cxnChg>
+      </pc:sldChg>
+      <pc:sldChg chg="modSp mod">
+        <pc:chgData name="Badrinath R" userId="155a43e7-1f5f-414f-9bca-c8a1af989a19" providerId="ADAL" clId="{88A26AFE-0B94-4104-B23F-E1C47EF633DC}" dt="2025-07-22T14:03:10.744" v="29" actId="114"/>
+        <pc:sldMkLst>
+          <pc:docMk/>
+          <pc:sldMk cId="2320892863" sldId="268"/>
+        </pc:sldMkLst>
+        <pc:spChg chg="mod">
+          <ac:chgData name="Badrinath R" userId="155a43e7-1f5f-414f-9bca-c8a1af989a19" providerId="ADAL" clId="{88A26AFE-0B94-4104-B23F-E1C47EF633DC}" dt="2025-07-22T14:02:19.053" v="26" actId="113"/>
+          <ac:spMkLst>
+            <pc:docMk/>
+            <pc:sldMk cId="2320892863" sldId="268"/>
+            <ac:spMk id="2" creationId="{00000000-0000-0000-0000-000000000000}"/>
+          </ac:spMkLst>
+        </pc:spChg>
+        <pc:spChg chg="mod">
+          <ac:chgData name="Badrinath R" userId="155a43e7-1f5f-414f-9bca-c8a1af989a19" providerId="ADAL" clId="{88A26AFE-0B94-4104-B23F-E1C47EF633DC}" dt="2025-07-22T14:03:10.744" v="29" actId="114"/>
+          <ac:spMkLst>
+            <pc:docMk/>
+            <pc:sldMk cId="2320892863" sldId="268"/>
+            <ac:spMk id="3" creationId="{00000000-0000-0000-0000-000000000000}"/>
+          </ac:spMkLst>
+        </pc:spChg>
+      </pc:sldChg>
+      <pc:sldChg chg="mod modShow">
+        <pc:chgData name="Badrinath R" userId="155a43e7-1f5f-414f-9bca-c8a1af989a19" providerId="ADAL" clId="{88A26AFE-0B94-4104-B23F-E1C47EF633DC}" dt="2025-08-01T07:53:12.990" v="312" actId="729"/>
+        <pc:sldMkLst>
+          <pc:docMk/>
+          <pc:sldMk cId="2548858015" sldId="273"/>
+        </pc:sldMkLst>
+      </pc:sldChg>
+      <pc:sldChg chg="modSp mod">
+        <pc:chgData name="Badrinath R" userId="155a43e7-1f5f-414f-9bca-c8a1af989a19" providerId="ADAL" clId="{88A26AFE-0B94-4104-B23F-E1C47EF633DC}" dt="2025-08-01T07:49:44.182" v="311" actId="20577"/>
+        <pc:sldMkLst>
+          <pc:docMk/>
+          <pc:sldMk cId="997026383" sldId="282"/>
+        </pc:sldMkLst>
+        <pc:spChg chg="mod">
+          <ac:chgData name="Badrinath R" userId="155a43e7-1f5f-414f-9bca-c8a1af989a19" providerId="ADAL" clId="{88A26AFE-0B94-4104-B23F-E1C47EF633DC}" dt="2025-08-01T07:49:44.182" v="311" actId="20577"/>
+          <ac:spMkLst>
+            <pc:docMk/>
+            <pc:sldMk cId="997026383" sldId="282"/>
+            <ac:spMk id="3" creationId="{9002E9F8-15FE-CD0A-E617-4CEAC862B506}"/>
+          </ac:spMkLst>
+        </pc:spChg>
+      </pc:sldChg>
+    </pc:docChg>
+  </pc:docChgLst>
   <pc:docChgLst>
     <pc:chgData name="Badrinath R" userId="155a43e7-1f5f-414f-9bca-c8a1af989a19" providerId="ADAL" clId="{B3415C0E-AC84-4EC3-BC04-72D0AF69EC24}"/>
     <pc:docChg chg="custSel addSld modSld">
@@ -1156,7 +1265,7 @@
           <a:p>
             <a:fld id="{4ACACA87-7038-476A-85F0-03D6E0AD7D58}" type="datetimeFigureOut">
               <a:rPr lang="en-US" smtClean="0"/>
-              <a:t>6/28/2025</a:t>
+              <a:t>8/1/2025</a:t>
             </a:fld>
             <a:endParaRPr lang="en-US"/>
           </a:p>
@@ -1324,7 +1433,7 @@
           <a:p>
             <a:fld id="{4ACACA87-7038-476A-85F0-03D6E0AD7D58}" type="datetimeFigureOut">
               <a:rPr lang="en-US" smtClean="0"/>
-              <a:t>6/28/2025</a:t>
+              <a:t>8/1/2025</a:t>
             </a:fld>
             <a:endParaRPr lang="en-US"/>
           </a:p>
@@ -1502,7 +1611,7 @@
           <a:p>
             <a:fld id="{4ACACA87-7038-476A-85F0-03D6E0AD7D58}" type="datetimeFigureOut">
               <a:rPr lang="en-US" smtClean="0"/>
-              <a:t>6/28/2025</a:t>
+              <a:t>8/1/2025</a:t>
             </a:fld>
             <a:endParaRPr lang="en-US"/>
           </a:p>
@@ -1670,7 +1779,7 @@
           <a:p>
             <a:fld id="{4ACACA87-7038-476A-85F0-03D6E0AD7D58}" type="datetimeFigureOut">
               <a:rPr lang="en-US" smtClean="0"/>
-              <a:t>6/28/2025</a:t>
+              <a:t>8/1/2025</a:t>
             </a:fld>
             <a:endParaRPr lang="en-US"/>
           </a:p>
@@ -1915,7 +2024,7 @@
           <a:p>
             <a:fld id="{4ACACA87-7038-476A-85F0-03D6E0AD7D58}" type="datetimeFigureOut">
               <a:rPr lang="en-US" smtClean="0"/>
-              <a:t>6/28/2025</a:t>
+              <a:t>8/1/2025</a:t>
             </a:fld>
             <a:endParaRPr lang="en-US"/>
           </a:p>
@@ -2144,7 +2253,7 @@
           <a:p>
             <a:fld id="{4ACACA87-7038-476A-85F0-03D6E0AD7D58}" type="datetimeFigureOut">
               <a:rPr lang="en-US" smtClean="0"/>
-              <a:t>6/28/2025</a:t>
+              <a:t>8/1/2025</a:t>
             </a:fld>
             <a:endParaRPr lang="en-US"/>
           </a:p>
@@ -2508,7 +2617,7 @@
           <a:p>
             <a:fld id="{4ACACA87-7038-476A-85F0-03D6E0AD7D58}" type="datetimeFigureOut">
               <a:rPr lang="en-US" smtClean="0"/>
-              <a:t>6/28/2025</a:t>
+              <a:t>8/1/2025</a:t>
             </a:fld>
             <a:endParaRPr lang="en-US"/>
           </a:p>
@@ -2625,7 +2734,7 @@
           <a:p>
             <a:fld id="{4ACACA87-7038-476A-85F0-03D6E0AD7D58}" type="datetimeFigureOut">
               <a:rPr lang="en-US" smtClean="0"/>
-              <a:t>6/28/2025</a:t>
+              <a:t>8/1/2025</a:t>
             </a:fld>
             <a:endParaRPr lang="en-US"/>
           </a:p>
@@ -2720,7 +2829,7 @@
           <a:p>
             <a:fld id="{4ACACA87-7038-476A-85F0-03D6E0AD7D58}" type="datetimeFigureOut">
               <a:rPr lang="en-US" smtClean="0"/>
-              <a:t>6/28/2025</a:t>
+              <a:t>8/1/2025</a:t>
             </a:fld>
             <a:endParaRPr lang="en-US"/>
           </a:p>
@@ -2995,7 +3104,7 @@
           <a:p>
             <a:fld id="{4ACACA87-7038-476A-85F0-03D6E0AD7D58}" type="datetimeFigureOut">
               <a:rPr lang="en-US" smtClean="0"/>
-              <a:t>6/28/2025</a:t>
+              <a:t>8/1/2025</a:t>
             </a:fld>
             <a:endParaRPr lang="en-US"/>
           </a:p>
@@ -3247,7 +3356,7 @@
           <a:p>
             <a:fld id="{4ACACA87-7038-476A-85F0-03D6E0AD7D58}" type="datetimeFigureOut">
               <a:rPr lang="en-US" smtClean="0"/>
-              <a:t>6/28/2025</a:t>
+              <a:t>8/1/2025</a:t>
             </a:fld>
             <a:endParaRPr lang="en-US"/>
           </a:p>
@@ -3458,7 +3567,7 @@
           <a:p>
             <a:fld id="{4ACACA87-7038-476A-85F0-03D6E0AD7D58}" type="datetimeFigureOut">
               <a:rPr lang="en-US" smtClean="0"/>
-              <a:t>6/28/2025</a:t>
+              <a:t>8/1/2025</a:t>
             </a:fld>
             <a:endParaRPr lang="en-US"/>
           </a:p>
@@ -4869,7 +4978,7 @@
           <a:p>
             <a:r>
               <a:rPr lang="en-US" dirty="0"/>
-              <a:t>Big Picture: Environments, Tools, Libraries</a:t>
+              <a:t>The Mechanics: Environments, Tools, Libraries</a:t>
             </a:r>
           </a:p>
         </p:txBody>
@@ -5476,24 +5585,23 @@
         <p:nvCxnSpPr>
           <p:cNvPr id="19" name="Straight Arrow Connector 18"/>
           <p:cNvCxnSpPr>
-            <a:stCxn id="11" idx="2"/>
-            <a:endCxn id="16" idx="0"/>
+            <a:cxnSpLocks/>
           </p:cNvCxnSpPr>
           <p:nvPr/>
         </p:nvCxnSpPr>
         <p:spPr>
           <a:xfrm>
-            <a:off x="2526336" y="4124527"/>
+            <a:off x="2541326" y="4109537"/>
             <a:ext cx="32046" cy="876254"/>
           </a:xfrm>
           <a:prstGeom prst="straightConnector1">
             <a:avLst/>
           </a:prstGeom>
-          <a:ln w="9525" cap="flat" cmpd="sng" algn="ctr">
+          <a:ln w="38100" cap="flat" cmpd="sng" algn="ctr">
             <a:solidFill>
               <a:schemeClr val="accent4"/>
             </a:solidFill>
-            <a:prstDash val="dash"/>
+            <a:prstDash val="solid"/>
             <a:round/>
             <a:headEnd type="none" w="med" len="med"/>
             <a:tailEnd type="none" w="med" len="med"/>
@@ -5803,6 +5911,126 @@
               </a:rPr>
               <a:t>Run the program</a:t>
             </a:r>
+          </a:p>
+        </p:txBody>
+      </p:sp>
+      <p:sp>
+        <p:nvSpPr>
+          <p:cNvPr id="15" name="Rectangle: Rounded Corners 14">
+            <a:extLst>
+              <a:ext uri="{FF2B5EF4-FFF2-40B4-BE49-F238E27FC236}">
+                <a16:creationId xmlns:a16="http://schemas.microsoft.com/office/drawing/2014/main" id="{0E2A0AA5-370C-2CDC-291C-5366C6D573A4}"/>
+              </a:ext>
+            </a:extLst>
+          </p:cNvPr>
+          <p:cNvSpPr/>
+          <p:nvPr/>
+        </p:nvSpPr>
+        <p:spPr>
+          <a:xfrm>
+            <a:off x="2048078" y="4656028"/>
+            <a:ext cx="1039896" cy="192878"/>
+          </a:xfrm>
+          <a:prstGeom prst="roundRect">
+            <a:avLst/>
+          </a:prstGeom>
+          <a:solidFill>
+            <a:srgbClr val="FFFFCC"/>
+          </a:solidFill>
+          <a:effectLst>
+            <a:outerShdw blurRad="50800" dist="38100" dir="18900000" algn="bl" rotWithShape="0">
+              <a:prstClr val="black">
+                <a:alpha val="40000"/>
+              </a:prstClr>
+            </a:outerShdw>
+          </a:effectLst>
+          <a:scene3d>
+            <a:camera prst="obliqueTopRight"/>
+            <a:lightRig rig="threePt" dir="t"/>
+          </a:scene3d>
+        </p:spPr>
+        <p:style>
+          <a:lnRef idx="2">
+            <a:schemeClr val="accent1">
+              <a:shade val="15000"/>
+            </a:schemeClr>
+          </a:lnRef>
+          <a:fillRef idx="1">
+            <a:schemeClr val="accent1"/>
+          </a:fillRef>
+          <a:effectRef idx="0">
+            <a:schemeClr val="accent1"/>
+          </a:effectRef>
+          <a:fontRef idx="minor">
+            <a:schemeClr val="lt1"/>
+          </a:fontRef>
+        </p:style>
+        <p:txBody>
+          <a:bodyPr rtlCol="0" anchor="ctr"/>
+          <a:lstStyle/>
+          <a:p>
+            <a:pPr algn="ctr"/>
+            <a:endParaRPr lang="en-US" baseline="-25000"/>
+          </a:p>
+        </p:txBody>
+      </p:sp>
+      <p:sp>
+        <p:nvSpPr>
+          <p:cNvPr id="20" name="Rectangle: Rounded Corners 19">
+            <a:extLst>
+              <a:ext uri="{FF2B5EF4-FFF2-40B4-BE49-F238E27FC236}">
+                <a16:creationId xmlns:a16="http://schemas.microsoft.com/office/drawing/2014/main" id="{92B1250C-8D0C-4287-C234-67F24BFA68DE}"/>
+              </a:ext>
+            </a:extLst>
+          </p:cNvPr>
+          <p:cNvSpPr/>
+          <p:nvPr/>
+        </p:nvSpPr>
+        <p:spPr>
+          <a:xfrm>
+            <a:off x="2048078" y="4271353"/>
+            <a:ext cx="1039896" cy="192878"/>
+          </a:xfrm>
+          <a:prstGeom prst="roundRect">
+            <a:avLst/>
+          </a:prstGeom>
+          <a:solidFill>
+            <a:srgbClr val="FFFFCC"/>
+          </a:solidFill>
+          <a:effectLst>
+            <a:outerShdw blurRad="50800" dist="38100" dir="18900000" algn="bl" rotWithShape="0">
+              <a:prstClr val="black">
+                <a:alpha val="40000"/>
+              </a:prstClr>
+            </a:outerShdw>
+          </a:effectLst>
+          <a:scene3d>
+            <a:camera prst="obliqueTopRight"/>
+            <a:lightRig rig="threePt" dir="t"/>
+          </a:scene3d>
+        </p:spPr>
+        <p:style>
+          <a:lnRef idx="2">
+            <a:schemeClr val="accent1">
+              <a:shade val="15000"/>
+            </a:schemeClr>
+          </a:lnRef>
+          <a:fillRef idx="1">
+            <a:schemeClr val="accent1"/>
+          </a:fillRef>
+          <a:effectRef idx="0">
+            <a:schemeClr val="accent1"/>
+          </a:effectRef>
+          <a:fontRef idx="minor">
+            <a:schemeClr val="lt1"/>
+          </a:fontRef>
+        </p:style>
+        <p:txBody>
+          <a:bodyPr rtlCol="0" anchor="ctr"/>
+          <a:lstStyle/>
+          <a:p>
+            <a:pPr algn="ctr"/>
+            <a:endParaRPr lang="en-US" baseline="-25000"/>
           </a:p>
         </p:txBody>
       </p:sp>
@@ -7101,15 +7329,27 @@
           <a:p>
             <a:r>
               <a:rPr lang="en-US" dirty="0"/>
-              <a:t>If you are not, then please spend some time on that using the additional slide set, which shows you how to do that with a visual </a:t>
-            </a:r>
-            <a:r>
-              <a:rPr lang="en-US"/>
-              <a:t>method called </a:t>
-            </a:r>
-            <a:r>
-              <a:rPr lang="en-US" dirty="0"/>
-              <a:t>flowcharts.</a:t>
+              <a:t>If you are not, then please spend some time on that using the additional slide set which shows you how to do that with a visual method called flowcharts.</a:t>
+            </a:r>
+          </a:p>
+          <a:p>
+            <a:pPr lvl="1"/>
+            <a:r>
+              <a:rPr lang="en-US" dirty="0"/>
+              <a:t>See 00-x-Flowcharts-to-code</a:t>
+            </a:r>
+          </a:p>
+          <a:p>
+            <a:r>
+              <a:rPr lang="en-US" dirty="0"/>
+              <a:t>It is also useful to have some concept of CPU and memory before proceeding further</a:t>
+            </a:r>
+          </a:p>
+          <a:p>
+            <a:pPr lvl="1"/>
+            <a:r>
+              <a:rPr lang="en-US" dirty="0"/>
+              <a:t>See 00-x-Model-of-Programming</a:t>
             </a:r>
           </a:p>
         </p:txBody>
@@ -10679,8 +10919,19 @@
           <a:p>
             <a:r>
               <a:rPr lang="en-US" dirty="0"/>
-              <a:t>Some things to notice about C</a:t>
-            </a:r>
+              <a:t>Some things to notice about C – </a:t>
+            </a:r>
+            <a:r>
+              <a:rPr lang="en-US" sz="3200" b="1" dirty="0" err="1">
+                <a:latin typeface="Courier New" panose="02070309020205020404" pitchFamily="49" charset="0"/>
+                <a:cs typeface="Courier New" panose="02070309020205020404" pitchFamily="49" charset="0"/>
+              </a:rPr>
+              <a:t>very_first.c</a:t>
+            </a:r>
+            <a:endParaRPr lang="en-US" b="1" dirty="0">
+              <a:latin typeface="Courier New" panose="02070309020205020404" pitchFamily="49" charset="0"/>
+              <a:cs typeface="Courier New" panose="02070309020205020404" pitchFamily="49" charset="0"/>
+            </a:endParaRPr>
           </a:p>
         </p:txBody>
       </p:sp>
@@ -10697,7 +10948,7 @@
         <p:spPr/>
         <p:txBody>
           <a:bodyPr>
-            <a:normAutofit fontScale="92500" lnSpcReduction="10000"/>
+            <a:normAutofit fontScale="92500" lnSpcReduction="20000"/>
           </a:bodyPr>
           <a:lstStyle/>
           <a:p>
@@ -10743,11 +10994,21 @@
               <a:rPr lang="en-US" dirty="0">
                 <a:cs typeface="Courier New" panose="02070309020205020404" pitchFamily="49" charset="0"/>
               </a:rPr>
-              <a:t> function </a:t>
-            </a:r>
-            <a:r>
-              <a:rPr lang="en-US" dirty="0"/>
-              <a:t>call helps us print out something</a:t>
+              <a:t> </a:t>
+            </a:r>
+            <a:r>
+              <a:rPr lang="en-US" i="1" u="sng" dirty="0">
+                <a:cs typeface="Courier New" panose="02070309020205020404" pitchFamily="49" charset="0"/>
+              </a:rPr>
+              <a:t>function </a:t>
+            </a:r>
+            <a:r>
+              <a:rPr lang="en-US" i="1" u="sng" dirty="0"/>
+              <a:t>call </a:t>
+            </a:r>
+            <a:r>
+              <a:rPr lang="en-US" dirty="0"/>
+              <a:t>helps us print out something</a:t>
             </a:r>
             <a:r>
               <a:rPr lang="en-US" i="1" dirty="0"/>
@@ -11814,7 +12075,7 @@
 </file>
 
 <file path=ppt/slides/slide21.xml><?xml version="1.0" encoding="utf-8"?>
-<p:sld xmlns:a="http://schemas.openxmlformats.org/drawingml/2006/main" xmlns:r="http://schemas.openxmlformats.org/officeDocument/2006/relationships" xmlns:p="http://schemas.openxmlformats.org/presentationml/2006/main">
+<p:sld xmlns:a="http://schemas.openxmlformats.org/drawingml/2006/main" xmlns:r="http://schemas.openxmlformats.org/officeDocument/2006/relationships" xmlns:p="http://schemas.openxmlformats.org/presentationml/2006/main" show="0">
   <p:cSld>
     <p:spTree>
       <p:nvGrpSpPr>
